--- a/03-Hadoop-Temel-Bilesenler/01_hdfs_teori.pptx
+++ b/03-Hadoop-Temel-Bilesenler/01_hdfs_teori.pptx
@@ -209,7 +209,7 @@
           <a:p>
             <a:fld id="{6F77F576-AE14-466D-AA6B-335273622B21}" type="datetimeFigureOut">
               <a:rPr lang="en-US" smtClean="0"/>
-              <a:t>3/31/2018</a:t>
+              <a:t>10/4/2019</a:t>
             </a:fld>
             <a:endParaRPr lang="en-US"/>
           </a:p>
@@ -273,35 +273,35 @@
           <a:p>
             <a:pPr lvl="0"/>
             <a:r>
-              <a:rPr lang="tr-TR" smtClean="0"/>
+              <a:rPr lang="tr-TR"/>
               <a:t>Asıl metin stillerini düzenlemek için tıklatın</a:t>
             </a:r>
           </a:p>
           <a:p>
             <a:pPr lvl="1"/>
             <a:r>
-              <a:rPr lang="tr-TR" smtClean="0"/>
+              <a:rPr lang="tr-TR"/>
               <a:t>İkinci düzey</a:t>
             </a:r>
           </a:p>
           <a:p>
             <a:pPr lvl="2"/>
             <a:r>
-              <a:rPr lang="tr-TR" smtClean="0"/>
+              <a:rPr lang="tr-TR"/>
               <a:t>Üçüncü düzey</a:t>
             </a:r>
           </a:p>
           <a:p>
             <a:pPr lvl="3"/>
             <a:r>
-              <a:rPr lang="tr-TR" smtClean="0"/>
+              <a:rPr lang="tr-TR"/>
               <a:t>Dördüncü düzey</a:t>
             </a:r>
           </a:p>
           <a:p>
             <a:pPr lvl="4"/>
             <a:r>
-              <a:rPr lang="tr-TR" smtClean="0"/>
+              <a:rPr lang="tr-TR"/>
               <a:t>Beşinci düzey</a:t>
             </a:r>
             <a:endParaRPr lang="en-US"/>
@@ -606,15 +606,15 @@
           <a:lstStyle/>
           <a:p>
             <a:r>
-              <a:rPr lang="tr-TR" dirty="0" smtClean="0"/>
+              <a:rPr lang="tr-TR" dirty="0"/>
               <a:t>Bir çok bilgisayarın işlemci, ana bellek ve depolama güçlerini</a:t>
             </a:r>
             <a:r>
-              <a:rPr lang="tr-TR" baseline="0" dirty="0" smtClean="0"/>
+              <a:rPr lang="tr-TR" baseline="0" dirty="0"/>
               <a:t> </a:t>
             </a:r>
             <a:r>
-              <a:rPr lang="tr-TR" baseline="0" smtClean="0"/>
+              <a:rPr lang="tr-TR" baseline="0"/>
               <a:t>birleştirip kullanması.</a:t>
             </a:r>
           </a:p>
@@ -701,7 +701,7 @@
           </a:lstStyle>
           <a:p>
             <a:r>
-              <a:rPr lang="tr-TR" smtClean="0"/>
+              <a:rPr lang="tr-TR"/>
               <a:t>Asıl başlık stili için tıklatın</a:t>
             </a:r>
             <a:endParaRPr lang="en-US"/>
@@ -766,7 +766,7 @@
           </a:lstStyle>
           <a:p>
             <a:r>
-              <a:rPr lang="tr-TR" smtClean="0"/>
+              <a:rPr lang="tr-TR"/>
               <a:t>Asıl alt başlık stilini düzenlemek için tıklatın</a:t>
             </a:r>
             <a:endParaRPr lang="en-US"/>
@@ -790,7 +790,7 @@
           <a:p>
             <a:fld id="{54AA066D-271F-4C1A-B89A-0705A7689EE9}" type="datetimeFigureOut">
               <a:rPr lang="en-US" smtClean="0"/>
-              <a:t>3/31/2018</a:t>
+              <a:t>10/4/2019</a:t>
             </a:fld>
             <a:endParaRPr lang="en-US"/>
           </a:p>
@@ -884,7 +884,7 @@
           <a:lstStyle/>
           <a:p>
             <a:r>
-              <a:rPr lang="tr-TR" smtClean="0"/>
+              <a:rPr lang="tr-TR"/>
               <a:t>Asıl başlık stili için tıklatın</a:t>
             </a:r>
             <a:endParaRPr lang="en-US"/>
@@ -908,35 +908,35 @@
           <a:p>
             <a:pPr lvl="0"/>
             <a:r>
-              <a:rPr lang="tr-TR" smtClean="0"/>
+              <a:rPr lang="tr-TR"/>
               <a:t>Asıl metin stillerini düzenlemek için tıklatın</a:t>
             </a:r>
           </a:p>
           <a:p>
             <a:pPr lvl="1"/>
             <a:r>
-              <a:rPr lang="tr-TR" smtClean="0"/>
+              <a:rPr lang="tr-TR"/>
               <a:t>İkinci düzey</a:t>
             </a:r>
           </a:p>
           <a:p>
             <a:pPr lvl="2"/>
             <a:r>
-              <a:rPr lang="tr-TR" smtClean="0"/>
+              <a:rPr lang="tr-TR"/>
               <a:t>Üçüncü düzey</a:t>
             </a:r>
           </a:p>
           <a:p>
             <a:pPr lvl="3"/>
             <a:r>
-              <a:rPr lang="tr-TR" smtClean="0"/>
+              <a:rPr lang="tr-TR"/>
               <a:t>Dördüncü düzey</a:t>
             </a:r>
           </a:p>
           <a:p>
             <a:pPr lvl="4"/>
             <a:r>
-              <a:rPr lang="tr-TR" smtClean="0"/>
+              <a:rPr lang="tr-TR"/>
               <a:t>Beşinci düzey</a:t>
             </a:r>
             <a:endParaRPr lang="en-US"/>
@@ -960,7 +960,7 @@
           <a:p>
             <a:fld id="{54AA066D-271F-4C1A-B89A-0705A7689EE9}" type="datetimeFigureOut">
               <a:rPr lang="en-US" smtClean="0"/>
-              <a:t>3/31/2018</a:t>
+              <a:t>10/4/2019</a:t>
             </a:fld>
             <a:endParaRPr lang="en-US"/>
           </a:p>
@@ -1059,7 +1059,7 @@
           <a:lstStyle/>
           <a:p>
             <a:r>
-              <a:rPr lang="tr-TR" smtClean="0"/>
+              <a:rPr lang="tr-TR"/>
               <a:t>Asıl başlık stili için tıklatın</a:t>
             </a:r>
             <a:endParaRPr lang="en-US"/>
@@ -1088,35 +1088,35 @@
           <a:p>
             <a:pPr lvl="0"/>
             <a:r>
-              <a:rPr lang="tr-TR" smtClean="0"/>
+              <a:rPr lang="tr-TR"/>
               <a:t>Asıl metin stillerini düzenlemek için tıklatın</a:t>
             </a:r>
           </a:p>
           <a:p>
             <a:pPr lvl="1"/>
             <a:r>
-              <a:rPr lang="tr-TR" smtClean="0"/>
+              <a:rPr lang="tr-TR"/>
               <a:t>İkinci düzey</a:t>
             </a:r>
           </a:p>
           <a:p>
             <a:pPr lvl="2"/>
             <a:r>
-              <a:rPr lang="tr-TR" smtClean="0"/>
+              <a:rPr lang="tr-TR"/>
               <a:t>Üçüncü düzey</a:t>
             </a:r>
           </a:p>
           <a:p>
             <a:pPr lvl="3"/>
             <a:r>
-              <a:rPr lang="tr-TR" smtClean="0"/>
+              <a:rPr lang="tr-TR"/>
               <a:t>Dördüncü düzey</a:t>
             </a:r>
           </a:p>
           <a:p>
             <a:pPr lvl="4"/>
             <a:r>
-              <a:rPr lang="tr-TR" smtClean="0"/>
+              <a:rPr lang="tr-TR"/>
               <a:t>Beşinci düzey</a:t>
             </a:r>
             <a:endParaRPr lang="en-US"/>
@@ -1140,7 +1140,7 @@
           <a:p>
             <a:fld id="{54AA066D-271F-4C1A-B89A-0705A7689EE9}" type="datetimeFigureOut">
               <a:rPr lang="en-US" smtClean="0"/>
-              <a:t>3/31/2018</a:t>
+              <a:t>10/4/2019</a:t>
             </a:fld>
             <a:endParaRPr lang="en-US"/>
           </a:p>
@@ -1234,7 +1234,7 @@
           <a:lstStyle/>
           <a:p>
             <a:r>
-              <a:rPr lang="tr-TR" smtClean="0"/>
+              <a:rPr lang="tr-TR"/>
               <a:t>Asıl başlık stili için tıklatın</a:t>
             </a:r>
             <a:endParaRPr lang="en-US"/>
@@ -1258,35 +1258,35 @@
           <a:p>
             <a:pPr lvl="0"/>
             <a:r>
-              <a:rPr lang="tr-TR" smtClean="0"/>
+              <a:rPr lang="tr-TR"/>
               <a:t>Asıl metin stillerini düzenlemek için tıklatın</a:t>
             </a:r>
           </a:p>
           <a:p>
             <a:pPr lvl="1"/>
             <a:r>
-              <a:rPr lang="tr-TR" smtClean="0"/>
+              <a:rPr lang="tr-TR"/>
               <a:t>İkinci düzey</a:t>
             </a:r>
           </a:p>
           <a:p>
             <a:pPr lvl="2"/>
             <a:r>
-              <a:rPr lang="tr-TR" smtClean="0"/>
+              <a:rPr lang="tr-TR"/>
               <a:t>Üçüncü düzey</a:t>
             </a:r>
           </a:p>
           <a:p>
             <a:pPr lvl="3"/>
             <a:r>
-              <a:rPr lang="tr-TR" smtClean="0"/>
+              <a:rPr lang="tr-TR"/>
               <a:t>Dördüncü düzey</a:t>
             </a:r>
           </a:p>
           <a:p>
             <a:pPr lvl="4"/>
             <a:r>
-              <a:rPr lang="tr-TR" smtClean="0"/>
+              <a:rPr lang="tr-TR"/>
               <a:t>Beşinci düzey</a:t>
             </a:r>
             <a:endParaRPr lang="en-US"/>
@@ -1310,7 +1310,7 @@
           <a:p>
             <a:fld id="{54AA066D-271F-4C1A-B89A-0705A7689EE9}" type="datetimeFigureOut">
               <a:rPr lang="en-US" smtClean="0"/>
-              <a:t>3/31/2018</a:t>
+              <a:t>10/4/2019</a:t>
             </a:fld>
             <a:endParaRPr lang="en-US"/>
           </a:p>
@@ -1413,7 +1413,7 @@
           </a:lstStyle>
           <a:p>
             <a:r>
-              <a:rPr lang="tr-TR" smtClean="0"/>
+              <a:rPr lang="tr-TR"/>
               <a:t>Asıl başlık stili için tıklatın</a:t>
             </a:r>
             <a:endParaRPr lang="en-US"/>
@@ -1533,7 +1533,7 @@
           <a:p>
             <a:pPr lvl="0"/>
             <a:r>
-              <a:rPr lang="tr-TR" smtClean="0"/>
+              <a:rPr lang="tr-TR"/>
               <a:t>Asıl metin stillerini düzenlemek için tıklatın</a:t>
             </a:r>
           </a:p>
@@ -1556,7 +1556,7 @@
           <a:p>
             <a:fld id="{54AA066D-271F-4C1A-B89A-0705A7689EE9}" type="datetimeFigureOut">
               <a:rPr lang="en-US" smtClean="0"/>
-              <a:t>3/31/2018</a:t>
+              <a:t>10/4/2019</a:t>
             </a:fld>
             <a:endParaRPr lang="en-US"/>
           </a:p>
@@ -1650,7 +1650,7 @@
           <a:lstStyle/>
           <a:p>
             <a:r>
-              <a:rPr lang="tr-TR" smtClean="0"/>
+              <a:rPr lang="tr-TR"/>
               <a:t>Asıl başlık stili için tıklatın</a:t>
             </a:r>
             <a:endParaRPr lang="en-US"/>
@@ -1679,35 +1679,35 @@
           <a:p>
             <a:pPr lvl="0"/>
             <a:r>
-              <a:rPr lang="tr-TR" smtClean="0"/>
+              <a:rPr lang="tr-TR"/>
               <a:t>Asıl metin stillerini düzenlemek için tıklatın</a:t>
             </a:r>
           </a:p>
           <a:p>
             <a:pPr lvl="1"/>
             <a:r>
-              <a:rPr lang="tr-TR" smtClean="0"/>
+              <a:rPr lang="tr-TR"/>
               <a:t>İkinci düzey</a:t>
             </a:r>
           </a:p>
           <a:p>
             <a:pPr lvl="2"/>
             <a:r>
-              <a:rPr lang="tr-TR" smtClean="0"/>
+              <a:rPr lang="tr-TR"/>
               <a:t>Üçüncü düzey</a:t>
             </a:r>
           </a:p>
           <a:p>
             <a:pPr lvl="3"/>
             <a:r>
-              <a:rPr lang="tr-TR" smtClean="0"/>
+              <a:rPr lang="tr-TR"/>
               <a:t>Dördüncü düzey</a:t>
             </a:r>
           </a:p>
           <a:p>
             <a:pPr lvl="4"/>
             <a:r>
-              <a:rPr lang="tr-TR" smtClean="0"/>
+              <a:rPr lang="tr-TR"/>
               <a:t>Beşinci düzey</a:t>
             </a:r>
             <a:endParaRPr lang="en-US"/>
@@ -1736,35 +1736,35 @@
           <a:p>
             <a:pPr lvl="0"/>
             <a:r>
-              <a:rPr lang="tr-TR" smtClean="0"/>
+              <a:rPr lang="tr-TR"/>
               <a:t>Asıl metin stillerini düzenlemek için tıklatın</a:t>
             </a:r>
           </a:p>
           <a:p>
             <a:pPr lvl="1"/>
             <a:r>
-              <a:rPr lang="tr-TR" smtClean="0"/>
+              <a:rPr lang="tr-TR"/>
               <a:t>İkinci düzey</a:t>
             </a:r>
           </a:p>
           <a:p>
             <a:pPr lvl="2"/>
             <a:r>
-              <a:rPr lang="tr-TR" smtClean="0"/>
+              <a:rPr lang="tr-TR"/>
               <a:t>Üçüncü düzey</a:t>
             </a:r>
           </a:p>
           <a:p>
             <a:pPr lvl="3"/>
             <a:r>
-              <a:rPr lang="tr-TR" smtClean="0"/>
+              <a:rPr lang="tr-TR"/>
               <a:t>Dördüncü düzey</a:t>
             </a:r>
           </a:p>
           <a:p>
             <a:pPr lvl="4"/>
             <a:r>
-              <a:rPr lang="tr-TR" smtClean="0"/>
+              <a:rPr lang="tr-TR"/>
               <a:t>Beşinci düzey</a:t>
             </a:r>
             <a:endParaRPr lang="en-US"/>
@@ -1788,7 +1788,7 @@
           <a:p>
             <a:fld id="{54AA066D-271F-4C1A-B89A-0705A7689EE9}" type="datetimeFigureOut">
               <a:rPr lang="en-US" smtClean="0"/>
-              <a:t>3/31/2018</a:t>
+              <a:t>10/4/2019</a:t>
             </a:fld>
             <a:endParaRPr lang="en-US"/>
           </a:p>
@@ -1887,7 +1887,7 @@
           <a:lstStyle/>
           <a:p>
             <a:r>
-              <a:rPr lang="tr-TR" smtClean="0"/>
+              <a:rPr lang="tr-TR"/>
               <a:t>Asıl başlık stili için tıklatın</a:t>
             </a:r>
             <a:endParaRPr lang="en-US"/>
@@ -1953,7 +1953,7 @@
           <a:p>
             <a:pPr lvl="0"/>
             <a:r>
-              <a:rPr lang="tr-TR" smtClean="0"/>
+              <a:rPr lang="tr-TR"/>
               <a:t>Asıl metin stillerini düzenlemek için tıklatın</a:t>
             </a:r>
           </a:p>
@@ -1981,35 +1981,35 @@
           <a:p>
             <a:pPr lvl="0"/>
             <a:r>
-              <a:rPr lang="tr-TR" smtClean="0"/>
+              <a:rPr lang="tr-TR"/>
               <a:t>Asıl metin stillerini düzenlemek için tıklatın</a:t>
             </a:r>
           </a:p>
           <a:p>
             <a:pPr lvl="1"/>
             <a:r>
-              <a:rPr lang="tr-TR" smtClean="0"/>
+              <a:rPr lang="tr-TR"/>
               <a:t>İkinci düzey</a:t>
             </a:r>
           </a:p>
           <a:p>
             <a:pPr lvl="2"/>
             <a:r>
-              <a:rPr lang="tr-TR" smtClean="0"/>
+              <a:rPr lang="tr-TR"/>
               <a:t>Üçüncü düzey</a:t>
             </a:r>
           </a:p>
           <a:p>
             <a:pPr lvl="3"/>
             <a:r>
-              <a:rPr lang="tr-TR" smtClean="0"/>
+              <a:rPr lang="tr-TR"/>
               <a:t>Dördüncü düzey</a:t>
             </a:r>
           </a:p>
           <a:p>
             <a:pPr lvl="4"/>
             <a:r>
-              <a:rPr lang="tr-TR" smtClean="0"/>
+              <a:rPr lang="tr-TR"/>
               <a:t>Beşinci düzey</a:t>
             </a:r>
             <a:endParaRPr lang="en-US"/>
@@ -2075,7 +2075,7 @@
           <a:p>
             <a:pPr lvl="0"/>
             <a:r>
-              <a:rPr lang="tr-TR" smtClean="0"/>
+              <a:rPr lang="tr-TR"/>
               <a:t>Asıl metin stillerini düzenlemek için tıklatın</a:t>
             </a:r>
           </a:p>
@@ -2103,35 +2103,35 @@
           <a:p>
             <a:pPr lvl="0"/>
             <a:r>
-              <a:rPr lang="tr-TR" smtClean="0"/>
+              <a:rPr lang="tr-TR"/>
               <a:t>Asıl metin stillerini düzenlemek için tıklatın</a:t>
             </a:r>
           </a:p>
           <a:p>
             <a:pPr lvl="1"/>
             <a:r>
-              <a:rPr lang="tr-TR" smtClean="0"/>
+              <a:rPr lang="tr-TR"/>
               <a:t>İkinci düzey</a:t>
             </a:r>
           </a:p>
           <a:p>
             <a:pPr lvl="2"/>
             <a:r>
-              <a:rPr lang="tr-TR" smtClean="0"/>
+              <a:rPr lang="tr-TR"/>
               <a:t>Üçüncü düzey</a:t>
             </a:r>
           </a:p>
           <a:p>
             <a:pPr lvl="3"/>
             <a:r>
-              <a:rPr lang="tr-TR" smtClean="0"/>
+              <a:rPr lang="tr-TR"/>
               <a:t>Dördüncü düzey</a:t>
             </a:r>
           </a:p>
           <a:p>
             <a:pPr lvl="4"/>
             <a:r>
-              <a:rPr lang="tr-TR" smtClean="0"/>
+              <a:rPr lang="tr-TR"/>
               <a:t>Beşinci düzey</a:t>
             </a:r>
             <a:endParaRPr lang="en-US"/>
@@ -2155,7 +2155,7 @@
           <a:p>
             <a:fld id="{54AA066D-271F-4C1A-B89A-0705A7689EE9}" type="datetimeFigureOut">
               <a:rPr lang="en-US" smtClean="0"/>
-              <a:t>3/31/2018</a:t>
+              <a:t>10/4/2019</a:t>
             </a:fld>
             <a:endParaRPr lang="en-US"/>
           </a:p>
@@ -2249,7 +2249,7 @@
           <a:lstStyle/>
           <a:p>
             <a:r>
-              <a:rPr lang="tr-TR" smtClean="0"/>
+              <a:rPr lang="tr-TR"/>
               <a:t>Asıl başlık stili için tıklatın</a:t>
             </a:r>
             <a:endParaRPr lang="en-US"/>
@@ -2273,7 +2273,7 @@
           <a:p>
             <a:fld id="{54AA066D-271F-4C1A-B89A-0705A7689EE9}" type="datetimeFigureOut">
               <a:rPr lang="en-US" smtClean="0"/>
-              <a:t>3/31/2018</a:t>
+              <a:t>10/4/2019</a:t>
             </a:fld>
             <a:endParaRPr lang="en-US"/>
           </a:p>
@@ -2368,7 +2368,7 @@
           <a:p>
             <a:fld id="{54AA066D-271F-4C1A-B89A-0705A7689EE9}" type="datetimeFigureOut">
               <a:rPr lang="en-US" smtClean="0"/>
-              <a:t>3/31/2018</a:t>
+              <a:t>10/4/2019</a:t>
             </a:fld>
             <a:endParaRPr lang="en-US"/>
           </a:p>
@@ -2471,7 +2471,7 @@
           </a:lstStyle>
           <a:p>
             <a:r>
-              <a:rPr lang="tr-TR" smtClean="0"/>
+              <a:rPr lang="tr-TR"/>
               <a:t>Asıl başlık stili için tıklatın</a:t>
             </a:r>
             <a:endParaRPr lang="en-US"/>
@@ -2528,35 +2528,35 @@
           <a:p>
             <a:pPr lvl="0"/>
             <a:r>
-              <a:rPr lang="tr-TR" smtClean="0"/>
+              <a:rPr lang="tr-TR"/>
               <a:t>Asıl metin stillerini düzenlemek için tıklatın</a:t>
             </a:r>
           </a:p>
           <a:p>
             <a:pPr lvl="1"/>
             <a:r>
-              <a:rPr lang="tr-TR" smtClean="0"/>
+              <a:rPr lang="tr-TR"/>
               <a:t>İkinci düzey</a:t>
             </a:r>
           </a:p>
           <a:p>
             <a:pPr lvl="2"/>
             <a:r>
-              <a:rPr lang="tr-TR" smtClean="0"/>
+              <a:rPr lang="tr-TR"/>
               <a:t>Üçüncü düzey</a:t>
             </a:r>
           </a:p>
           <a:p>
             <a:pPr lvl="3"/>
             <a:r>
-              <a:rPr lang="tr-TR" smtClean="0"/>
+              <a:rPr lang="tr-TR"/>
               <a:t>Dördüncü düzey</a:t>
             </a:r>
           </a:p>
           <a:p>
             <a:pPr lvl="4"/>
             <a:r>
-              <a:rPr lang="tr-TR" smtClean="0"/>
+              <a:rPr lang="tr-TR"/>
               <a:t>Beşinci düzey</a:t>
             </a:r>
             <a:endParaRPr lang="en-US"/>
@@ -2622,7 +2622,7 @@
           <a:p>
             <a:pPr lvl="0"/>
             <a:r>
-              <a:rPr lang="tr-TR" smtClean="0"/>
+              <a:rPr lang="tr-TR"/>
               <a:t>Asıl metin stillerini düzenlemek için tıklatın</a:t>
             </a:r>
           </a:p>
@@ -2645,7 +2645,7 @@
           <a:p>
             <a:fld id="{54AA066D-271F-4C1A-B89A-0705A7689EE9}" type="datetimeFigureOut">
               <a:rPr lang="en-US" smtClean="0"/>
-              <a:t>3/31/2018</a:t>
+              <a:t>10/4/2019</a:t>
             </a:fld>
             <a:endParaRPr lang="en-US"/>
           </a:p>
@@ -2748,7 +2748,7 @@
           </a:lstStyle>
           <a:p>
             <a:r>
-              <a:rPr lang="tr-TR" smtClean="0"/>
+              <a:rPr lang="tr-TR"/>
               <a:t>Asıl başlık stili için tıklatın</a:t>
             </a:r>
             <a:endParaRPr lang="en-US"/>
@@ -2875,7 +2875,7 @@
           <a:p>
             <a:pPr lvl="0"/>
             <a:r>
-              <a:rPr lang="tr-TR" smtClean="0"/>
+              <a:rPr lang="tr-TR"/>
               <a:t>Asıl metin stillerini düzenlemek için tıklatın</a:t>
             </a:r>
           </a:p>
@@ -2898,7 +2898,7 @@
           <a:p>
             <a:fld id="{54AA066D-271F-4C1A-B89A-0705A7689EE9}" type="datetimeFigureOut">
               <a:rPr lang="en-US" smtClean="0"/>
-              <a:t>3/31/2018</a:t>
+              <a:t>10/4/2019</a:t>
             </a:fld>
             <a:endParaRPr lang="en-US"/>
           </a:p>
@@ -3007,7 +3007,7 @@
           <a:lstStyle/>
           <a:p>
             <a:r>
-              <a:rPr lang="tr-TR" smtClean="0"/>
+              <a:rPr lang="tr-TR"/>
               <a:t>Asıl başlık stili için tıklatın</a:t>
             </a:r>
             <a:endParaRPr lang="en-US"/>
@@ -3041,35 +3041,35 @@
           <a:p>
             <a:pPr lvl="0"/>
             <a:r>
-              <a:rPr lang="tr-TR" smtClean="0"/>
+              <a:rPr lang="tr-TR"/>
               <a:t>Asıl metin stillerini düzenlemek için tıklatın</a:t>
             </a:r>
           </a:p>
           <a:p>
             <a:pPr lvl="1"/>
             <a:r>
-              <a:rPr lang="tr-TR" smtClean="0"/>
+              <a:rPr lang="tr-TR"/>
               <a:t>İkinci düzey</a:t>
             </a:r>
           </a:p>
           <a:p>
             <a:pPr lvl="2"/>
             <a:r>
-              <a:rPr lang="tr-TR" smtClean="0"/>
+              <a:rPr lang="tr-TR"/>
               <a:t>Üçüncü düzey</a:t>
             </a:r>
           </a:p>
           <a:p>
             <a:pPr lvl="3"/>
             <a:r>
-              <a:rPr lang="tr-TR" smtClean="0"/>
+              <a:rPr lang="tr-TR"/>
               <a:t>Dördüncü düzey</a:t>
             </a:r>
           </a:p>
           <a:p>
             <a:pPr lvl="4"/>
             <a:r>
-              <a:rPr lang="tr-TR" smtClean="0"/>
+              <a:rPr lang="tr-TR"/>
               <a:t>Beşinci düzey</a:t>
             </a:r>
             <a:endParaRPr lang="en-US"/>
@@ -3111,7 +3111,7 @@
           <a:p>
             <a:fld id="{54AA066D-271F-4C1A-B89A-0705A7689EE9}" type="datetimeFigureOut">
               <a:rPr lang="en-US" smtClean="0"/>
-              <a:t>3/31/2018</a:t>
+              <a:t>10/4/2019</a:t>
             </a:fld>
             <a:endParaRPr lang="en-US"/>
           </a:p>
@@ -3553,369 +3553,6 @@
           </a:fontRef>
         </p:style>
       </p:cxnSp>
-      <p:grpSp>
-        <p:nvGrpSpPr>
-          <p:cNvPr id="15" name="Grup 14"/>
-          <p:cNvGrpSpPr/>
-          <p:nvPr/>
-        </p:nvGrpSpPr>
-        <p:grpSpPr>
-          <a:xfrm>
-            <a:off x="228596" y="6231467"/>
-            <a:ext cx="3041654" cy="492576"/>
-            <a:chOff x="228596" y="6231467"/>
-            <a:chExt cx="3041654" cy="492576"/>
-          </a:xfrm>
-        </p:grpSpPr>
-        <p:grpSp>
-          <p:nvGrpSpPr>
-            <p:cNvPr id="8" name="Grup 7"/>
-            <p:cNvGrpSpPr/>
-            <p:nvPr/>
-          </p:nvGrpSpPr>
-          <p:grpSpPr>
-            <a:xfrm>
-              <a:off x="228596" y="6231467"/>
-              <a:ext cx="2802471" cy="457084"/>
-              <a:chOff x="127000" y="5901146"/>
-              <a:chExt cx="5156200" cy="838200"/>
-            </a:xfrm>
-          </p:grpSpPr>
-          <p:sp>
-            <p:nvSpPr>
-              <p:cNvPr id="7" name="Dikdörtgen 6"/>
-              <p:cNvSpPr/>
-              <p:nvPr/>
-            </p:nvSpPr>
-            <p:spPr>
-              <a:xfrm>
-                <a:off x="127000" y="5901146"/>
-                <a:ext cx="5156200" cy="838200"/>
-              </a:xfrm>
-              <a:prstGeom prst="rect">
-                <a:avLst/>
-              </a:prstGeom>
-              <a:solidFill>
-                <a:schemeClr val="bg1">
-                  <a:lumMod val="95000"/>
-                </a:schemeClr>
-              </a:solidFill>
-              <a:ln>
-                <a:noFill/>
-              </a:ln>
-            </p:spPr>
-            <p:style>
-              <a:lnRef idx="2">
-                <a:schemeClr val="accent1">
-                  <a:shade val="50000"/>
-                </a:schemeClr>
-              </a:lnRef>
-              <a:fillRef idx="1">
-                <a:schemeClr val="accent1"/>
-              </a:fillRef>
-              <a:effectRef idx="0">
-                <a:schemeClr val="accent1"/>
-              </a:effectRef>
-              <a:fontRef idx="minor">
-                <a:schemeClr val="lt1"/>
-              </a:fontRef>
-            </p:style>
-            <p:txBody>
-              <a:bodyPr rtlCol="0" anchor="ctr"/>
-              <a:lstStyle/>
-              <a:p>
-                <a:pPr algn="ctr"/>
-                <a:endParaRPr lang="en-US" sz="2000"/>
-              </a:p>
-            </p:txBody>
-          </p:sp>
-          <p:grpSp>
-            <p:nvGrpSpPr>
-              <p:cNvPr id="6" name="Grup 5"/>
-              <p:cNvGrpSpPr/>
-              <p:nvPr/>
-            </p:nvGrpSpPr>
-            <p:grpSpPr>
-              <a:xfrm>
-                <a:off x="211667" y="6019800"/>
-                <a:ext cx="5012266" cy="605115"/>
-                <a:chOff x="211667" y="6019800"/>
-                <a:chExt cx="5012266" cy="605115"/>
-              </a:xfrm>
-            </p:grpSpPr>
-            <p:pic>
-              <p:nvPicPr>
-                <p:cNvPr id="4" name="Resim 3"/>
-                <p:cNvPicPr>
-                  <a:picLocks noChangeAspect="1"/>
-                </p:cNvPicPr>
-                <p:nvPr/>
-              </p:nvPicPr>
-              <p:blipFill rotWithShape="1">
-                <a:blip r:embed="rId3" cstate="print">
-                  <a:extLst>
-                    <a:ext uri="{28A0092B-C50C-407E-A947-70E740481C1C}">
-                      <a14:useLocalDpi xmlns:a14="http://schemas.microsoft.com/office/drawing/2010/main" val="0"/>
-                    </a:ext>
-                  </a:extLst>
-                </a:blip>
-                <a:srcRect l="24387" t="8319" r="18355" b="50150"/>
-                <a:stretch/>
-              </p:blipFill>
-              <p:spPr>
-                <a:xfrm>
-                  <a:off x="211667" y="6019800"/>
-                  <a:ext cx="1072095" cy="600892"/>
-                </a:xfrm>
-                <a:prstGeom prst="rect">
-                  <a:avLst/>
-                </a:prstGeom>
-              </p:spPr>
-            </p:pic>
-            <p:sp>
-              <p:nvSpPr>
-                <p:cNvPr id="5" name="Unvan 1"/>
-                <p:cNvSpPr txBox="1">
-                  <a:spLocks/>
-                </p:cNvSpPr>
-                <p:nvPr/>
-              </p:nvSpPr>
-              <p:spPr>
-                <a:xfrm>
-                  <a:off x="1283763" y="6024023"/>
-                  <a:ext cx="3940170" cy="600892"/>
-                </a:xfrm>
-                <a:prstGeom prst="rect">
-                  <a:avLst/>
-                </a:prstGeom>
-              </p:spPr>
-              <p:txBody>
-                <a:bodyPr vert="horz" lIns="91440" tIns="45720" rIns="91440" bIns="45720" rtlCol="0" anchor="b">
-                  <a:noAutofit/>
-                </a:bodyPr>
-                <a:lstStyle>
-                  <a:lvl1pPr algn="ctr" defTabSz="914400" rtl="0" eaLnBrk="1" latinLnBrk="0" hangingPunct="1">
-                    <a:lnSpc>
-                      <a:spcPct val="90000"/>
-                    </a:lnSpc>
-                    <a:spcBef>
-                      <a:spcPct val="0"/>
-                    </a:spcBef>
-                    <a:buNone/>
-                    <a:defRPr sz="6000" kern="1200">
-                      <a:solidFill>
-                        <a:schemeClr val="tx1"/>
-                      </a:solidFill>
-                      <a:latin typeface="+mj-lt"/>
-                      <a:ea typeface="+mj-ea"/>
-                      <a:cs typeface="+mj-cs"/>
-                    </a:defRPr>
-                  </a:lvl1pPr>
-                </a:lstStyle>
-                <a:p>
-                  <a:pPr algn="l"/>
-                  <a:r>
-                    <a:rPr lang="tr-TR" sz="2000" dirty="0" smtClean="0">
-                      <a:solidFill>
-                        <a:srgbClr val="CB171F"/>
-                      </a:solidFill>
-                      <a:latin typeface="Constantia" panose="02030602050306030303" pitchFamily="18" charset="0"/>
-                      <a:ea typeface="Verdana" panose="020B0604030504040204" pitchFamily="34" charset="0"/>
-                      <a:cs typeface="Arial" panose="020B0604020202020204" pitchFamily="34" charset="0"/>
-                    </a:rPr>
-                    <a:t>Veri Bilimi Okulu</a:t>
-                  </a:r>
-                  <a:endParaRPr lang="en-US" sz="2000" dirty="0">
-                    <a:solidFill>
-                      <a:srgbClr val="CB171F"/>
-                    </a:solidFill>
-                    <a:latin typeface="Constantia" panose="02030602050306030303" pitchFamily="18" charset="0"/>
-                    <a:ea typeface="Verdana" panose="020B0604030504040204" pitchFamily="34" charset="0"/>
-                    <a:cs typeface="Arial" panose="020B0604020202020204" pitchFamily="34" charset="0"/>
-                  </a:endParaRPr>
-                </a:p>
-              </p:txBody>
-            </p:sp>
-          </p:grpSp>
-        </p:grpSp>
-        <p:sp>
-          <p:nvSpPr>
-            <p:cNvPr id="12" name="Metin kutusu 11"/>
-            <p:cNvSpPr txBox="1"/>
-            <p:nvPr/>
-          </p:nvSpPr>
-          <p:spPr>
-            <a:xfrm>
-              <a:off x="1582782" y="6493211"/>
-              <a:ext cx="1687468" cy="230832"/>
-            </a:xfrm>
-            <a:prstGeom prst="rect">
-              <a:avLst/>
-            </a:prstGeom>
-            <a:noFill/>
-          </p:spPr>
-          <p:txBody>
-            <a:bodyPr wrap="square" rtlCol="0">
-              <a:spAutoFit/>
-            </a:bodyPr>
-            <a:lstStyle/>
-            <a:p>
-              <a:r>
-                <a:rPr lang="en-US" sz="900" dirty="0" smtClean="0">
-                  <a:solidFill>
-                    <a:srgbClr val="0B8043"/>
-                  </a:solidFill>
-                </a:rPr>
-                <a:t>https:</a:t>
-              </a:r>
-              <a:r>
-                <a:rPr lang="en-US" sz="900" dirty="0" smtClean="0">
-                  <a:solidFill>
-                    <a:schemeClr val="bg1">
-                      <a:lumMod val="50000"/>
-                    </a:schemeClr>
-                  </a:solidFill>
-                </a:rPr>
-                <a:t>//www.veribilimi.co</a:t>
-              </a:r>
-              <a:endParaRPr lang="en-US" sz="900" dirty="0">
-                <a:solidFill>
-                  <a:schemeClr val="bg1">
-                    <a:lumMod val="50000"/>
-                  </a:schemeClr>
-                </a:solidFill>
-              </a:endParaRPr>
-            </a:p>
-          </p:txBody>
-        </p:sp>
-      </p:grpSp>
-      <p:grpSp>
-        <p:nvGrpSpPr>
-          <p:cNvPr id="11" name="Grup 10"/>
-          <p:cNvGrpSpPr/>
-          <p:nvPr/>
-        </p:nvGrpSpPr>
-        <p:grpSpPr>
-          <a:xfrm>
-            <a:off x="9194796" y="6231467"/>
-            <a:ext cx="2802471" cy="457084"/>
-            <a:chOff x="184993" y="5905369"/>
-            <a:chExt cx="5156200" cy="838200"/>
-          </a:xfrm>
-        </p:grpSpPr>
-        <p:sp>
-          <p:nvSpPr>
-            <p:cNvPr id="13" name="Dikdörtgen 12"/>
-            <p:cNvSpPr/>
-            <p:nvPr/>
-          </p:nvSpPr>
-          <p:spPr>
-            <a:xfrm>
-              <a:off x="184993" y="5905369"/>
-              <a:ext cx="5156200" cy="838200"/>
-            </a:xfrm>
-            <a:prstGeom prst="rect">
-              <a:avLst/>
-            </a:prstGeom>
-            <a:solidFill>
-              <a:schemeClr val="bg1">
-                <a:lumMod val="95000"/>
-              </a:schemeClr>
-            </a:solidFill>
-            <a:ln>
-              <a:noFill/>
-            </a:ln>
-          </p:spPr>
-          <p:style>
-            <a:lnRef idx="2">
-              <a:schemeClr val="accent1">
-                <a:shade val="50000"/>
-              </a:schemeClr>
-            </a:lnRef>
-            <a:fillRef idx="1">
-              <a:schemeClr val="accent1"/>
-            </a:fillRef>
-            <a:effectRef idx="0">
-              <a:schemeClr val="accent1"/>
-            </a:effectRef>
-            <a:fontRef idx="minor">
-              <a:schemeClr val="lt1"/>
-            </a:fontRef>
-          </p:style>
-          <p:txBody>
-            <a:bodyPr rtlCol="0" anchor="ctr"/>
-            <a:lstStyle/>
-            <a:p>
-              <a:pPr algn="ctr"/>
-              <a:endParaRPr lang="en-US" sz="2000"/>
-            </a:p>
-          </p:txBody>
-        </p:sp>
-        <p:sp>
-          <p:nvSpPr>
-            <p:cNvPr id="14" name="Unvan 1"/>
-            <p:cNvSpPr txBox="1">
-              <a:spLocks/>
-            </p:cNvSpPr>
-            <p:nvPr/>
-          </p:nvSpPr>
-          <p:spPr>
-            <a:xfrm>
-              <a:off x="302252" y="6024023"/>
-              <a:ext cx="4921678" cy="600892"/>
-            </a:xfrm>
-            <a:prstGeom prst="rect">
-              <a:avLst/>
-            </a:prstGeom>
-          </p:spPr>
-          <p:txBody>
-            <a:bodyPr vert="horz" lIns="91440" tIns="45720" rIns="91440" bIns="45720" rtlCol="0" anchor="b">
-              <a:noAutofit/>
-            </a:bodyPr>
-            <a:lstStyle>
-              <a:lvl1pPr algn="ctr" defTabSz="914400" rtl="0" eaLnBrk="1" latinLnBrk="0" hangingPunct="1">
-                <a:lnSpc>
-                  <a:spcPct val="90000"/>
-                </a:lnSpc>
-                <a:spcBef>
-                  <a:spcPct val="0"/>
-                </a:spcBef>
-                <a:buNone/>
-                <a:defRPr sz="6000" kern="1200">
-                  <a:solidFill>
-                    <a:schemeClr val="tx1"/>
-                  </a:solidFill>
-                  <a:latin typeface="+mj-lt"/>
-                  <a:ea typeface="+mj-ea"/>
-                  <a:cs typeface="+mj-cs"/>
-                </a:defRPr>
-              </a:lvl1pPr>
-            </a:lstStyle>
-            <a:p>
-              <a:pPr algn="l"/>
-              <a:r>
-                <a:rPr lang="tr-TR" sz="2000" dirty="0">
-                  <a:solidFill>
-                    <a:srgbClr val="CB171F"/>
-                  </a:solidFill>
-                  <a:latin typeface="Constantia" panose="02030602050306030303" pitchFamily="18" charset="0"/>
-                  <a:ea typeface="Verdana" panose="020B0604030504040204" pitchFamily="34" charset="0"/>
-                  <a:cs typeface="Arial" panose="020B0604020202020204" pitchFamily="34" charset="0"/>
-                </a:rPr>
-                <a:t>A’dan Z’ye Büyük Veri</a:t>
-              </a:r>
-              <a:endParaRPr lang="en-US" sz="2000" dirty="0">
-                <a:solidFill>
-                  <a:srgbClr val="CB171F"/>
-                </a:solidFill>
-                <a:latin typeface="Constantia" panose="02030602050306030303" pitchFamily="18" charset="0"/>
-                <a:ea typeface="Verdana" panose="020B0604030504040204" pitchFamily="34" charset="0"/>
-                <a:cs typeface="Arial" panose="020B0604020202020204" pitchFamily="34" charset="0"/>
-              </a:endParaRPr>
-            </a:p>
-          </p:txBody>
-        </p:sp>
-      </p:grpSp>
       <p:pic>
         <p:nvPicPr>
           <p:cNvPr id="2" name="Resim 1"/>
@@ -3925,7 +3562,7 @@
           <p:nvPr/>
         </p:nvPicPr>
         <p:blipFill rotWithShape="1">
-          <a:blip r:embed="rId4">
+          <a:blip r:embed="rId3">
             <a:extLst>
               <a:ext uri="{28A0092B-C50C-407E-A947-70E740481C1C}">
                 <a14:useLocalDpi xmlns:a14="http://schemas.microsoft.com/office/drawing/2010/main" val="0"/>
@@ -3968,7 +3605,7 @@
           <a:lstStyle/>
           <a:p>
             <a:r>
-              <a:rPr lang="tr-TR" sz="4200" b="1" dirty="0" smtClean="0">
+              <a:rPr lang="tr-TR" sz="4200" b="1" dirty="0">
                 <a:solidFill>
                   <a:srgbClr val="CD1F26"/>
                 </a:solidFill>
@@ -3999,13 +3636,6 @@
   <p:clrMapOvr>
     <a:masterClrMapping/>
   </p:clrMapOvr>
-  <p:timing>
-    <p:tnLst>
-      <p:par>
-        <p:cTn id="1" dur="indefinite" restart="never" nodeType="tmRoot"/>
-      </p:par>
-    </p:tnLst>
-  </p:timing>
 </p:sld>
 </file>
 
@@ -4065,369 +3695,6 @@
       </p:cxnSp>
       <p:grpSp>
         <p:nvGrpSpPr>
-          <p:cNvPr id="15" name="Grup 14"/>
-          <p:cNvGrpSpPr/>
-          <p:nvPr/>
-        </p:nvGrpSpPr>
-        <p:grpSpPr>
-          <a:xfrm>
-            <a:off x="228596" y="6231467"/>
-            <a:ext cx="3041654" cy="492576"/>
-            <a:chOff x="228596" y="6231467"/>
-            <a:chExt cx="3041654" cy="492576"/>
-          </a:xfrm>
-        </p:grpSpPr>
-        <p:grpSp>
-          <p:nvGrpSpPr>
-            <p:cNvPr id="8" name="Grup 7"/>
-            <p:cNvGrpSpPr/>
-            <p:nvPr/>
-          </p:nvGrpSpPr>
-          <p:grpSpPr>
-            <a:xfrm>
-              <a:off x="228596" y="6231467"/>
-              <a:ext cx="2802471" cy="457084"/>
-              <a:chOff x="127000" y="5901146"/>
-              <a:chExt cx="5156200" cy="838200"/>
-            </a:xfrm>
-          </p:grpSpPr>
-          <p:sp>
-            <p:nvSpPr>
-              <p:cNvPr id="7" name="Dikdörtgen 6"/>
-              <p:cNvSpPr/>
-              <p:nvPr/>
-            </p:nvSpPr>
-            <p:spPr>
-              <a:xfrm>
-                <a:off x="127000" y="5901146"/>
-                <a:ext cx="5156200" cy="838200"/>
-              </a:xfrm>
-              <a:prstGeom prst="rect">
-                <a:avLst/>
-              </a:prstGeom>
-              <a:solidFill>
-                <a:schemeClr val="bg1">
-                  <a:lumMod val="95000"/>
-                </a:schemeClr>
-              </a:solidFill>
-              <a:ln>
-                <a:noFill/>
-              </a:ln>
-            </p:spPr>
-            <p:style>
-              <a:lnRef idx="2">
-                <a:schemeClr val="accent1">
-                  <a:shade val="50000"/>
-                </a:schemeClr>
-              </a:lnRef>
-              <a:fillRef idx="1">
-                <a:schemeClr val="accent1"/>
-              </a:fillRef>
-              <a:effectRef idx="0">
-                <a:schemeClr val="accent1"/>
-              </a:effectRef>
-              <a:fontRef idx="minor">
-                <a:schemeClr val="lt1"/>
-              </a:fontRef>
-            </p:style>
-            <p:txBody>
-              <a:bodyPr rtlCol="0" anchor="ctr"/>
-              <a:lstStyle/>
-              <a:p>
-                <a:pPr algn="ctr"/>
-                <a:endParaRPr lang="en-US" sz="2000"/>
-              </a:p>
-            </p:txBody>
-          </p:sp>
-          <p:grpSp>
-            <p:nvGrpSpPr>
-              <p:cNvPr id="6" name="Grup 5"/>
-              <p:cNvGrpSpPr/>
-              <p:nvPr/>
-            </p:nvGrpSpPr>
-            <p:grpSpPr>
-              <a:xfrm>
-                <a:off x="211667" y="6019800"/>
-                <a:ext cx="5012266" cy="605115"/>
-                <a:chOff x="211667" y="6019800"/>
-                <a:chExt cx="5012266" cy="605115"/>
-              </a:xfrm>
-            </p:grpSpPr>
-            <p:pic>
-              <p:nvPicPr>
-                <p:cNvPr id="4" name="Resim 3"/>
-                <p:cNvPicPr>
-                  <a:picLocks noChangeAspect="1"/>
-                </p:cNvPicPr>
-                <p:nvPr/>
-              </p:nvPicPr>
-              <p:blipFill rotWithShape="1">
-                <a:blip r:embed="rId3" cstate="print">
-                  <a:extLst>
-                    <a:ext uri="{28A0092B-C50C-407E-A947-70E740481C1C}">
-                      <a14:useLocalDpi xmlns:a14="http://schemas.microsoft.com/office/drawing/2010/main" val="0"/>
-                    </a:ext>
-                  </a:extLst>
-                </a:blip>
-                <a:srcRect l="24387" t="8319" r="18355" b="50150"/>
-                <a:stretch/>
-              </p:blipFill>
-              <p:spPr>
-                <a:xfrm>
-                  <a:off x="211667" y="6019800"/>
-                  <a:ext cx="1072095" cy="600892"/>
-                </a:xfrm>
-                <a:prstGeom prst="rect">
-                  <a:avLst/>
-                </a:prstGeom>
-              </p:spPr>
-            </p:pic>
-            <p:sp>
-              <p:nvSpPr>
-                <p:cNvPr id="5" name="Unvan 1"/>
-                <p:cNvSpPr txBox="1">
-                  <a:spLocks/>
-                </p:cNvSpPr>
-                <p:nvPr/>
-              </p:nvSpPr>
-              <p:spPr>
-                <a:xfrm>
-                  <a:off x="1283763" y="6024023"/>
-                  <a:ext cx="3940170" cy="600892"/>
-                </a:xfrm>
-                <a:prstGeom prst="rect">
-                  <a:avLst/>
-                </a:prstGeom>
-              </p:spPr>
-              <p:txBody>
-                <a:bodyPr vert="horz" lIns="91440" tIns="45720" rIns="91440" bIns="45720" rtlCol="0" anchor="b">
-                  <a:noAutofit/>
-                </a:bodyPr>
-                <a:lstStyle>
-                  <a:lvl1pPr algn="ctr" defTabSz="914400" rtl="0" eaLnBrk="1" latinLnBrk="0" hangingPunct="1">
-                    <a:lnSpc>
-                      <a:spcPct val="90000"/>
-                    </a:lnSpc>
-                    <a:spcBef>
-                      <a:spcPct val="0"/>
-                    </a:spcBef>
-                    <a:buNone/>
-                    <a:defRPr sz="6000" kern="1200">
-                      <a:solidFill>
-                        <a:schemeClr val="tx1"/>
-                      </a:solidFill>
-                      <a:latin typeface="+mj-lt"/>
-                      <a:ea typeface="+mj-ea"/>
-                      <a:cs typeface="+mj-cs"/>
-                    </a:defRPr>
-                  </a:lvl1pPr>
-                </a:lstStyle>
-                <a:p>
-                  <a:pPr algn="l"/>
-                  <a:r>
-                    <a:rPr lang="tr-TR" sz="2000" dirty="0" smtClean="0">
-                      <a:solidFill>
-                        <a:srgbClr val="CB171F"/>
-                      </a:solidFill>
-                      <a:latin typeface="Constantia" panose="02030602050306030303" pitchFamily="18" charset="0"/>
-                      <a:ea typeface="Verdana" panose="020B0604030504040204" pitchFamily="34" charset="0"/>
-                      <a:cs typeface="Arial" panose="020B0604020202020204" pitchFamily="34" charset="0"/>
-                    </a:rPr>
-                    <a:t>Veri Bilimi Okulu</a:t>
-                  </a:r>
-                  <a:endParaRPr lang="en-US" sz="2000" dirty="0">
-                    <a:solidFill>
-                      <a:srgbClr val="CB171F"/>
-                    </a:solidFill>
-                    <a:latin typeface="Constantia" panose="02030602050306030303" pitchFamily="18" charset="0"/>
-                    <a:ea typeface="Verdana" panose="020B0604030504040204" pitchFamily="34" charset="0"/>
-                    <a:cs typeface="Arial" panose="020B0604020202020204" pitchFamily="34" charset="0"/>
-                  </a:endParaRPr>
-                </a:p>
-              </p:txBody>
-            </p:sp>
-          </p:grpSp>
-        </p:grpSp>
-        <p:sp>
-          <p:nvSpPr>
-            <p:cNvPr id="12" name="Metin kutusu 11"/>
-            <p:cNvSpPr txBox="1"/>
-            <p:nvPr/>
-          </p:nvSpPr>
-          <p:spPr>
-            <a:xfrm>
-              <a:off x="1582782" y="6493211"/>
-              <a:ext cx="1687468" cy="230832"/>
-            </a:xfrm>
-            <a:prstGeom prst="rect">
-              <a:avLst/>
-            </a:prstGeom>
-            <a:noFill/>
-          </p:spPr>
-          <p:txBody>
-            <a:bodyPr wrap="square" rtlCol="0">
-              <a:spAutoFit/>
-            </a:bodyPr>
-            <a:lstStyle/>
-            <a:p>
-              <a:r>
-                <a:rPr lang="en-US" sz="900" dirty="0" smtClean="0">
-                  <a:solidFill>
-                    <a:srgbClr val="0B8043"/>
-                  </a:solidFill>
-                </a:rPr>
-                <a:t>https:</a:t>
-              </a:r>
-              <a:r>
-                <a:rPr lang="en-US" sz="900" dirty="0" smtClean="0">
-                  <a:solidFill>
-                    <a:schemeClr val="bg1">
-                      <a:lumMod val="50000"/>
-                    </a:schemeClr>
-                  </a:solidFill>
-                </a:rPr>
-                <a:t>//www.veribilimi.co</a:t>
-              </a:r>
-              <a:endParaRPr lang="en-US" sz="900" dirty="0">
-                <a:solidFill>
-                  <a:schemeClr val="bg1">
-                    <a:lumMod val="50000"/>
-                  </a:schemeClr>
-                </a:solidFill>
-              </a:endParaRPr>
-            </a:p>
-          </p:txBody>
-        </p:sp>
-      </p:grpSp>
-      <p:grpSp>
-        <p:nvGrpSpPr>
-          <p:cNvPr id="11" name="Grup 10"/>
-          <p:cNvGrpSpPr/>
-          <p:nvPr/>
-        </p:nvGrpSpPr>
-        <p:grpSpPr>
-          <a:xfrm>
-            <a:off x="9194796" y="6231467"/>
-            <a:ext cx="2802471" cy="457084"/>
-            <a:chOff x="184993" y="5905369"/>
-            <a:chExt cx="5156200" cy="838200"/>
-          </a:xfrm>
-        </p:grpSpPr>
-        <p:sp>
-          <p:nvSpPr>
-            <p:cNvPr id="13" name="Dikdörtgen 12"/>
-            <p:cNvSpPr/>
-            <p:nvPr/>
-          </p:nvSpPr>
-          <p:spPr>
-            <a:xfrm>
-              <a:off x="184993" y="5905369"/>
-              <a:ext cx="5156200" cy="838200"/>
-            </a:xfrm>
-            <a:prstGeom prst="rect">
-              <a:avLst/>
-            </a:prstGeom>
-            <a:solidFill>
-              <a:schemeClr val="bg1">
-                <a:lumMod val="95000"/>
-              </a:schemeClr>
-            </a:solidFill>
-            <a:ln>
-              <a:noFill/>
-            </a:ln>
-          </p:spPr>
-          <p:style>
-            <a:lnRef idx="2">
-              <a:schemeClr val="accent1">
-                <a:shade val="50000"/>
-              </a:schemeClr>
-            </a:lnRef>
-            <a:fillRef idx="1">
-              <a:schemeClr val="accent1"/>
-            </a:fillRef>
-            <a:effectRef idx="0">
-              <a:schemeClr val="accent1"/>
-            </a:effectRef>
-            <a:fontRef idx="minor">
-              <a:schemeClr val="lt1"/>
-            </a:fontRef>
-          </p:style>
-          <p:txBody>
-            <a:bodyPr rtlCol="0" anchor="ctr"/>
-            <a:lstStyle/>
-            <a:p>
-              <a:pPr algn="ctr"/>
-              <a:endParaRPr lang="en-US" sz="2000"/>
-            </a:p>
-          </p:txBody>
-        </p:sp>
-        <p:sp>
-          <p:nvSpPr>
-            <p:cNvPr id="14" name="Unvan 1"/>
-            <p:cNvSpPr txBox="1">
-              <a:spLocks/>
-            </p:cNvSpPr>
-            <p:nvPr/>
-          </p:nvSpPr>
-          <p:spPr>
-            <a:xfrm>
-              <a:off x="302252" y="6024023"/>
-              <a:ext cx="4921678" cy="600892"/>
-            </a:xfrm>
-            <a:prstGeom prst="rect">
-              <a:avLst/>
-            </a:prstGeom>
-          </p:spPr>
-          <p:txBody>
-            <a:bodyPr vert="horz" lIns="91440" tIns="45720" rIns="91440" bIns="45720" rtlCol="0" anchor="b">
-              <a:noAutofit/>
-            </a:bodyPr>
-            <a:lstStyle>
-              <a:lvl1pPr algn="ctr" defTabSz="914400" rtl="0" eaLnBrk="1" latinLnBrk="0" hangingPunct="1">
-                <a:lnSpc>
-                  <a:spcPct val="90000"/>
-                </a:lnSpc>
-                <a:spcBef>
-                  <a:spcPct val="0"/>
-                </a:spcBef>
-                <a:buNone/>
-                <a:defRPr sz="6000" kern="1200">
-                  <a:solidFill>
-                    <a:schemeClr val="tx1"/>
-                  </a:solidFill>
-                  <a:latin typeface="+mj-lt"/>
-                  <a:ea typeface="+mj-ea"/>
-                  <a:cs typeface="+mj-cs"/>
-                </a:defRPr>
-              </a:lvl1pPr>
-            </a:lstStyle>
-            <a:p>
-              <a:pPr algn="l"/>
-              <a:r>
-                <a:rPr lang="tr-TR" sz="2000" dirty="0">
-                  <a:solidFill>
-                    <a:srgbClr val="CB171F"/>
-                  </a:solidFill>
-                  <a:latin typeface="Constantia" panose="02030602050306030303" pitchFamily="18" charset="0"/>
-                  <a:ea typeface="Verdana" panose="020B0604030504040204" pitchFamily="34" charset="0"/>
-                  <a:cs typeface="Arial" panose="020B0604020202020204" pitchFamily="34" charset="0"/>
-                </a:rPr>
-                <a:t>A’dan Z’ye Büyük Veri</a:t>
-              </a:r>
-              <a:endParaRPr lang="en-US" sz="2000" dirty="0">
-                <a:solidFill>
-                  <a:srgbClr val="CB171F"/>
-                </a:solidFill>
-                <a:latin typeface="Constantia" panose="02030602050306030303" pitchFamily="18" charset="0"/>
-                <a:ea typeface="Verdana" panose="020B0604030504040204" pitchFamily="34" charset="0"/>
-                <a:cs typeface="Arial" panose="020B0604020202020204" pitchFamily="34" charset="0"/>
-              </a:endParaRPr>
-            </a:p>
-          </p:txBody>
-        </p:sp>
-      </p:grpSp>
-      <p:grpSp>
-        <p:nvGrpSpPr>
           <p:cNvPr id="77" name="Grup 76"/>
           <p:cNvGrpSpPr/>
           <p:nvPr/>
@@ -4449,7 +3716,7 @@
             <p:nvPr/>
           </p:nvPicPr>
           <p:blipFill>
-            <a:blip r:embed="rId4" cstate="print">
+            <a:blip r:embed="rId3" cstate="print">
               <a:extLst>
                 <a:ext uri="{28A0092B-C50C-407E-A947-70E740481C1C}">
                   <a14:useLocalDpi xmlns:a14="http://schemas.microsoft.com/office/drawing/2010/main" val="0"/>
@@ -4479,7 +3746,7 @@
             <p:nvPr/>
           </p:nvPicPr>
           <p:blipFill>
-            <a:blip r:embed="rId4" cstate="print">
+            <a:blip r:embed="rId3" cstate="print">
               <a:extLst>
                 <a:ext uri="{28A0092B-C50C-407E-A947-70E740481C1C}">
                   <a14:useLocalDpi xmlns:a14="http://schemas.microsoft.com/office/drawing/2010/main" val="0"/>
@@ -4509,7 +3776,7 @@
             <p:nvPr/>
           </p:nvPicPr>
           <p:blipFill>
-            <a:blip r:embed="rId4" cstate="print">
+            <a:blip r:embed="rId3" cstate="print">
               <a:extLst>
                 <a:ext uri="{28A0092B-C50C-407E-A947-70E740481C1C}">
                   <a14:useLocalDpi xmlns:a14="http://schemas.microsoft.com/office/drawing/2010/main" val="0"/>
@@ -4539,7 +3806,7 @@
             <p:nvPr/>
           </p:nvPicPr>
           <p:blipFill>
-            <a:blip r:embed="rId4" cstate="print">
+            <a:blip r:embed="rId3" cstate="print">
               <a:extLst>
                 <a:ext uri="{28A0092B-C50C-407E-A947-70E740481C1C}">
                   <a14:useLocalDpi xmlns:a14="http://schemas.microsoft.com/office/drawing/2010/main" val="0"/>
@@ -4569,7 +3836,7 @@
             <p:nvPr/>
           </p:nvPicPr>
           <p:blipFill rotWithShape="1">
-            <a:blip r:embed="rId5">
+            <a:blip r:embed="rId4">
               <a:extLst>
                 <a:ext uri="{28A0092B-C50C-407E-A947-70E740481C1C}">
                   <a14:useLocalDpi xmlns:a14="http://schemas.microsoft.com/office/drawing/2010/main" val="0"/>
@@ -4745,7 +4012,7 @@
             <p:nvPr/>
           </p:nvPicPr>
           <p:blipFill>
-            <a:blip r:embed="rId6" cstate="print">
+            <a:blip r:embed="rId5" cstate="print">
               <a:extLst>
                 <a:ext uri="{28A0092B-C50C-407E-A947-70E740481C1C}">
                   <a14:useLocalDpi xmlns:a14="http://schemas.microsoft.com/office/drawing/2010/main" val="0"/>
@@ -4775,7 +4042,7 @@
             <p:nvPr/>
           </p:nvPicPr>
           <p:blipFill>
-            <a:blip r:embed="rId7" cstate="print">
+            <a:blip r:embed="rId6" cstate="print">
               <a:extLst>
                 <a:ext uri="{28A0092B-C50C-407E-A947-70E740481C1C}">
                   <a14:useLocalDpi xmlns:a14="http://schemas.microsoft.com/office/drawing/2010/main" val="0"/>
@@ -4805,7 +4072,7 @@
             <p:nvPr/>
           </p:nvPicPr>
           <p:blipFill>
-            <a:blip r:embed="rId8" cstate="print">
+            <a:blip r:embed="rId7" cstate="print">
               <a:extLst>
                 <a:ext uri="{28A0092B-C50C-407E-A947-70E740481C1C}">
                   <a14:useLocalDpi xmlns:a14="http://schemas.microsoft.com/office/drawing/2010/main" val="0"/>
@@ -4850,7 +4117,7 @@
             <p:nvPr/>
           </p:nvPicPr>
           <p:blipFill>
-            <a:blip r:embed="rId9" cstate="print">
+            <a:blip r:embed="rId8" cstate="print">
               <a:extLst>
                 <a:ext uri="{28A0092B-C50C-407E-A947-70E740481C1C}">
                   <a14:useLocalDpi xmlns:a14="http://schemas.microsoft.com/office/drawing/2010/main" val="0"/>
@@ -4880,7 +4147,7 @@
             <p:nvPr/>
           </p:nvPicPr>
           <p:blipFill>
-            <a:blip r:embed="rId10" cstate="print">
+            <a:blip r:embed="rId9" cstate="print">
               <a:extLst>
                 <a:ext uri="{28A0092B-C50C-407E-A947-70E740481C1C}">
                   <a14:useLocalDpi xmlns:a14="http://schemas.microsoft.com/office/drawing/2010/main" val="0"/>
@@ -4910,7 +4177,7 @@
             <p:nvPr/>
           </p:nvPicPr>
           <p:blipFill>
-            <a:blip r:embed="rId11" cstate="print">
+            <a:blip r:embed="rId10" cstate="print">
               <a:extLst>
                 <a:ext uri="{28A0092B-C50C-407E-A947-70E740481C1C}">
                   <a14:useLocalDpi xmlns:a14="http://schemas.microsoft.com/office/drawing/2010/main" val="0"/>
@@ -4955,7 +4222,7 @@
             <p:nvPr/>
           </p:nvPicPr>
           <p:blipFill>
-            <a:blip r:embed="rId12" cstate="print">
+            <a:blip r:embed="rId11" cstate="print">
               <a:extLst>
                 <a:ext uri="{28A0092B-C50C-407E-A947-70E740481C1C}">
                   <a14:useLocalDpi xmlns:a14="http://schemas.microsoft.com/office/drawing/2010/main" val="0"/>
@@ -4985,7 +4252,7 @@
             <p:nvPr/>
           </p:nvPicPr>
           <p:blipFill>
-            <a:blip r:embed="rId13" cstate="print">
+            <a:blip r:embed="rId12" cstate="print">
               <a:extLst>
                 <a:ext uri="{28A0092B-C50C-407E-A947-70E740481C1C}">
                   <a14:useLocalDpi xmlns:a14="http://schemas.microsoft.com/office/drawing/2010/main" val="0"/>
@@ -5015,7 +4282,7 @@
             <p:nvPr/>
           </p:nvPicPr>
           <p:blipFill>
-            <a:blip r:embed="rId14" cstate="print">
+            <a:blip r:embed="rId13" cstate="print">
               <a:extLst>
                 <a:ext uri="{28A0092B-C50C-407E-A947-70E740481C1C}">
                   <a14:useLocalDpi xmlns:a14="http://schemas.microsoft.com/office/drawing/2010/main" val="0"/>
@@ -5046,7 +4313,7 @@
           <p:nvPr/>
         </p:nvPicPr>
         <p:blipFill>
-          <a:blip r:embed="rId15" cstate="print">
+          <a:blip r:embed="rId14" cstate="print">
             <a:extLst>
               <a:ext uri="{28A0092B-C50C-407E-A947-70E740481C1C}">
                 <a14:useLocalDpi xmlns:a14="http://schemas.microsoft.com/office/drawing/2010/main" val="0"/>
@@ -5076,7 +4343,7 @@
           <p:nvPr/>
         </p:nvPicPr>
         <p:blipFill>
-          <a:blip r:embed="rId16" cstate="print">
+          <a:blip r:embed="rId15" cstate="print">
             <a:extLst>
               <a:ext uri="{28A0092B-C50C-407E-A947-70E740481C1C}">
                 <a14:useLocalDpi xmlns:a14="http://schemas.microsoft.com/office/drawing/2010/main" val="0"/>
@@ -5106,7 +4373,7 @@
           <p:nvPr/>
         </p:nvPicPr>
         <p:blipFill>
-          <a:blip r:embed="rId17" cstate="print">
+          <a:blip r:embed="rId16" cstate="print">
             <a:extLst>
               <a:ext uri="{28A0092B-C50C-407E-A947-70E740481C1C}">
                 <a14:useLocalDpi xmlns:a14="http://schemas.microsoft.com/office/drawing/2010/main" val="0"/>
@@ -5151,7 +4418,7 @@
           <a:p>
             <a:pPr algn="ctr"/>
             <a:r>
-              <a:rPr lang="tr-TR" sz="1200" dirty="0" err="1" smtClean="0">
+              <a:rPr lang="tr-TR" sz="1200" dirty="0" err="1">
                 <a:latin typeface="Arial" panose="020B0604020202020204" pitchFamily="34" charset="0"/>
                 <a:cs typeface="Arial" panose="020B0604020202020204" pitchFamily="34" charset="0"/>
               </a:rPr>
@@ -5173,7 +4440,7 @@
           <p:nvPr/>
         </p:nvPicPr>
         <p:blipFill>
-          <a:blip r:embed="rId18" cstate="print">
+          <a:blip r:embed="rId17" cstate="print">
             <a:extLst>
               <a:ext uri="{28A0092B-C50C-407E-A947-70E740481C1C}">
                 <a14:useLocalDpi xmlns:a14="http://schemas.microsoft.com/office/drawing/2010/main" val="0"/>
@@ -5251,7 +4518,7 @@
           <a:p>
             <a:pPr algn="ctr"/>
             <a:r>
-              <a:rPr lang="tr-TR" sz="1200" dirty="0" smtClean="0">
+              <a:rPr lang="tr-TR" sz="1200" dirty="0">
                 <a:latin typeface="Arial" panose="020B0604020202020204" pitchFamily="34" charset="0"/>
                 <a:cs typeface="Arial" panose="020B0604020202020204" pitchFamily="34" charset="0"/>
               </a:rPr>
@@ -5288,7 +4555,7 @@
           <a:p>
             <a:pPr algn="ctr"/>
             <a:r>
-              <a:rPr lang="tr-TR" sz="1200" dirty="0" smtClean="0">
+              <a:rPr lang="tr-TR" sz="1200" dirty="0">
                 <a:latin typeface="Arial" panose="020B0604020202020204" pitchFamily="34" charset="0"/>
                 <a:cs typeface="Arial" panose="020B0604020202020204" pitchFamily="34" charset="0"/>
               </a:rPr>
@@ -5325,7 +4592,7 @@
           <a:p>
             <a:pPr algn="ctr"/>
             <a:r>
-              <a:rPr lang="tr-TR" sz="1200" dirty="0" smtClean="0">
+              <a:rPr lang="tr-TR" sz="1200" dirty="0">
                 <a:latin typeface="Arial" panose="020B0604020202020204" pitchFamily="34" charset="0"/>
                 <a:cs typeface="Arial" panose="020B0604020202020204" pitchFamily="34" charset="0"/>
               </a:rPr>
@@ -5362,7 +4629,7 @@
           <a:p>
             <a:pPr algn="ctr"/>
             <a:r>
-              <a:rPr lang="tr-TR" sz="1200" dirty="0" smtClean="0">
+              <a:rPr lang="tr-TR" sz="1200" dirty="0">
                 <a:latin typeface="Arial" panose="020B0604020202020204" pitchFamily="34" charset="0"/>
                 <a:cs typeface="Arial" panose="020B0604020202020204" pitchFamily="34" charset="0"/>
               </a:rPr>
@@ -5416,7 +4683,7 @@
           <a:lstStyle/>
           <a:p>
             <a:r>
-              <a:rPr lang="tr-TR" sz="1200" dirty="0" smtClean="0">
+              <a:rPr lang="tr-TR" sz="1200" dirty="0">
                 <a:solidFill>
                   <a:srgbClr val="0070C0"/>
                 </a:solidFill>
@@ -5426,7 +4693,7 @@
           </a:p>
           <a:p>
             <a:r>
-              <a:rPr lang="tr-TR" sz="1200" dirty="0" smtClean="0">
+              <a:rPr lang="tr-TR" sz="1200" dirty="0">
                 <a:solidFill>
                   <a:schemeClr val="tx1">
                     <a:lumMod val="95000"/>
@@ -5439,7 +4706,7 @@
           </a:p>
           <a:p>
             <a:r>
-              <a:rPr lang="tr-TR" sz="1200" dirty="0" smtClean="0">
+              <a:rPr lang="tr-TR" sz="1200" dirty="0">
                 <a:solidFill>
                   <a:schemeClr val="tx1">
                     <a:lumMod val="95000"/>
@@ -5452,7 +4719,7 @@
           </a:p>
           <a:p>
             <a:r>
-              <a:rPr lang="tr-TR" sz="1200" dirty="0" smtClean="0">
+              <a:rPr lang="tr-TR" sz="1200" dirty="0">
                 <a:solidFill>
                   <a:schemeClr val="tx1">
                     <a:lumMod val="95000"/>
@@ -5500,7 +4767,7 @@
             </a:r>
           </a:p>
           <a:p>
-            <a:endParaRPr lang="tr-TR" sz="1200" dirty="0" smtClean="0">
+            <a:endParaRPr lang="tr-TR" sz="1200" dirty="0">
               <a:solidFill>
                 <a:schemeClr val="tx1">
                   <a:lumMod val="95000"/>
@@ -5521,7 +4788,7 @@
           </a:p>
           <a:p>
             <a:r>
-              <a:rPr lang="tr-TR" sz="1200" dirty="0" smtClean="0">
+              <a:rPr lang="tr-TR" sz="1200" dirty="0">
                 <a:solidFill>
                   <a:schemeClr val="tx1">
                     <a:lumMod val="95000"/>
@@ -5531,14 +4798,6 @@
               </a:rPr>
               <a:t>Disk-1-Blok-1:Elma</a:t>
             </a:r>
-            <a:endParaRPr lang="tr-TR" sz="1200" dirty="0">
-              <a:solidFill>
-                <a:schemeClr val="tx1">
-                  <a:lumMod val="95000"/>
-                  <a:lumOff val="5000"/>
-                </a:schemeClr>
-              </a:solidFill>
-            </a:endParaRPr>
           </a:p>
           <a:p>
             <a:r>
@@ -5550,18 +4809,7 @@
                   </a:schemeClr>
                 </a:solidFill>
               </a:rPr>
-              <a:t>Disk-2 </a:t>
-            </a:r>
-            <a:r>
-              <a:rPr lang="tr-TR" sz="1200" dirty="0" smtClean="0">
-                <a:solidFill>
-                  <a:schemeClr val="tx1">
-                    <a:lumMod val="95000"/>
-                    <a:lumOff val="5000"/>
-                  </a:schemeClr>
-                </a:solidFill>
-              </a:rPr>
-              <a:t>Blok-2:Kiraz</a:t>
+              <a:t>Disk-2 Blok-2:Kiraz</a:t>
             </a:r>
           </a:p>
           <a:p>
@@ -5597,27 +4845,8 @@
                   </a:schemeClr>
                 </a:solidFill>
               </a:rPr>
-              <a:t>Disk-2 </a:t>
+              <a:t>Disk-2 Blok-3:Kiraz</a:t>
             </a:r>
-            <a:r>
-              <a:rPr lang="tr-TR" sz="1200" dirty="0" smtClean="0">
-                <a:solidFill>
-                  <a:schemeClr val="tx1">
-                    <a:lumMod val="95000"/>
-                    <a:lumOff val="5000"/>
-                  </a:schemeClr>
-                </a:solidFill>
-              </a:rPr>
-              <a:t>Blok-3:Kiraz</a:t>
-            </a:r>
-            <a:endParaRPr lang="tr-TR" sz="1200" dirty="0">
-              <a:solidFill>
-                <a:schemeClr val="tx1">
-                  <a:lumMod val="95000"/>
-                  <a:lumOff val="5000"/>
-                </a:schemeClr>
-              </a:solidFill>
-            </a:endParaRPr>
           </a:p>
           <a:p>
             <a:endParaRPr lang="tr-TR" sz="1200" dirty="0">
@@ -5664,7 +4893,7 @@
           <a:lstStyle/>
           <a:p>
             <a:r>
-              <a:rPr lang="tr-TR" sz="4200" b="1" dirty="0" smtClean="0">
+              <a:rPr lang="tr-TR" sz="4200" b="1" dirty="0">
                 <a:solidFill>
                   <a:srgbClr val="CD1F26"/>
                 </a:solidFill>
@@ -5675,7 +4904,7 @@
               <a:t>HDFS </a:t>
             </a:r>
             <a:r>
-              <a:rPr lang="tr-TR" sz="4200" b="1" dirty="0" err="1" smtClean="0">
+              <a:rPr lang="tr-TR" sz="4200" b="1" dirty="0" err="1">
                 <a:solidFill>
                   <a:srgbClr val="CD1F26"/>
                 </a:solidFill>
@@ -5686,7 +4915,7 @@
               <a:t>Fault</a:t>
             </a:r>
             <a:r>
-              <a:rPr lang="tr-TR" sz="4200" b="1" dirty="0" smtClean="0">
+              <a:rPr lang="tr-TR" sz="4200" b="1" dirty="0">
                 <a:solidFill>
                   <a:srgbClr val="CD1F26"/>
                 </a:solidFill>
@@ -5697,7 +4926,7 @@
               <a:t> </a:t>
             </a:r>
             <a:r>
-              <a:rPr lang="tr-TR" sz="4200" b="1" dirty="0" err="1" smtClean="0">
+              <a:rPr lang="tr-TR" sz="4200" b="1" dirty="0" err="1">
                 <a:solidFill>
                   <a:srgbClr val="CD1F26"/>
                 </a:solidFill>
@@ -6109,7 +5338,7 @@
           <a:p>
             <a:pPr algn="ctr"/>
             <a:r>
-              <a:rPr lang="tr-TR" sz="4200" b="1" dirty="0" smtClean="0">
+              <a:rPr lang="tr-TR" sz="4200" b="1" dirty="0">
                 <a:solidFill>
                   <a:srgbClr val="CD1F26"/>
                 </a:solidFill>
@@ -6120,7 +5349,7 @@
               <a:t>HDFS </a:t>
             </a:r>
             <a:r>
-              <a:rPr lang="tr-TR" sz="4200" b="1" dirty="0" err="1" smtClean="0">
+              <a:rPr lang="tr-TR" sz="4200" b="1" dirty="0" err="1">
                 <a:solidFill>
                   <a:srgbClr val="CD1F26"/>
                 </a:solidFill>
@@ -6282,7 +5511,7 @@
               <a:p>
                 <a:pPr algn="ctr"/>
                 <a:r>
-                  <a:rPr lang="tr-TR" sz="1600" dirty="0" smtClean="0">
+                  <a:rPr lang="tr-TR" sz="1600" dirty="0">
                     <a:latin typeface="Arial" panose="020B0604020202020204" pitchFamily="34" charset="0"/>
                     <a:cs typeface="Arial" panose="020B0604020202020204" pitchFamily="34" charset="0"/>
                   </a:rPr>
@@ -6330,7 +5559,7 @@
               <a:p>
                 <a:pPr algn="ctr"/>
                 <a:r>
-                  <a:rPr lang="tr-TR" sz="1600" dirty="0" smtClean="0">
+                  <a:rPr lang="tr-TR" sz="1600" dirty="0">
                     <a:latin typeface="Arial" panose="020B0604020202020204" pitchFamily="34" charset="0"/>
                     <a:cs typeface="Arial" panose="020B0604020202020204" pitchFamily="34" charset="0"/>
                   </a:rPr>
@@ -6378,7 +5607,7 @@
               <a:p>
                 <a:pPr algn="ctr"/>
                 <a:r>
-                  <a:rPr lang="tr-TR" sz="1600" dirty="0" smtClean="0">
+                  <a:rPr lang="tr-TR" sz="1600" dirty="0">
                     <a:latin typeface="Arial" panose="020B0604020202020204" pitchFamily="34" charset="0"/>
                     <a:cs typeface="Arial" panose="020B0604020202020204" pitchFamily="34" charset="0"/>
                   </a:rPr>
@@ -6431,7 +5660,7 @@
               <a:p>
                 <a:pPr algn="ctr"/>
                 <a:r>
-                  <a:rPr lang="tr-TR" sz="1600" dirty="0" smtClean="0">
+                  <a:rPr lang="tr-TR" sz="1600" dirty="0">
                     <a:latin typeface="Arial" panose="020B0604020202020204" pitchFamily="34" charset="0"/>
                     <a:cs typeface="Arial" panose="020B0604020202020204" pitchFamily="34" charset="0"/>
                   </a:rPr>
@@ -6484,7 +5713,7 @@
               <a:p>
                 <a:pPr algn="ctr"/>
                 <a:r>
-                  <a:rPr lang="tr-TR" sz="1600" dirty="0" smtClean="0">
+                  <a:rPr lang="tr-TR" sz="1600" dirty="0">
                     <a:latin typeface="Arial" panose="020B0604020202020204" pitchFamily="34" charset="0"/>
                     <a:cs typeface="Arial" panose="020B0604020202020204" pitchFamily="34" charset="0"/>
                   </a:rPr>
@@ -6537,7 +5766,7 @@
               <a:p>
                 <a:pPr algn="ctr"/>
                 <a:r>
-                  <a:rPr lang="tr-TR" sz="1600" dirty="0" smtClean="0">
+                  <a:rPr lang="tr-TR" sz="1600" dirty="0">
                     <a:latin typeface="Arial" panose="020B0604020202020204" pitchFamily="34" charset="0"/>
                     <a:cs typeface="Arial" panose="020B0604020202020204" pitchFamily="34" charset="0"/>
                   </a:rPr>
@@ -6590,7 +5819,7 @@
               <a:p>
                 <a:pPr algn="ctr"/>
                 <a:r>
-                  <a:rPr lang="tr-TR" sz="1600" dirty="0" smtClean="0">
+                  <a:rPr lang="tr-TR" sz="1600" dirty="0">
                     <a:latin typeface="Arial" panose="020B0604020202020204" pitchFamily="34" charset="0"/>
                     <a:cs typeface="Arial" panose="020B0604020202020204" pitchFamily="34" charset="0"/>
                   </a:rPr>
@@ -6643,7 +5872,7 @@
               <a:p>
                 <a:pPr algn="ctr"/>
                 <a:r>
-                  <a:rPr lang="tr-TR" sz="1600" dirty="0" smtClean="0">
+                  <a:rPr lang="tr-TR" sz="1600" dirty="0">
                     <a:latin typeface="Arial" panose="020B0604020202020204" pitchFamily="34" charset="0"/>
                     <a:cs typeface="Arial" panose="020B0604020202020204" pitchFamily="34" charset="0"/>
                   </a:rPr>
@@ -6696,7 +5925,7 @@
               <a:p>
                 <a:pPr algn="ctr"/>
                 <a:r>
-                  <a:rPr lang="tr-TR" sz="1600" dirty="0" smtClean="0">
+                  <a:rPr lang="tr-TR" sz="1600" dirty="0">
                     <a:latin typeface="Arial" panose="020B0604020202020204" pitchFamily="34" charset="0"/>
                     <a:cs typeface="Arial" panose="020B0604020202020204" pitchFamily="34" charset="0"/>
                   </a:rPr>
@@ -6749,7 +5978,7 @@
               <a:p>
                 <a:pPr algn="ctr"/>
                 <a:r>
-                  <a:rPr lang="tr-TR" sz="1600" dirty="0" smtClean="0">
+                  <a:rPr lang="tr-TR" sz="1600" dirty="0">
                     <a:latin typeface="Arial" panose="020B0604020202020204" pitchFamily="34" charset="0"/>
                     <a:cs typeface="Arial" panose="020B0604020202020204" pitchFamily="34" charset="0"/>
                   </a:rPr>
@@ -6802,7 +6031,7 @@
               <a:p>
                 <a:pPr algn="ctr"/>
                 <a:r>
-                  <a:rPr lang="tr-TR" sz="1600" dirty="0" smtClean="0">
+                  <a:rPr lang="tr-TR" sz="1600" dirty="0">
                     <a:latin typeface="Arial" panose="020B0604020202020204" pitchFamily="34" charset="0"/>
                     <a:cs typeface="Arial" panose="020B0604020202020204" pitchFamily="34" charset="0"/>
                   </a:rPr>
@@ -6855,7 +6084,7 @@
               <a:p>
                 <a:pPr algn="ctr"/>
                 <a:r>
-                  <a:rPr lang="tr-TR" sz="1600" dirty="0" smtClean="0">
+                  <a:rPr lang="tr-TR" sz="1600" dirty="0">
                     <a:latin typeface="Arial" panose="020B0604020202020204" pitchFamily="34" charset="0"/>
                     <a:cs typeface="Arial" panose="020B0604020202020204" pitchFamily="34" charset="0"/>
                   </a:rPr>
@@ -7661,7 +6890,7 @@
             <a:p>
               <a:pPr algn="ctr"/>
               <a:r>
-                <a:rPr lang="tr-TR" sz="1600" dirty="0" smtClean="0">
+                <a:rPr lang="tr-TR" sz="1600" dirty="0">
                   <a:latin typeface="Arial" panose="020B0604020202020204" pitchFamily="34" charset="0"/>
                   <a:cs typeface="Arial" panose="020B0604020202020204" pitchFamily="34" charset="0"/>
                 </a:rPr>
@@ -7712,7 +6941,7 @@
             <a:p>
               <a:pPr algn="ctr"/>
               <a:r>
-                <a:rPr lang="tr-TR" sz="1600" dirty="0" smtClean="0">
+                <a:rPr lang="tr-TR" sz="1600" dirty="0">
                   <a:latin typeface="Arial" panose="020B0604020202020204" pitchFamily="34" charset="0"/>
                   <a:cs typeface="Arial" panose="020B0604020202020204" pitchFamily="34" charset="0"/>
                 </a:rPr>
@@ -7765,7 +6994,7 @@
             <a:p>
               <a:pPr algn="ctr"/>
               <a:r>
-                <a:rPr lang="tr-TR" sz="1600" dirty="0" smtClean="0">
+                <a:rPr lang="tr-TR" sz="1600" dirty="0">
                   <a:latin typeface="Arial" panose="020B0604020202020204" pitchFamily="34" charset="0"/>
                   <a:cs typeface="Arial" panose="020B0604020202020204" pitchFamily="34" charset="0"/>
                 </a:rPr>
@@ -7937,14 +7166,14 @@
             <a:p>
               <a:pPr algn="ctr"/>
               <a:r>
-                <a:rPr lang="tr-TR" sz="1600" dirty="0" smtClean="0">
+                <a:rPr lang="tr-TR" sz="1600" dirty="0">
                   <a:latin typeface="Arial" panose="020B0604020202020204" pitchFamily="34" charset="0"/>
                   <a:cs typeface="Arial" panose="020B0604020202020204" pitchFamily="34" charset="0"/>
                 </a:rPr>
                 <a:t>/</a:t>
               </a:r>
               <a:r>
-                <a:rPr lang="tr-TR" sz="1600" dirty="0" err="1" smtClean="0">
+                <a:rPr lang="tr-TR" sz="1600" dirty="0" err="1">
                   <a:latin typeface="Arial" panose="020B0604020202020204" pitchFamily="34" charset="0"/>
                   <a:cs typeface="Arial" panose="020B0604020202020204" pitchFamily="34" charset="0"/>
                 </a:rPr>
@@ -7995,14 +7224,14 @@
             <a:p>
               <a:pPr algn="ctr"/>
               <a:r>
-                <a:rPr lang="tr-TR" sz="1600" dirty="0" smtClean="0">
+                <a:rPr lang="tr-TR" sz="1600" dirty="0">
                   <a:latin typeface="Arial" panose="020B0604020202020204" pitchFamily="34" charset="0"/>
                   <a:cs typeface="Arial" panose="020B0604020202020204" pitchFamily="34" charset="0"/>
                 </a:rPr>
                 <a:t>/</a:t>
               </a:r>
               <a:r>
-                <a:rPr lang="tr-TR" sz="1600" dirty="0" err="1" smtClean="0">
+                <a:rPr lang="tr-TR" sz="1600" dirty="0" err="1">
                   <a:latin typeface="Arial" panose="020B0604020202020204" pitchFamily="34" charset="0"/>
                   <a:cs typeface="Arial" panose="020B0604020202020204" pitchFamily="34" charset="0"/>
                 </a:rPr>
@@ -8055,14 +7284,14 @@
             <a:p>
               <a:pPr algn="ctr"/>
               <a:r>
-                <a:rPr lang="tr-TR" sz="1600" dirty="0" smtClean="0">
+                <a:rPr lang="tr-TR" sz="1600" dirty="0">
                   <a:latin typeface="Arial" panose="020B0604020202020204" pitchFamily="34" charset="0"/>
                   <a:cs typeface="Arial" panose="020B0604020202020204" pitchFamily="34" charset="0"/>
                 </a:rPr>
                 <a:t>/</a:t>
               </a:r>
               <a:r>
-                <a:rPr lang="tr-TR" sz="1600" dirty="0" err="1" smtClean="0">
+                <a:rPr lang="tr-TR" sz="1600" dirty="0" err="1">
                   <a:latin typeface="Arial" panose="020B0604020202020204" pitchFamily="34" charset="0"/>
                   <a:cs typeface="Arial" panose="020B0604020202020204" pitchFamily="34" charset="0"/>
                 </a:rPr>
@@ -8120,14 +7349,14 @@
               <a:buChar char="ü"/>
             </a:pPr>
             <a:r>
-              <a:rPr lang="tr-TR" sz="1600" dirty="0" err="1" smtClean="0">
+              <a:rPr lang="tr-TR" sz="1600" dirty="0" err="1">
                 <a:latin typeface="Arial" panose="020B0604020202020204" pitchFamily="34" charset="0"/>
                 <a:cs typeface="Arial" panose="020B0604020202020204" pitchFamily="34" charset="0"/>
               </a:rPr>
               <a:t>HDFS’in</a:t>
             </a:r>
             <a:r>
-              <a:rPr lang="tr-TR" sz="1600" dirty="0" smtClean="0">
+              <a:rPr lang="tr-TR" sz="1600" dirty="0">
                 <a:latin typeface="Arial" panose="020B0604020202020204" pitchFamily="34" charset="0"/>
                 <a:cs typeface="Arial" panose="020B0604020202020204" pitchFamily="34" charset="0"/>
               </a:rPr>
@@ -8140,14 +7369,14 @@
               <a:buChar char="ü"/>
             </a:pPr>
             <a:r>
-              <a:rPr lang="tr-TR" sz="1600" dirty="0" smtClean="0">
+              <a:rPr lang="tr-TR" sz="1600" dirty="0">
                 <a:latin typeface="Arial" panose="020B0604020202020204" pitchFamily="34" charset="0"/>
                 <a:cs typeface="Arial" panose="020B0604020202020204" pitchFamily="34" charset="0"/>
               </a:rPr>
               <a:t>Dosya ve dizin sayısı </a:t>
             </a:r>
             <a:r>
-              <a:rPr lang="tr-TR" sz="1600" dirty="0" err="1" smtClean="0">
+              <a:rPr lang="tr-TR" sz="1600" dirty="0" err="1">
                 <a:latin typeface="Arial" panose="020B0604020202020204" pitchFamily="34" charset="0"/>
                 <a:cs typeface="Arial" panose="020B0604020202020204" pitchFamily="34" charset="0"/>
               </a:rPr>
@@ -8158,14 +7387,7 @@
                 <a:latin typeface="Arial" panose="020B0604020202020204" pitchFamily="34" charset="0"/>
                 <a:cs typeface="Arial" panose="020B0604020202020204" pitchFamily="34" charset="0"/>
               </a:rPr>
-              <a:t> </a:t>
-            </a:r>
-            <a:r>
-              <a:rPr lang="tr-TR" sz="1600" dirty="0" smtClean="0">
-                <a:latin typeface="Arial" panose="020B0604020202020204" pitchFamily="34" charset="0"/>
-                <a:cs typeface="Arial" panose="020B0604020202020204" pitchFamily="34" charset="0"/>
-              </a:rPr>
-              <a:t>belleği ile sınırlı</a:t>
+              <a:t> belleği ile sınırlı</a:t>
             </a:r>
             <a:endParaRPr lang="en-US" sz="1600" dirty="0">
               <a:latin typeface="Arial" panose="020B0604020202020204" pitchFamily="34" charset="0"/>
@@ -8211,369 +7433,6 @@
           </a:fontRef>
         </p:style>
       </p:cxnSp>
-      <p:grpSp>
-        <p:nvGrpSpPr>
-          <p:cNvPr id="57" name="Grup 56"/>
-          <p:cNvGrpSpPr/>
-          <p:nvPr/>
-        </p:nvGrpSpPr>
-        <p:grpSpPr>
-          <a:xfrm>
-            <a:off x="228596" y="6231467"/>
-            <a:ext cx="3041654" cy="492576"/>
-            <a:chOff x="228596" y="6231467"/>
-            <a:chExt cx="3041654" cy="492576"/>
-          </a:xfrm>
-        </p:grpSpPr>
-        <p:grpSp>
-          <p:nvGrpSpPr>
-            <p:cNvPr id="58" name="Grup 57"/>
-            <p:cNvGrpSpPr/>
-            <p:nvPr/>
-          </p:nvGrpSpPr>
-          <p:grpSpPr>
-            <a:xfrm>
-              <a:off x="228596" y="6231467"/>
-              <a:ext cx="2802471" cy="457084"/>
-              <a:chOff x="127000" y="5901146"/>
-              <a:chExt cx="5156200" cy="838200"/>
-            </a:xfrm>
-          </p:grpSpPr>
-          <p:sp>
-            <p:nvSpPr>
-              <p:cNvPr id="60" name="Dikdörtgen 59"/>
-              <p:cNvSpPr/>
-              <p:nvPr/>
-            </p:nvSpPr>
-            <p:spPr>
-              <a:xfrm>
-                <a:off x="127000" y="5901146"/>
-                <a:ext cx="5156200" cy="838200"/>
-              </a:xfrm>
-              <a:prstGeom prst="rect">
-                <a:avLst/>
-              </a:prstGeom>
-              <a:solidFill>
-                <a:schemeClr val="bg1">
-                  <a:lumMod val="95000"/>
-                </a:schemeClr>
-              </a:solidFill>
-              <a:ln>
-                <a:noFill/>
-              </a:ln>
-            </p:spPr>
-            <p:style>
-              <a:lnRef idx="2">
-                <a:schemeClr val="accent1">
-                  <a:shade val="50000"/>
-                </a:schemeClr>
-              </a:lnRef>
-              <a:fillRef idx="1">
-                <a:schemeClr val="accent1"/>
-              </a:fillRef>
-              <a:effectRef idx="0">
-                <a:schemeClr val="accent1"/>
-              </a:effectRef>
-              <a:fontRef idx="minor">
-                <a:schemeClr val="lt1"/>
-              </a:fontRef>
-            </p:style>
-            <p:txBody>
-              <a:bodyPr rtlCol="0" anchor="ctr"/>
-              <a:lstStyle/>
-              <a:p>
-                <a:pPr algn="ctr"/>
-                <a:endParaRPr lang="en-US" sz="2000"/>
-              </a:p>
-            </p:txBody>
-          </p:sp>
-          <p:grpSp>
-            <p:nvGrpSpPr>
-              <p:cNvPr id="61" name="Grup 60"/>
-              <p:cNvGrpSpPr/>
-              <p:nvPr/>
-            </p:nvGrpSpPr>
-            <p:grpSpPr>
-              <a:xfrm>
-                <a:off x="211667" y="6019800"/>
-                <a:ext cx="5012266" cy="605115"/>
-                <a:chOff x="211667" y="6019800"/>
-                <a:chExt cx="5012266" cy="605115"/>
-              </a:xfrm>
-            </p:grpSpPr>
-            <p:pic>
-              <p:nvPicPr>
-                <p:cNvPr id="62" name="Resim 61"/>
-                <p:cNvPicPr>
-                  <a:picLocks noChangeAspect="1"/>
-                </p:cNvPicPr>
-                <p:nvPr/>
-              </p:nvPicPr>
-              <p:blipFill rotWithShape="1">
-                <a:blip r:embed="rId4" cstate="print">
-                  <a:extLst>
-                    <a:ext uri="{28A0092B-C50C-407E-A947-70E740481C1C}">
-                      <a14:useLocalDpi xmlns:a14="http://schemas.microsoft.com/office/drawing/2010/main" val="0"/>
-                    </a:ext>
-                  </a:extLst>
-                </a:blip>
-                <a:srcRect l="24387" t="8319" r="18355" b="50150"/>
-                <a:stretch/>
-              </p:blipFill>
-              <p:spPr>
-                <a:xfrm>
-                  <a:off x="211667" y="6019800"/>
-                  <a:ext cx="1072095" cy="600892"/>
-                </a:xfrm>
-                <a:prstGeom prst="rect">
-                  <a:avLst/>
-                </a:prstGeom>
-              </p:spPr>
-            </p:pic>
-            <p:sp>
-              <p:nvSpPr>
-                <p:cNvPr id="63" name="Unvan 1"/>
-                <p:cNvSpPr txBox="1">
-                  <a:spLocks/>
-                </p:cNvSpPr>
-                <p:nvPr/>
-              </p:nvSpPr>
-              <p:spPr>
-                <a:xfrm>
-                  <a:off x="1283763" y="6024023"/>
-                  <a:ext cx="3940170" cy="600892"/>
-                </a:xfrm>
-                <a:prstGeom prst="rect">
-                  <a:avLst/>
-                </a:prstGeom>
-              </p:spPr>
-              <p:txBody>
-                <a:bodyPr vert="horz" lIns="91440" tIns="45720" rIns="91440" bIns="45720" rtlCol="0" anchor="b">
-                  <a:noAutofit/>
-                </a:bodyPr>
-                <a:lstStyle>
-                  <a:lvl1pPr algn="ctr" defTabSz="914400" rtl="0" eaLnBrk="1" latinLnBrk="0" hangingPunct="1">
-                    <a:lnSpc>
-                      <a:spcPct val="90000"/>
-                    </a:lnSpc>
-                    <a:spcBef>
-                      <a:spcPct val="0"/>
-                    </a:spcBef>
-                    <a:buNone/>
-                    <a:defRPr sz="6000" kern="1200">
-                      <a:solidFill>
-                        <a:schemeClr val="tx1"/>
-                      </a:solidFill>
-                      <a:latin typeface="+mj-lt"/>
-                      <a:ea typeface="+mj-ea"/>
-                      <a:cs typeface="+mj-cs"/>
-                    </a:defRPr>
-                  </a:lvl1pPr>
-                </a:lstStyle>
-                <a:p>
-                  <a:pPr algn="l"/>
-                  <a:r>
-                    <a:rPr lang="tr-TR" sz="2000" dirty="0" smtClean="0">
-                      <a:solidFill>
-                        <a:srgbClr val="CB171F"/>
-                      </a:solidFill>
-                      <a:latin typeface="Constantia" panose="02030602050306030303" pitchFamily="18" charset="0"/>
-                      <a:ea typeface="Verdana" panose="020B0604030504040204" pitchFamily="34" charset="0"/>
-                      <a:cs typeface="Arial" panose="020B0604020202020204" pitchFamily="34" charset="0"/>
-                    </a:rPr>
-                    <a:t>Veri Bilimi Okulu</a:t>
-                  </a:r>
-                  <a:endParaRPr lang="en-US" sz="2000" dirty="0">
-                    <a:solidFill>
-                      <a:srgbClr val="CB171F"/>
-                    </a:solidFill>
-                    <a:latin typeface="Constantia" panose="02030602050306030303" pitchFamily="18" charset="0"/>
-                    <a:ea typeface="Verdana" panose="020B0604030504040204" pitchFamily="34" charset="0"/>
-                    <a:cs typeface="Arial" panose="020B0604020202020204" pitchFamily="34" charset="0"/>
-                  </a:endParaRPr>
-                </a:p>
-              </p:txBody>
-            </p:sp>
-          </p:grpSp>
-        </p:grpSp>
-        <p:sp>
-          <p:nvSpPr>
-            <p:cNvPr id="59" name="Metin kutusu 58"/>
-            <p:cNvSpPr txBox="1"/>
-            <p:nvPr/>
-          </p:nvSpPr>
-          <p:spPr>
-            <a:xfrm>
-              <a:off x="1582782" y="6493211"/>
-              <a:ext cx="1687468" cy="230832"/>
-            </a:xfrm>
-            <a:prstGeom prst="rect">
-              <a:avLst/>
-            </a:prstGeom>
-            <a:noFill/>
-          </p:spPr>
-          <p:txBody>
-            <a:bodyPr wrap="square" rtlCol="0">
-              <a:spAutoFit/>
-            </a:bodyPr>
-            <a:lstStyle/>
-            <a:p>
-              <a:r>
-                <a:rPr lang="en-US" sz="900" dirty="0" smtClean="0">
-                  <a:solidFill>
-                    <a:srgbClr val="0B8043"/>
-                  </a:solidFill>
-                </a:rPr>
-                <a:t>https:</a:t>
-              </a:r>
-              <a:r>
-                <a:rPr lang="en-US" sz="900" dirty="0" smtClean="0">
-                  <a:solidFill>
-                    <a:schemeClr val="bg1">
-                      <a:lumMod val="50000"/>
-                    </a:schemeClr>
-                  </a:solidFill>
-                </a:rPr>
-                <a:t>//www.veribilimi.co</a:t>
-              </a:r>
-              <a:endParaRPr lang="en-US" sz="900" dirty="0">
-                <a:solidFill>
-                  <a:schemeClr val="bg1">
-                    <a:lumMod val="50000"/>
-                  </a:schemeClr>
-                </a:solidFill>
-              </a:endParaRPr>
-            </a:p>
-          </p:txBody>
-        </p:sp>
-      </p:grpSp>
-      <p:grpSp>
-        <p:nvGrpSpPr>
-          <p:cNvPr id="64" name="Grup 63"/>
-          <p:cNvGrpSpPr/>
-          <p:nvPr/>
-        </p:nvGrpSpPr>
-        <p:grpSpPr>
-          <a:xfrm>
-            <a:off x="9194796" y="6231467"/>
-            <a:ext cx="2802471" cy="457084"/>
-            <a:chOff x="184993" y="5905369"/>
-            <a:chExt cx="5156200" cy="838200"/>
-          </a:xfrm>
-        </p:grpSpPr>
-        <p:sp>
-          <p:nvSpPr>
-            <p:cNvPr id="65" name="Dikdörtgen 64"/>
-            <p:cNvSpPr/>
-            <p:nvPr/>
-          </p:nvSpPr>
-          <p:spPr>
-            <a:xfrm>
-              <a:off x="184993" y="5905369"/>
-              <a:ext cx="5156200" cy="838200"/>
-            </a:xfrm>
-            <a:prstGeom prst="rect">
-              <a:avLst/>
-            </a:prstGeom>
-            <a:solidFill>
-              <a:schemeClr val="bg1">
-                <a:lumMod val="95000"/>
-              </a:schemeClr>
-            </a:solidFill>
-            <a:ln>
-              <a:noFill/>
-            </a:ln>
-          </p:spPr>
-          <p:style>
-            <a:lnRef idx="2">
-              <a:schemeClr val="accent1">
-                <a:shade val="50000"/>
-              </a:schemeClr>
-            </a:lnRef>
-            <a:fillRef idx="1">
-              <a:schemeClr val="accent1"/>
-            </a:fillRef>
-            <a:effectRef idx="0">
-              <a:schemeClr val="accent1"/>
-            </a:effectRef>
-            <a:fontRef idx="minor">
-              <a:schemeClr val="lt1"/>
-            </a:fontRef>
-          </p:style>
-          <p:txBody>
-            <a:bodyPr rtlCol="0" anchor="ctr"/>
-            <a:lstStyle/>
-            <a:p>
-              <a:pPr algn="ctr"/>
-              <a:endParaRPr lang="en-US" sz="2000"/>
-            </a:p>
-          </p:txBody>
-        </p:sp>
-        <p:sp>
-          <p:nvSpPr>
-            <p:cNvPr id="66" name="Unvan 1"/>
-            <p:cNvSpPr txBox="1">
-              <a:spLocks/>
-            </p:cNvSpPr>
-            <p:nvPr/>
-          </p:nvSpPr>
-          <p:spPr>
-            <a:xfrm>
-              <a:off x="302252" y="6024023"/>
-              <a:ext cx="4921678" cy="600892"/>
-            </a:xfrm>
-            <a:prstGeom prst="rect">
-              <a:avLst/>
-            </a:prstGeom>
-          </p:spPr>
-          <p:txBody>
-            <a:bodyPr vert="horz" lIns="91440" tIns="45720" rIns="91440" bIns="45720" rtlCol="0" anchor="b">
-              <a:noAutofit/>
-            </a:bodyPr>
-            <a:lstStyle>
-              <a:lvl1pPr algn="ctr" defTabSz="914400" rtl="0" eaLnBrk="1" latinLnBrk="0" hangingPunct="1">
-                <a:lnSpc>
-                  <a:spcPct val="90000"/>
-                </a:lnSpc>
-                <a:spcBef>
-                  <a:spcPct val="0"/>
-                </a:spcBef>
-                <a:buNone/>
-                <a:defRPr sz="6000" kern="1200">
-                  <a:solidFill>
-                    <a:schemeClr val="tx1"/>
-                  </a:solidFill>
-                  <a:latin typeface="+mj-lt"/>
-                  <a:ea typeface="+mj-ea"/>
-                  <a:cs typeface="+mj-cs"/>
-                </a:defRPr>
-              </a:lvl1pPr>
-            </a:lstStyle>
-            <a:p>
-              <a:pPr algn="l"/>
-              <a:r>
-                <a:rPr lang="tr-TR" sz="2000" dirty="0">
-                  <a:solidFill>
-                    <a:srgbClr val="CB171F"/>
-                  </a:solidFill>
-                  <a:latin typeface="Constantia" panose="02030602050306030303" pitchFamily="18" charset="0"/>
-                  <a:ea typeface="Verdana" panose="020B0604030504040204" pitchFamily="34" charset="0"/>
-                  <a:cs typeface="Arial" panose="020B0604020202020204" pitchFamily="34" charset="0"/>
-                </a:rPr>
-                <a:t>A’dan Z’ye Büyük Veri</a:t>
-              </a:r>
-              <a:endParaRPr lang="en-US" sz="2000" dirty="0">
-                <a:solidFill>
-                  <a:srgbClr val="CB171F"/>
-                </a:solidFill>
-                <a:latin typeface="Constantia" panose="02030602050306030303" pitchFamily="18" charset="0"/>
-                <a:ea typeface="Verdana" panose="020B0604030504040204" pitchFamily="34" charset="0"/>
-                <a:cs typeface="Arial" panose="020B0604020202020204" pitchFamily="34" charset="0"/>
-              </a:endParaRPr>
-            </a:p>
-          </p:txBody>
-        </p:sp>
-      </p:grpSp>
     </p:spTree>
     <p:extLst>
       <p:ext uri="{BB962C8B-B14F-4D97-AF65-F5344CB8AC3E}">
@@ -8584,13 +7443,6 @@
   <p:clrMapOvr>
     <a:masterClrMapping/>
   </p:clrMapOvr>
-  <p:timing>
-    <p:tnLst>
-      <p:par>
-        <p:cTn id="1" dur="indefinite" restart="never" nodeType="tmRoot"/>
-      </p:par>
-    </p:tnLst>
-  </p:timing>
 </p:sld>
 </file>
 
@@ -8654,7 +7506,7 @@
           <a:p>
             <a:pPr algn="ctr"/>
             <a:r>
-              <a:rPr lang="tr-TR" sz="4200" b="1" dirty="0" smtClean="0">
+              <a:rPr lang="tr-TR" sz="4200" b="1" dirty="0">
                 <a:solidFill>
                   <a:srgbClr val="CD1F26"/>
                 </a:solidFill>
@@ -8665,7 +7517,7 @@
               <a:t>HDFS High </a:t>
             </a:r>
             <a:r>
-              <a:rPr lang="tr-TR" sz="4200" b="1" dirty="0" err="1" smtClean="0">
+              <a:rPr lang="tr-TR" sz="4200" b="1" dirty="0" err="1">
                 <a:solidFill>
                   <a:srgbClr val="CD1F26"/>
                 </a:solidFill>
@@ -8676,7 +7528,7 @@
               <a:t>Availability</a:t>
             </a:r>
             <a:r>
-              <a:rPr lang="tr-TR" sz="4200" b="1" dirty="0" smtClean="0">
+              <a:rPr lang="tr-TR" sz="4200" b="1" dirty="0">
                 <a:solidFill>
                   <a:srgbClr val="CD1F26"/>
                 </a:solidFill>
@@ -8741,41 +7593,41 @@
               <a:buChar char="ü"/>
             </a:pPr>
             <a:r>
-              <a:rPr lang="tr-TR" sz="1600" dirty="0" err="1" smtClean="0">
+              <a:rPr lang="tr-TR" sz="1600" dirty="0" err="1">
                 <a:latin typeface="Arial" panose="020B0604020202020204" pitchFamily="34" charset="0"/>
                 <a:cs typeface="Arial" panose="020B0604020202020204" pitchFamily="34" charset="0"/>
               </a:rPr>
               <a:t>Shared</a:t>
             </a:r>
             <a:r>
-              <a:rPr lang="tr-TR" sz="1600" dirty="0" smtClean="0">
+              <a:rPr lang="tr-TR" sz="1600" dirty="0">
                 <a:latin typeface="Arial" panose="020B0604020202020204" pitchFamily="34" charset="0"/>
                 <a:cs typeface="Arial" panose="020B0604020202020204" pitchFamily="34" charset="0"/>
               </a:rPr>
               <a:t> </a:t>
             </a:r>
             <a:r>
-              <a:rPr lang="tr-TR" sz="1600" dirty="0" err="1" smtClean="0">
+              <a:rPr lang="tr-TR" sz="1600" dirty="0" err="1">
                 <a:latin typeface="Arial" panose="020B0604020202020204" pitchFamily="34" charset="0"/>
                 <a:cs typeface="Arial" panose="020B0604020202020204" pitchFamily="34" charset="0"/>
               </a:rPr>
               <a:t>edit</a:t>
             </a:r>
             <a:r>
-              <a:rPr lang="tr-TR" sz="1600" dirty="0" smtClean="0">
+              <a:rPr lang="tr-TR" sz="1600" dirty="0">
                 <a:latin typeface="Arial" panose="020B0604020202020204" pitchFamily="34" charset="0"/>
                 <a:cs typeface="Arial" panose="020B0604020202020204" pitchFamily="34" charset="0"/>
               </a:rPr>
               <a:t> </a:t>
             </a:r>
             <a:r>
-              <a:rPr lang="tr-TR" sz="1600" dirty="0" err="1" smtClean="0">
+              <a:rPr lang="tr-TR" sz="1600" dirty="0" err="1">
                 <a:latin typeface="Arial" panose="020B0604020202020204" pitchFamily="34" charset="0"/>
                 <a:cs typeface="Arial" panose="020B0604020202020204" pitchFamily="34" charset="0"/>
               </a:rPr>
               <a:t>logs</a:t>
             </a:r>
-            <a:endParaRPr lang="tr-TR" sz="1600" dirty="0" smtClean="0">
+            <a:endParaRPr lang="tr-TR" sz="1600" dirty="0">
               <a:latin typeface="Arial" panose="020B0604020202020204" pitchFamily="34" charset="0"/>
               <a:cs typeface="Arial" panose="020B0604020202020204" pitchFamily="34" charset="0"/>
             </a:endParaRPr>
@@ -8786,21 +7638,21 @@
               <a:buChar char="ü"/>
             </a:pPr>
             <a:r>
-              <a:rPr lang="tr-TR" sz="1600" dirty="0" err="1" smtClean="0">
+              <a:rPr lang="tr-TR" sz="1600" dirty="0" err="1">
                 <a:latin typeface="Arial" panose="020B0604020202020204" pitchFamily="34" charset="0"/>
                 <a:cs typeface="Arial" panose="020B0604020202020204" pitchFamily="34" charset="0"/>
               </a:rPr>
               <a:t>Zookeeper</a:t>
             </a:r>
             <a:r>
-              <a:rPr lang="tr-TR" sz="1600" smtClean="0">
+              <a:rPr lang="tr-TR" sz="1600">
                 <a:latin typeface="Arial" panose="020B0604020202020204" pitchFamily="34" charset="0"/>
                 <a:cs typeface="Arial" panose="020B0604020202020204" pitchFamily="34" charset="0"/>
               </a:rPr>
               <a:t>: Kim </a:t>
             </a:r>
             <a:r>
-              <a:rPr lang="tr-TR" sz="1600" dirty="0" smtClean="0">
+              <a:rPr lang="tr-TR" sz="1600" dirty="0">
                 <a:latin typeface="Arial" panose="020B0604020202020204" pitchFamily="34" charset="0"/>
                 <a:cs typeface="Arial" panose="020B0604020202020204" pitchFamily="34" charset="0"/>
               </a:rPr>
@@ -9181,7 +8033,7 @@
             <a:p>
               <a:pPr algn="ctr"/>
               <a:r>
-                <a:rPr lang="tr-TR" sz="1200" dirty="0" err="1" smtClean="0">
+                <a:rPr lang="tr-TR" sz="1200" dirty="0" err="1">
                   <a:latin typeface="Arial" panose="020B0604020202020204" pitchFamily="34" charset="0"/>
                   <a:cs typeface="Arial" panose="020B0604020202020204" pitchFamily="34" charset="0"/>
                 </a:rPr>
@@ -9563,21 +8415,21 @@
             <a:p>
               <a:pPr algn="ctr"/>
               <a:r>
-                <a:rPr lang="tr-TR" sz="1200" dirty="0" err="1" smtClean="0">
+                <a:rPr lang="tr-TR" sz="1200" dirty="0" err="1">
                   <a:latin typeface="Arial" panose="020B0604020202020204" pitchFamily="34" charset="0"/>
                   <a:cs typeface="Arial" panose="020B0604020202020204" pitchFamily="34" charset="0"/>
                 </a:rPr>
                 <a:t>Standby</a:t>
               </a:r>
               <a:r>
-                <a:rPr lang="tr-TR" sz="1200" dirty="0" smtClean="0">
+                <a:rPr lang="tr-TR" sz="1200" dirty="0">
                   <a:latin typeface="Arial" panose="020B0604020202020204" pitchFamily="34" charset="0"/>
                   <a:cs typeface="Arial" panose="020B0604020202020204" pitchFamily="34" charset="0"/>
                 </a:rPr>
                 <a:t> </a:t>
               </a:r>
               <a:r>
-                <a:rPr lang="tr-TR" sz="1200" dirty="0" err="1" smtClean="0">
+                <a:rPr lang="tr-TR" sz="1200" dirty="0" err="1">
                   <a:latin typeface="Arial" panose="020B0604020202020204" pitchFamily="34" charset="0"/>
                   <a:cs typeface="Arial" panose="020B0604020202020204" pitchFamily="34" charset="0"/>
                 </a:rPr>
@@ -9973,7 +8825,7 @@
               <a:p>
                 <a:pPr algn="ctr"/>
                 <a:r>
-                  <a:rPr lang="tr-TR" sz="1200" dirty="0" smtClean="0">
+                  <a:rPr lang="tr-TR" sz="1200" dirty="0">
                     <a:latin typeface="Arial" panose="020B0604020202020204" pitchFamily="34" charset="0"/>
                     <a:cs typeface="Arial" panose="020B0604020202020204" pitchFamily="34" charset="0"/>
                   </a:rPr>
@@ -10355,7 +9207,7 @@
               <a:p>
                 <a:pPr algn="ctr"/>
                 <a:r>
-                  <a:rPr lang="tr-TR" sz="1200" dirty="0" smtClean="0">
+                  <a:rPr lang="tr-TR" sz="1200" dirty="0">
                     <a:latin typeface="Arial" panose="020B0604020202020204" pitchFamily="34" charset="0"/>
                     <a:cs typeface="Arial" panose="020B0604020202020204" pitchFamily="34" charset="0"/>
                   </a:rPr>
@@ -10737,7 +9589,7 @@
               <a:p>
                 <a:pPr algn="ctr"/>
                 <a:r>
-                  <a:rPr lang="tr-TR" sz="1200" dirty="0" smtClean="0">
+                  <a:rPr lang="tr-TR" sz="1200" dirty="0">
                     <a:latin typeface="Arial" panose="020B0604020202020204" pitchFamily="34" charset="0"/>
                     <a:cs typeface="Arial" panose="020B0604020202020204" pitchFamily="34" charset="0"/>
                   </a:rPr>
@@ -10787,35 +9639,35 @@
           <a:p>
             <a:pPr algn="ctr"/>
             <a:r>
-              <a:rPr lang="tr-TR" sz="1400" dirty="0" err="1" smtClean="0">
+              <a:rPr lang="tr-TR" sz="1400" dirty="0" err="1">
                 <a:latin typeface="Arial" panose="020B0604020202020204" pitchFamily="34" charset="0"/>
                 <a:cs typeface="Arial" panose="020B0604020202020204" pitchFamily="34" charset="0"/>
               </a:rPr>
               <a:t>Shared</a:t>
             </a:r>
             <a:r>
-              <a:rPr lang="tr-TR" sz="1400" dirty="0" smtClean="0">
+              <a:rPr lang="tr-TR" sz="1400" dirty="0">
                 <a:latin typeface="Arial" panose="020B0604020202020204" pitchFamily="34" charset="0"/>
                 <a:cs typeface="Arial" panose="020B0604020202020204" pitchFamily="34" charset="0"/>
               </a:rPr>
               <a:t> </a:t>
             </a:r>
             <a:r>
-              <a:rPr lang="tr-TR" sz="1400" dirty="0" err="1" smtClean="0">
+              <a:rPr lang="tr-TR" sz="1400" dirty="0" err="1">
                 <a:latin typeface="Arial" panose="020B0604020202020204" pitchFamily="34" charset="0"/>
                 <a:cs typeface="Arial" panose="020B0604020202020204" pitchFamily="34" charset="0"/>
               </a:rPr>
               <a:t>Edit</a:t>
             </a:r>
             <a:r>
-              <a:rPr lang="tr-TR" sz="1400" dirty="0" smtClean="0">
+              <a:rPr lang="tr-TR" sz="1400" dirty="0">
                 <a:latin typeface="Arial" panose="020B0604020202020204" pitchFamily="34" charset="0"/>
                 <a:cs typeface="Arial" panose="020B0604020202020204" pitchFamily="34" charset="0"/>
               </a:rPr>
               <a:t> </a:t>
             </a:r>
             <a:r>
-              <a:rPr lang="tr-TR" sz="1400" dirty="0" err="1" smtClean="0">
+              <a:rPr lang="tr-TR" sz="1400" dirty="0" err="1">
                 <a:latin typeface="Arial" panose="020B0604020202020204" pitchFamily="34" charset="0"/>
                 <a:cs typeface="Arial" panose="020B0604020202020204" pitchFamily="34" charset="0"/>
               </a:rPr>
@@ -11013,369 +9865,6 @@
           </a:fontRef>
         </p:style>
       </p:cxnSp>
-      <p:grpSp>
-        <p:nvGrpSpPr>
-          <p:cNvPr id="116" name="Grup 115"/>
-          <p:cNvGrpSpPr/>
-          <p:nvPr/>
-        </p:nvGrpSpPr>
-        <p:grpSpPr>
-          <a:xfrm>
-            <a:off x="228596" y="6231467"/>
-            <a:ext cx="3041654" cy="492576"/>
-            <a:chOff x="228596" y="6231467"/>
-            <a:chExt cx="3041654" cy="492576"/>
-          </a:xfrm>
-        </p:grpSpPr>
-        <p:grpSp>
-          <p:nvGrpSpPr>
-            <p:cNvPr id="117" name="Grup 116"/>
-            <p:cNvGrpSpPr/>
-            <p:nvPr/>
-          </p:nvGrpSpPr>
-          <p:grpSpPr>
-            <a:xfrm>
-              <a:off x="228596" y="6231467"/>
-              <a:ext cx="2802471" cy="457084"/>
-              <a:chOff x="127000" y="5901146"/>
-              <a:chExt cx="5156200" cy="838200"/>
-            </a:xfrm>
-          </p:grpSpPr>
-          <p:sp>
-            <p:nvSpPr>
-              <p:cNvPr id="121" name="Dikdörtgen 120"/>
-              <p:cNvSpPr/>
-              <p:nvPr/>
-            </p:nvSpPr>
-            <p:spPr>
-              <a:xfrm>
-                <a:off x="127000" y="5901146"/>
-                <a:ext cx="5156200" cy="838200"/>
-              </a:xfrm>
-              <a:prstGeom prst="rect">
-                <a:avLst/>
-              </a:prstGeom>
-              <a:solidFill>
-                <a:schemeClr val="bg1">
-                  <a:lumMod val="95000"/>
-                </a:schemeClr>
-              </a:solidFill>
-              <a:ln>
-                <a:noFill/>
-              </a:ln>
-            </p:spPr>
-            <p:style>
-              <a:lnRef idx="2">
-                <a:schemeClr val="accent1">
-                  <a:shade val="50000"/>
-                </a:schemeClr>
-              </a:lnRef>
-              <a:fillRef idx="1">
-                <a:schemeClr val="accent1"/>
-              </a:fillRef>
-              <a:effectRef idx="0">
-                <a:schemeClr val="accent1"/>
-              </a:effectRef>
-              <a:fontRef idx="minor">
-                <a:schemeClr val="lt1"/>
-              </a:fontRef>
-            </p:style>
-            <p:txBody>
-              <a:bodyPr rtlCol="0" anchor="ctr"/>
-              <a:lstStyle/>
-              <a:p>
-                <a:pPr algn="ctr"/>
-                <a:endParaRPr lang="en-US" sz="2000"/>
-              </a:p>
-            </p:txBody>
-          </p:sp>
-          <p:grpSp>
-            <p:nvGrpSpPr>
-              <p:cNvPr id="122" name="Grup 121"/>
-              <p:cNvGrpSpPr/>
-              <p:nvPr/>
-            </p:nvGrpSpPr>
-            <p:grpSpPr>
-              <a:xfrm>
-                <a:off x="211667" y="6019800"/>
-                <a:ext cx="5012266" cy="605115"/>
-                <a:chOff x="211667" y="6019800"/>
-                <a:chExt cx="5012266" cy="605115"/>
-              </a:xfrm>
-            </p:grpSpPr>
-            <p:pic>
-              <p:nvPicPr>
-                <p:cNvPr id="123" name="Resim 122"/>
-                <p:cNvPicPr>
-                  <a:picLocks noChangeAspect="1"/>
-                </p:cNvPicPr>
-                <p:nvPr/>
-              </p:nvPicPr>
-              <p:blipFill rotWithShape="1">
-                <a:blip r:embed="rId2" cstate="print">
-                  <a:extLst>
-                    <a:ext uri="{28A0092B-C50C-407E-A947-70E740481C1C}">
-                      <a14:useLocalDpi xmlns:a14="http://schemas.microsoft.com/office/drawing/2010/main" val="0"/>
-                    </a:ext>
-                  </a:extLst>
-                </a:blip>
-                <a:srcRect l="24387" t="8319" r="18355" b="50150"/>
-                <a:stretch/>
-              </p:blipFill>
-              <p:spPr>
-                <a:xfrm>
-                  <a:off x="211667" y="6019800"/>
-                  <a:ext cx="1072095" cy="600892"/>
-                </a:xfrm>
-                <a:prstGeom prst="rect">
-                  <a:avLst/>
-                </a:prstGeom>
-              </p:spPr>
-            </p:pic>
-            <p:sp>
-              <p:nvSpPr>
-                <p:cNvPr id="124" name="Unvan 1"/>
-                <p:cNvSpPr txBox="1">
-                  <a:spLocks/>
-                </p:cNvSpPr>
-                <p:nvPr/>
-              </p:nvSpPr>
-              <p:spPr>
-                <a:xfrm>
-                  <a:off x="1283763" y="6024023"/>
-                  <a:ext cx="3940170" cy="600892"/>
-                </a:xfrm>
-                <a:prstGeom prst="rect">
-                  <a:avLst/>
-                </a:prstGeom>
-              </p:spPr>
-              <p:txBody>
-                <a:bodyPr vert="horz" lIns="91440" tIns="45720" rIns="91440" bIns="45720" rtlCol="0" anchor="b">
-                  <a:noAutofit/>
-                </a:bodyPr>
-                <a:lstStyle>
-                  <a:lvl1pPr algn="ctr" defTabSz="914400" rtl="0" eaLnBrk="1" latinLnBrk="0" hangingPunct="1">
-                    <a:lnSpc>
-                      <a:spcPct val="90000"/>
-                    </a:lnSpc>
-                    <a:spcBef>
-                      <a:spcPct val="0"/>
-                    </a:spcBef>
-                    <a:buNone/>
-                    <a:defRPr sz="6000" kern="1200">
-                      <a:solidFill>
-                        <a:schemeClr val="tx1"/>
-                      </a:solidFill>
-                      <a:latin typeface="+mj-lt"/>
-                      <a:ea typeface="+mj-ea"/>
-                      <a:cs typeface="+mj-cs"/>
-                    </a:defRPr>
-                  </a:lvl1pPr>
-                </a:lstStyle>
-                <a:p>
-                  <a:pPr algn="l"/>
-                  <a:r>
-                    <a:rPr lang="tr-TR" sz="2000" dirty="0" smtClean="0">
-                      <a:solidFill>
-                        <a:srgbClr val="CB171F"/>
-                      </a:solidFill>
-                      <a:latin typeface="Constantia" panose="02030602050306030303" pitchFamily="18" charset="0"/>
-                      <a:ea typeface="Verdana" panose="020B0604030504040204" pitchFamily="34" charset="0"/>
-                      <a:cs typeface="Arial" panose="020B0604020202020204" pitchFamily="34" charset="0"/>
-                    </a:rPr>
-                    <a:t>Veri Bilimi Okulu</a:t>
-                  </a:r>
-                  <a:endParaRPr lang="en-US" sz="2000" dirty="0">
-                    <a:solidFill>
-                      <a:srgbClr val="CB171F"/>
-                    </a:solidFill>
-                    <a:latin typeface="Constantia" panose="02030602050306030303" pitchFamily="18" charset="0"/>
-                    <a:ea typeface="Verdana" panose="020B0604030504040204" pitchFamily="34" charset="0"/>
-                    <a:cs typeface="Arial" panose="020B0604020202020204" pitchFamily="34" charset="0"/>
-                  </a:endParaRPr>
-                </a:p>
-              </p:txBody>
-            </p:sp>
-          </p:grpSp>
-        </p:grpSp>
-        <p:sp>
-          <p:nvSpPr>
-            <p:cNvPr id="119" name="Metin kutusu 118"/>
-            <p:cNvSpPr txBox="1"/>
-            <p:nvPr/>
-          </p:nvSpPr>
-          <p:spPr>
-            <a:xfrm>
-              <a:off x="1582782" y="6493211"/>
-              <a:ext cx="1687468" cy="230832"/>
-            </a:xfrm>
-            <a:prstGeom prst="rect">
-              <a:avLst/>
-            </a:prstGeom>
-            <a:noFill/>
-          </p:spPr>
-          <p:txBody>
-            <a:bodyPr wrap="square" rtlCol="0">
-              <a:spAutoFit/>
-            </a:bodyPr>
-            <a:lstStyle/>
-            <a:p>
-              <a:r>
-                <a:rPr lang="en-US" sz="900" dirty="0" smtClean="0">
-                  <a:solidFill>
-                    <a:srgbClr val="0B8043"/>
-                  </a:solidFill>
-                </a:rPr>
-                <a:t>https:</a:t>
-              </a:r>
-              <a:r>
-                <a:rPr lang="en-US" sz="900" dirty="0" smtClean="0">
-                  <a:solidFill>
-                    <a:schemeClr val="bg1">
-                      <a:lumMod val="50000"/>
-                    </a:schemeClr>
-                  </a:solidFill>
-                </a:rPr>
-                <a:t>//www.veribilimi.co</a:t>
-              </a:r>
-              <a:endParaRPr lang="en-US" sz="900" dirty="0">
-                <a:solidFill>
-                  <a:schemeClr val="bg1">
-                    <a:lumMod val="50000"/>
-                  </a:schemeClr>
-                </a:solidFill>
-              </a:endParaRPr>
-            </a:p>
-          </p:txBody>
-        </p:sp>
-      </p:grpSp>
-      <p:grpSp>
-        <p:nvGrpSpPr>
-          <p:cNvPr id="127" name="Grup 126"/>
-          <p:cNvGrpSpPr/>
-          <p:nvPr/>
-        </p:nvGrpSpPr>
-        <p:grpSpPr>
-          <a:xfrm>
-            <a:off x="9194796" y="6231467"/>
-            <a:ext cx="2802471" cy="457084"/>
-            <a:chOff x="184993" y="5905369"/>
-            <a:chExt cx="5156200" cy="838200"/>
-          </a:xfrm>
-        </p:grpSpPr>
-        <p:sp>
-          <p:nvSpPr>
-            <p:cNvPr id="128" name="Dikdörtgen 127"/>
-            <p:cNvSpPr/>
-            <p:nvPr/>
-          </p:nvSpPr>
-          <p:spPr>
-            <a:xfrm>
-              <a:off x="184993" y="5905369"/>
-              <a:ext cx="5156200" cy="838200"/>
-            </a:xfrm>
-            <a:prstGeom prst="rect">
-              <a:avLst/>
-            </a:prstGeom>
-            <a:solidFill>
-              <a:schemeClr val="bg1">
-                <a:lumMod val="95000"/>
-              </a:schemeClr>
-            </a:solidFill>
-            <a:ln>
-              <a:noFill/>
-            </a:ln>
-          </p:spPr>
-          <p:style>
-            <a:lnRef idx="2">
-              <a:schemeClr val="accent1">
-                <a:shade val="50000"/>
-              </a:schemeClr>
-            </a:lnRef>
-            <a:fillRef idx="1">
-              <a:schemeClr val="accent1"/>
-            </a:fillRef>
-            <a:effectRef idx="0">
-              <a:schemeClr val="accent1"/>
-            </a:effectRef>
-            <a:fontRef idx="minor">
-              <a:schemeClr val="lt1"/>
-            </a:fontRef>
-          </p:style>
-          <p:txBody>
-            <a:bodyPr rtlCol="0" anchor="ctr"/>
-            <a:lstStyle/>
-            <a:p>
-              <a:pPr algn="ctr"/>
-              <a:endParaRPr lang="en-US" sz="2000"/>
-            </a:p>
-          </p:txBody>
-        </p:sp>
-        <p:sp>
-          <p:nvSpPr>
-            <p:cNvPr id="129" name="Unvan 1"/>
-            <p:cNvSpPr txBox="1">
-              <a:spLocks/>
-            </p:cNvSpPr>
-            <p:nvPr/>
-          </p:nvSpPr>
-          <p:spPr>
-            <a:xfrm>
-              <a:off x="302252" y="6024023"/>
-              <a:ext cx="4921678" cy="600892"/>
-            </a:xfrm>
-            <a:prstGeom prst="rect">
-              <a:avLst/>
-            </a:prstGeom>
-          </p:spPr>
-          <p:txBody>
-            <a:bodyPr vert="horz" lIns="91440" tIns="45720" rIns="91440" bIns="45720" rtlCol="0" anchor="b">
-              <a:noAutofit/>
-            </a:bodyPr>
-            <a:lstStyle>
-              <a:lvl1pPr algn="ctr" defTabSz="914400" rtl="0" eaLnBrk="1" latinLnBrk="0" hangingPunct="1">
-                <a:lnSpc>
-                  <a:spcPct val="90000"/>
-                </a:lnSpc>
-                <a:spcBef>
-                  <a:spcPct val="0"/>
-                </a:spcBef>
-                <a:buNone/>
-                <a:defRPr sz="6000" kern="1200">
-                  <a:solidFill>
-                    <a:schemeClr val="tx1"/>
-                  </a:solidFill>
-                  <a:latin typeface="+mj-lt"/>
-                  <a:ea typeface="+mj-ea"/>
-                  <a:cs typeface="+mj-cs"/>
-                </a:defRPr>
-              </a:lvl1pPr>
-            </a:lstStyle>
-            <a:p>
-              <a:pPr algn="l"/>
-              <a:r>
-                <a:rPr lang="tr-TR" sz="2000" dirty="0">
-                  <a:solidFill>
-                    <a:srgbClr val="CB171F"/>
-                  </a:solidFill>
-                  <a:latin typeface="Constantia" panose="02030602050306030303" pitchFamily="18" charset="0"/>
-                  <a:ea typeface="Verdana" panose="020B0604030504040204" pitchFamily="34" charset="0"/>
-                  <a:cs typeface="Arial" panose="020B0604020202020204" pitchFamily="34" charset="0"/>
-                </a:rPr>
-                <a:t>A’dan Z’ye Büyük Veri</a:t>
-              </a:r>
-              <a:endParaRPr lang="en-US" sz="2000" dirty="0">
-                <a:solidFill>
-                  <a:srgbClr val="CB171F"/>
-                </a:solidFill>
-                <a:latin typeface="Constantia" panose="02030602050306030303" pitchFamily="18" charset="0"/>
-                <a:ea typeface="Verdana" panose="020B0604030504040204" pitchFamily="34" charset="0"/>
-                <a:cs typeface="Arial" panose="020B0604020202020204" pitchFamily="34" charset="0"/>
-              </a:endParaRPr>
-            </a:p>
-          </p:txBody>
-        </p:sp>
-      </p:grpSp>
     </p:spTree>
     <p:extLst>
       <p:ext uri="{BB962C8B-B14F-4D97-AF65-F5344CB8AC3E}">
@@ -11386,13 +9875,6 @@
   <p:clrMapOvr>
     <a:masterClrMapping/>
   </p:clrMapOvr>
-  <p:timing>
-    <p:tnLst>
-      <p:par>
-        <p:cTn id="1" dur="indefinite" restart="never" nodeType="tmRoot"/>
-      </p:par>
-    </p:tnLst>
-  </p:timing>
 </p:sld>
 </file>
 
@@ -11456,7 +9938,7 @@
           <a:p>
             <a:pPr algn="ctr"/>
             <a:r>
-              <a:rPr lang="tr-TR" sz="4200" b="1" dirty="0" smtClean="0">
+              <a:rPr lang="tr-TR" sz="4200" b="1" dirty="0">
                 <a:solidFill>
                   <a:srgbClr val="CD1F26"/>
                 </a:solidFill>
@@ -11521,27 +10003,27 @@
               <a:buChar char="ü"/>
             </a:pPr>
             <a:r>
-              <a:rPr lang="tr-TR" sz="2000" dirty="0" err="1" smtClean="0">
+              <a:rPr lang="tr-TR" sz="2000" dirty="0" err="1">
                 <a:latin typeface="Arial" panose="020B0604020202020204" pitchFamily="34" charset="0"/>
                 <a:cs typeface="Arial" panose="020B0604020202020204" pitchFamily="34" charset="0"/>
               </a:rPr>
               <a:t>Ambari</a:t>
             </a:r>
             <a:r>
-              <a:rPr lang="tr-TR" sz="2000" dirty="0" smtClean="0">
+              <a:rPr lang="tr-TR" sz="2000" dirty="0">
                 <a:latin typeface="Arial" panose="020B0604020202020204" pitchFamily="34" charset="0"/>
                 <a:cs typeface="Arial" panose="020B0604020202020204" pitchFamily="34" charset="0"/>
               </a:rPr>
               <a:t> Kullanıcı Web </a:t>
             </a:r>
             <a:r>
-              <a:rPr lang="tr-TR" sz="2000" dirty="0" err="1" smtClean="0">
+              <a:rPr lang="tr-TR" sz="2000" dirty="0" err="1">
                 <a:latin typeface="Arial" panose="020B0604020202020204" pitchFamily="34" charset="0"/>
                 <a:cs typeface="Arial" panose="020B0604020202020204" pitchFamily="34" charset="0"/>
               </a:rPr>
               <a:t>Arayüzü</a:t>
             </a:r>
-            <a:endParaRPr lang="tr-TR" sz="2000" dirty="0" smtClean="0">
+            <a:endParaRPr lang="tr-TR" sz="2000" dirty="0">
               <a:latin typeface="Arial" panose="020B0604020202020204" pitchFamily="34" charset="0"/>
               <a:cs typeface="Arial" panose="020B0604020202020204" pitchFamily="34" charset="0"/>
             </a:endParaRPr>
@@ -11555,7 +10037,7 @@
               <a:buChar char="ü"/>
             </a:pPr>
             <a:r>
-              <a:rPr lang="tr-TR" sz="2000" dirty="0" smtClean="0">
+              <a:rPr lang="tr-TR" sz="2000" dirty="0">
                 <a:latin typeface="Arial" panose="020B0604020202020204" pitchFamily="34" charset="0"/>
                 <a:cs typeface="Arial" panose="020B0604020202020204" pitchFamily="34" charset="0"/>
               </a:rPr>
@@ -11571,21 +10053,21 @@
               <a:buChar char="ü"/>
             </a:pPr>
             <a:r>
-              <a:rPr lang="tr-TR" sz="2000" dirty="0" smtClean="0">
+              <a:rPr lang="tr-TR" sz="2000" dirty="0">
                 <a:latin typeface="Arial" panose="020B0604020202020204" pitchFamily="34" charset="0"/>
                 <a:cs typeface="Arial" panose="020B0604020202020204" pitchFamily="34" charset="0"/>
               </a:rPr>
               <a:t>HTTP/HDFS vekil sunucuları (</a:t>
             </a:r>
             <a:r>
-              <a:rPr lang="tr-TR" sz="2000" dirty="0" err="1" smtClean="0">
+              <a:rPr lang="tr-TR" sz="2000" dirty="0" err="1">
                 <a:latin typeface="Arial" panose="020B0604020202020204" pitchFamily="34" charset="0"/>
                 <a:cs typeface="Arial" panose="020B0604020202020204" pitchFamily="34" charset="0"/>
               </a:rPr>
               <a:t>Proxies</a:t>
             </a:r>
             <a:r>
-              <a:rPr lang="tr-TR" sz="2000" dirty="0" smtClean="0">
+              <a:rPr lang="tr-TR" sz="2000" dirty="0">
                 <a:latin typeface="Arial" panose="020B0604020202020204" pitchFamily="34" charset="0"/>
                 <a:cs typeface="Arial" panose="020B0604020202020204" pitchFamily="34" charset="0"/>
               </a:rPr>
@@ -11601,20 +10083,20 @@
               <a:buChar char="ü"/>
             </a:pPr>
             <a:r>
-              <a:rPr lang="tr-TR" sz="2000" dirty="0" smtClean="0">
+              <a:rPr lang="tr-TR" sz="2000" dirty="0">
                 <a:latin typeface="Arial" panose="020B0604020202020204" pitchFamily="34" charset="0"/>
                 <a:cs typeface="Arial" panose="020B0604020202020204" pitchFamily="34" charset="0"/>
               </a:rPr>
               <a:t>Java </a:t>
             </a:r>
             <a:r>
-              <a:rPr lang="tr-TR" sz="2000" dirty="0" err="1" smtClean="0">
+              <a:rPr lang="tr-TR" sz="2000" dirty="0" err="1">
                 <a:latin typeface="Arial" panose="020B0604020202020204" pitchFamily="34" charset="0"/>
                 <a:cs typeface="Arial" panose="020B0604020202020204" pitchFamily="34" charset="0"/>
               </a:rPr>
               <a:t>interface</a:t>
             </a:r>
-            <a:endParaRPr lang="tr-TR" sz="2000" dirty="0" smtClean="0">
+            <a:endParaRPr lang="tr-TR" sz="2000" dirty="0">
               <a:latin typeface="Arial" panose="020B0604020202020204" pitchFamily="34" charset="0"/>
               <a:cs typeface="Arial" panose="020B0604020202020204" pitchFamily="34" charset="0"/>
             </a:endParaRPr>
@@ -11628,7 +10110,7 @@
               <a:buChar char="ü"/>
             </a:pPr>
             <a:r>
-              <a:rPr lang="tr-TR" sz="2000" dirty="0" smtClean="0">
+              <a:rPr lang="tr-TR" sz="2000" dirty="0">
                 <a:latin typeface="Arial" panose="020B0604020202020204" pitchFamily="34" charset="0"/>
                 <a:cs typeface="Arial" panose="020B0604020202020204" pitchFamily="34" charset="0"/>
               </a:rPr>
@@ -11678,369 +10160,6 @@
           </a:fontRef>
         </p:style>
       </p:cxnSp>
-      <p:grpSp>
-        <p:nvGrpSpPr>
-          <p:cNvPr id="116" name="Grup 115"/>
-          <p:cNvGrpSpPr/>
-          <p:nvPr/>
-        </p:nvGrpSpPr>
-        <p:grpSpPr>
-          <a:xfrm>
-            <a:off x="228596" y="6231467"/>
-            <a:ext cx="3041654" cy="492576"/>
-            <a:chOff x="228596" y="6231467"/>
-            <a:chExt cx="3041654" cy="492576"/>
-          </a:xfrm>
-        </p:grpSpPr>
-        <p:grpSp>
-          <p:nvGrpSpPr>
-            <p:cNvPr id="117" name="Grup 116"/>
-            <p:cNvGrpSpPr/>
-            <p:nvPr/>
-          </p:nvGrpSpPr>
-          <p:grpSpPr>
-            <a:xfrm>
-              <a:off x="228596" y="6231467"/>
-              <a:ext cx="2802471" cy="457084"/>
-              <a:chOff x="127000" y="5901146"/>
-              <a:chExt cx="5156200" cy="838200"/>
-            </a:xfrm>
-          </p:grpSpPr>
-          <p:sp>
-            <p:nvSpPr>
-              <p:cNvPr id="121" name="Dikdörtgen 120"/>
-              <p:cNvSpPr/>
-              <p:nvPr/>
-            </p:nvSpPr>
-            <p:spPr>
-              <a:xfrm>
-                <a:off x="127000" y="5901146"/>
-                <a:ext cx="5156200" cy="838200"/>
-              </a:xfrm>
-              <a:prstGeom prst="rect">
-                <a:avLst/>
-              </a:prstGeom>
-              <a:solidFill>
-                <a:schemeClr val="bg1">
-                  <a:lumMod val="95000"/>
-                </a:schemeClr>
-              </a:solidFill>
-              <a:ln>
-                <a:noFill/>
-              </a:ln>
-            </p:spPr>
-            <p:style>
-              <a:lnRef idx="2">
-                <a:schemeClr val="accent1">
-                  <a:shade val="50000"/>
-                </a:schemeClr>
-              </a:lnRef>
-              <a:fillRef idx="1">
-                <a:schemeClr val="accent1"/>
-              </a:fillRef>
-              <a:effectRef idx="0">
-                <a:schemeClr val="accent1"/>
-              </a:effectRef>
-              <a:fontRef idx="minor">
-                <a:schemeClr val="lt1"/>
-              </a:fontRef>
-            </p:style>
-            <p:txBody>
-              <a:bodyPr rtlCol="0" anchor="ctr"/>
-              <a:lstStyle/>
-              <a:p>
-                <a:pPr algn="ctr"/>
-                <a:endParaRPr lang="en-US" sz="2000"/>
-              </a:p>
-            </p:txBody>
-          </p:sp>
-          <p:grpSp>
-            <p:nvGrpSpPr>
-              <p:cNvPr id="122" name="Grup 121"/>
-              <p:cNvGrpSpPr/>
-              <p:nvPr/>
-            </p:nvGrpSpPr>
-            <p:grpSpPr>
-              <a:xfrm>
-                <a:off x="211667" y="6019800"/>
-                <a:ext cx="5012266" cy="605115"/>
-                <a:chOff x="211667" y="6019800"/>
-                <a:chExt cx="5012266" cy="605115"/>
-              </a:xfrm>
-            </p:grpSpPr>
-            <p:pic>
-              <p:nvPicPr>
-                <p:cNvPr id="123" name="Resim 122"/>
-                <p:cNvPicPr>
-                  <a:picLocks noChangeAspect="1"/>
-                </p:cNvPicPr>
-                <p:nvPr/>
-              </p:nvPicPr>
-              <p:blipFill rotWithShape="1">
-                <a:blip r:embed="rId2" cstate="print">
-                  <a:extLst>
-                    <a:ext uri="{28A0092B-C50C-407E-A947-70E740481C1C}">
-                      <a14:useLocalDpi xmlns:a14="http://schemas.microsoft.com/office/drawing/2010/main" val="0"/>
-                    </a:ext>
-                  </a:extLst>
-                </a:blip>
-                <a:srcRect l="24387" t="8319" r="18355" b="50150"/>
-                <a:stretch/>
-              </p:blipFill>
-              <p:spPr>
-                <a:xfrm>
-                  <a:off x="211667" y="6019800"/>
-                  <a:ext cx="1072095" cy="600892"/>
-                </a:xfrm>
-                <a:prstGeom prst="rect">
-                  <a:avLst/>
-                </a:prstGeom>
-              </p:spPr>
-            </p:pic>
-            <p:sp>
-              <p:nvSpPr>
-                <p:cNvPr id="124" name="Unvan 1"/>
-                <p:cNvSpPr txBox="1">
-                  <a:spLocks/>
-                </p:cNvSpPr>
-                <p:nvPr/>
-              </p:nvSpPr>
-              <p:spPr>
-                <a:xfrm>
-                  <a:off x="1283763" y="6024023"/>
-                  <a:ext cx="3940170" cy="600892"/>
-                </a:xfrm>
-                <a:prstGeom prst="rect">
-                  <a:avLst/>
-                </a:prstGeom>
-              </p:spPr>
-              <p:txBody>
-                <a:bodyPr vert="horz" lIns="91440" tIns="45720" rIns="91440" bIns="45720" rtlCol="0" anchor="b">
-                  <a:noAutofit/>
-                </a:bodyPr>
-                <a:lstStyle>
-                  <a:lvl1pPr algn="ctr" defTabSz="914400" rtl="0" eaLnBrk="1" latinLnBrk="0" hangingPunct="1">
-                    <a:lnSpc>
-                      <a:spcPct val="90000"/>
-                    </a:lnSpc>
-                    <a:spcBef>
-                      <a:spcPct val="0"/>
-                    </a:spcBef>
-                    <a:buNone/>
-                    <a:defRPr sz="6000" kern="1200">
-                      <a:solidFill>
-                        <a:schemeClr val="tx1"/>
-                      </a:solidFill>
-                      <a:latin typeface="+mj-lt"/>
-                      <a:ea typeface="+mj-ea"/>
-                      <a:cs typeface="+mj-cs"/>
-                    </a:defRPr>
-                  </a:lvl1pPr>
-                </a:lstStyle>
-                <a:p>
-                  <a:pPr algn="l"/>
-                  <a:r>
-                    <a:rPr lang="tr-TR" sz="2000" dirty="0" smtClean="0">
-                      <a:solidFill>
-                        <a:srgbClr val="CB171F"/>
-                      </a:solidFill>
-                      <a:latin typeface="Constantia" panose="02030602050306030303" pitchFamily="18" charset="0"/>
-                      <a:ea typeface="Verdana" panose="020B0604030504040204" pitchFamily="34" charset="0"/>
-                      <a:cs typeface="Arial" panose="020B0604020202020204" pitchFamily="34" charset="0"/>
-                    </a:rPr>
-                    <a:t>Veri Bilimi Okulu</a:t>
-                  </a:r>
-                  <a:endParaRPr lang="en-US" sz="2000" dirty="0">
-                    <a:solidFill>
-                      <a:srgbClr val="CB171F"/>
-                    </a:solidFill>
-                    <a:latin typeface="Constantia" panose="02030602050306030303" pitchFamily="18" charset="0"/>
-                    <a:ea typeface="Verdana" panose="020B0604030504040204" pitchFamily="34" charset="0"/>
-                    <a:cs typeface="Arial" panose="020B0604020202020204" pitchFamily="34" charset="0"/>
-                  </a:endParaRPr>
-                </a:p>
-              </p:txBody>
-            </p:sp>
-          </p:grpSp>
-        </p:grpSp>
-        <p:sp>
-          <p:nvSpPr>
-            <p:cNvPr id="119" name="Metin kutusu 118"/>
-            <p:cNvSpPr txBox="1"/>
-            <p:nvPr/>
-          </p:nvSpPr>
-          <p:spPr>
-            <a:xfrm>
-              <a:off x="1582782" y="6493211"/>
-              <a:ext cx="1687468" cy="230832"/>
-            </a:xfrm>
-            <a:prstGeom prst="rect">
-              <a:avLst/>
-            </a:prstGeom>
-            <a:noFill/>
-          </p:spPr>
-          <p:txBody>
-            <a:bodyPr wrap="square" rtlCol="0">
-              <a:spAutoFit/>
-            </a:bodyPr>
-            <a:lstStyle/>
-            <a:p>
-              <a:r>
-                <a:rPr lang="en-US" sz="900" dirty="0" smtClean="0">
-                  <a:solidFill>
-                    <a:srgbClr val="0B8043"/>
-                  </a:solidFill>
-                </a:rPr>
-                <a:t>https:</a:t>
-              </a:r>
-              <a:r>
-                <a:rPr lang="en-US" sz="900" dirty="0" smtClean="0">
-                  <a:solidFill>
-                    <a:schemeClr val="bg1">
-                      <a:lumMod val="50000"/>
-                    </a:schemeClr>
-                  </a:solidFill>
-                </a:rPr>
-                <a:t>//www.veribilimi.co</a:t>
-              </a:r>
-              <a:endParaRPr lang="en-US" sz="900" dirty="0">
-                <a:solidFill>
-                  <a:schemeClr val="bg1">
-                    <a:lumMod val="50000"/>
-                  </a:schemeClr>
-                </a:solidFill>
-              </a:endParaRPr>
-            </a:p>
-          </p:txBody>
-        </p:sp>
-      </p:grpSp>
-      <p:grpSp>
-        <p:nvGrpSpPr>
-          <p:cNvPr id="127" name="Grup 126"/>
-          <p:cNvGrpSpPr/>
-          <p:nvPr/>
-        </p:nvGrpSpPr>
-        <p:grpSpPr>
-          <a:xfrm>
-            <a:off x="9194796" y="6231467"/>
-            <a:ext cx="2802471" cy="457084"/>
-            <a:chOff x="184993" y="5905369"/>
-            <a:chExt cx="5156200" cy="838200"/>
-          </a:xfrm>
-        </p:grpSpPr>
-        <p:sp>
-          <p:nvSpPr>
-            <p:cNvPr id="128" name="Dikdörtgen 127"/>
-            <p:cNvSpPr/>
-            <p:nvPr/>
-          </p:nvSpPr>
-          <p:spPr>
-            <a:xfrm>
-              <a:off x="184993" y="5905369"/>
-              <a:ext cx="5156200" cy="838200"/>
-            </a:xfrm>
-            <a:prstGeom prst="rect">
-              <a:avLst/>
-            </a:prstGeom>
-            <a:solidFill>
-              <a:schemeClr val="bg1">
-                <a:lumMod val="95000"/>
-              </a:schemeClr>
-            </a:solidFill>
-            <a:ln>
-              <a:noFill/>
-            </a:ln>
-          </p:spPr>
-          <p:style>
-            <a:lnRef idx="2">
-              <a:schemeClr val="accent1">
-                <a:shade val="50000"/>
-              </a:schemeClr>
-            </a:lnRef>
-            <a:fillRef idx="1">
-              <a:schemeClr val="accent1"/>
-            </a:fillRef>
-            <a:effectRef idx="0">
-              <a:schemeClr val="accent1"/>
-            </a:effectRef>
-            <a:fontRef idx="minor">
-              <a:schemeClr val="lt1"/>
-            </a:fontRef>
-          </p:style>
-          <p:txBody>
-            <a:bodyPr rtlCol="0" anchor="ctr"/>
-            <a:lstStyle/>
-            <a:p>
-              <a:pPr algn="ctr"/>
-              <a:endParaRPr lang="en-US" sz="2000"/>
-            </a:p>
-          </p:txBody>
-        </p:sp>
-        <p:sp>
-          <p:nvSpPr>
-            <p:cNvPr id="129" name="Unvan 1"/>
-            <p:cNvSpPr txBox="1">
-              <a:spLocks/>
-            </p:cNvSpPr>
-            <p:nvPr/>
-          </p:nvSpPr>
-          <p:spPr>
-            <a:xfrm>
-              <a:off x="302252" y="6024023"/>
-              <a:ext cx="4921678" cy="600892"/>
-            </a:xfrm>
-            <a:prstGeom prst="rect">
-              <a:avLst/>
-            </a:prstGeom>
-          </p:spPr>
-          <p:txBody>
-            <a:bodyPr vert="horz" lIns="91440" tIns="45720" rIns="91440" bIns="45720" rtlCol="0" anchor="b">
-              <a:noAutofit/>
-            </a:bodyPr>
-            <a:lstStyle>
-              <a:lvl1pPr algn="ctr" defTabSz="914400" rtl="0" eaLnBrk="1" latinLnBrk="0" hangingPunct="1">
-                <a:lnSpc>
-                  <a:spcPct val="90000"/>
-                </a:lnSpc>
-                <a:spcBef>
-                  <a:spcPct val="0"/>
-                </a:spcBef>
-                <a:buNone/>
-                <a:defRPr sz="6000" kern="1200">
-                  <a:solidFill>
-                    <a:schemeClr val="tx1"/>
-                  </a:solidFill>
-                  <a:latin typeface="+mj-lt"/>
-                  <a:ea typeface="+mj-ea"/>
-                  <a:cs typeface="+mj-cs"/>
-                </a:defRPr>
-              </a:lvl1pPr>
-            </a:lstStyle>
-            <a:p>
-              <a:pPr algn="l"/>
-              <a:r>
-                <a:rPr lang="tr-TR" sz="2000" dirty="0">
-                  <a:solidFill>
-                    <a:srgbClr val="CB171F"/>
-                  </a:solidFill>
-                  <a:latin typeface="Constantia" panose="02030602050306030303" pitchFamily="18" charset="0"/>
-                  <a:ea typeface="Verdana" panose="020B0604030504040204" pitchFamily="34" charset="0"/>
-                  <a:cs typeface="Arial" panose="020B0604020202020204" pitchFamily="34" charset="0"/>
-                </a:rPr>
-                <a:t>A’dan Z’ye Büyük Veri</a:t>
-              </a:r>
-              <a:endParaRPr lang="en-US" sz="2000" dirty="0">
-                <a:solidFill>
-                  <a:srgbClr val="CB171F"/>
-                </a:solidFill>
-                <a:latin typeface="Constantia" panose="02030602050306030303" pitchFamily="18" charset="0"/>
-                <a:ea typeface="Verdana" panose="020B0604030504040204" pitchFamily="34" charset="0"/>
-                <a:cs typeface="Arial" panose="020B0604020202020204" pitchFamily="34" charset="0"/>
-              </a:endParaRPr>
-            </a:p>
-          </p:txBody>
-        </p:sp>
-      </p:grpSp>
     </p:spTree>
     <p:extLst>
       <p:ext uri="{BB962C8B-B14F-4D97-AF65-F5344CB8AC3E}">
@@ -12051,13 +10170,6 @@
   <p:clrMapOvr>
     <a:masterClrMapping/>
   </p:clrMapOvr>
-  <p:timing>
-    <p:tnLst>
-      <p:par>
-        <p:cTn id="1" dur="indefinite" restart="never" nodeType="tmRoot"/>
-      </p:par>
-    </p:tnLst>
-  </p:timing>
 </p:sld>
 </file>
 
@@ -12115,369 +10227,6 @@
           </a:fontRef>
         </p:style>
       </p:cxnSp>
-      <p:grpSp>
-        <p:nvGrpSpPr>
-          <p:cNvPr id="15" name="Grup 14"/>
-          <p:cNvGrpSpPr/>
-          <p:nvPr/>
-        </p:nvGrpSpPr>
-        <p:grpSpPr>
-          <a:xfrm>
-            <a:off x="228596" y="6231467"/>
-            <a:ext cx="3041654" cy="492576"/>
-            <a:chOff x="228596" y="6231467"/>
-            <a:chExt cx="3041654" cy="492576"/>
-          </a:xfrm>
-        </p:grpSpPr>
-        <p:grpSp>
-          <p:nvGrpSpPr>
-            <p:cNvPr id="8" name="Grup 7"/>
-            <p:cNvGrpSpPr/>
-            <p:nvPr/>
-          </p:nvGrpSpPr>
-          <p:grpSpPr>
-            <a:xfrm>
-              <a:off x="228596" y="6231467"/>
-              <a:ext cx="2802471" cy="457084"/>
-              <a:chOff x="127000" y="5901146"/>
-              <a:chExt cx="5156200" cy="838200"/>
-            </a:xfrm>
-          </p:grpSpPr>
-          <p:sp>
-            <p:nvSpPr>
-              <p:cNvPr id="7" name="Dikdörtgen 6"/>
-              <p:cNvSpPr/>
-              <p:nvPr/>
-            </p:nvSpPr>
-            <p:spPr>
-              <a:xfrm>
-                <a:off x="127000" y="5901146"/>
-                <a:ext cx="5156200" cy="838200"/>
-              </a:xfrm>
-              <a:prstGeom prst="rect">
-                <a:avLst/>
-              </a:prstGeom>
-              <a:solidFill>
-                <a:schemeClr val="bg1">
-                  <a:lumMod val="95000"/>
-                </a:schemeClr>
-              </a:solidFill>
-              <a:ln>
-                <a:noFill/>
-              </a:ln>
-            </p:spPr>
-            <p:style>
-              <a:lnRef idx="2">
-                <a:schemeClr val="accent1">
-                  <a:shade val="50000"/>
-                </a:schemeClr>
-              </a:lnRef>
-              <a:fillRef idx="1">
-                <a:schemeClr val="accent1"/>
-              </a:fillRef>
-              <a:effectRef idx="0">
-                <a:schemeClr val="accent1"/>
-              </a:effectRef>
-              <a:fontRef idx="minor">
-                <a:schemeClr val="lt1"/>
-              </a:fontRef>
-            </p:style>
-            <p:txBody>
-              <a:bodyPr rtlCol="0" anchor="ctr"/>
-              <a:lstStyle/>
-              <a:p>
-                <a:pPr algn="ctr"/>
-                <a:endParaRPr lang="en-US" sz="2000"/>
-              </a:p>
-            </p:txBody>
-          </p:sp>
-          <p:grpSp>
-            <p:nvGrpSpPr>
-              <p:cNvPr id="6" name="Grup 5"/>
-              <p:cNvGrpSpPr/>
-              <p:nvPr/>
-            </p:nvGrpSpPr>
-            <p:grpSpPr>
-              <a:xfrm>
-                <a:off x="211667" y="6019800"/>
-                <a:ext cx="5012266" cy="605115"/>
-                <a:chOff x="211667" y="6019800"/>
-                <a:chExt cx="5012266" cy="605115"/>
-              </a:xfrm>
-            </p:grpSpPr>
-            <p:pic>
-              <p:nvPicPr>
-                <p:cNvPr id="4" name="Resim 3"/>
-                <p:cNvPicPr>
-                  <a:picLocks noChangeAspect="1"/>
-                </p:cNvPicPr>
-                <p:nvPr/>
-              </p:nvPicPr>
-              <p:blipFill rotWithShape="1">
-                <a:blip r:embed="rId2" cstate="print">
-                  <a:extLst>
-                    <a:ext uri="{28A0092B-C50C-407E-A947-70E740481C1C}">
-                      <a14:useLocalDpi xmlns:a14="http://schemas.microsoft.com/office/drawing/2010/main" val="0"/>
-                    </a:ext>
-                  </a:extLst>
-                </a:blip>
-                <a:srcRect l="24387" t="8319" r="18355" b="50150"/>
-                <a:stretch/>
-              </p:blipFill>
-              <p:spPr>
-                <a:xfrm>
-                  <a:off x="211667" y="6019800"/>
-                  <a:ext cx="1072095" cy="600892"/>
-                </a:xfrm>
-                <a:prstGeom prst="rect">
-                  <a:avLst/>
-                </a:prstGeom>
-              </p:spPr>
-            </p:pic>
-            <p:sp>
-              <p:nvSpPr>
-                <p:cNvPr id="5" name="Unvan 1"/>
-                <p:cNvSpPr txBox="1">
-                  <a:spLocks/>
-                </p:cNvSpPr>
-                <p:nvPr/>
-              </p:nvSpPr>
-              <p:spPr>
-                <a:xfrm>
-                  <a:off x="1283763" y="6024023"/>
-                  <a:ext cx="3940170" cy="600892"/>
-                </a:xfrm>
-                <a:prstGeom prst="rect">
-                  <a:avLst/>
-                </a:prstGeom>
-              </p:spPr>
-              <p:txBody>
-                <a:bodyPr vert="horz" lIns="91440" tIns="45720" rIns="91440" bIns="45720" rtlCol="0" anchor="b">
-                  <a:noAutofit/>
-                </a:bodyPr>
-                <a:lstStyle>
-                  <a:lvl1pPr algn="ctr" defTabSz="914400" rtl="0" eaLnBrk="1" latinLnBrk="0" hangingPunct="1">
-                    <a:lnSpc>
-                      <a:spcPct val="90000"/>
-                    </a:lnSpc>
-                    <a:spcBef>
-                      <a:spcPct val="0"/>
-                    </a:spcBef>
-                    <a:buNone/>
-                    <a:defRPr sz="6000" kern="1200">
-                      <a:solidFill>
-                        <a:schemeClr val="tx1"/>
-                      </a:solidFill>
-                      <a:latin typeface="+mj-lt"/>
-                      <a:ea typeface="+mj-ea"/>
-                      <a:cs typeface="+mj-cs"/>
-                    </a:defRPr>
-                  </a:lvl1pPr>
-                </a:lstStyle>
-                <a:p>
-                  <a:pPr algn="l"/>
-                  <a:r>
-                    <a:rPr lang="tr-TR" sz="2000" dirty="0" smtClean="0">
-                      <a:solidFill>
-                        <a:srgbClr val="CB171F"/>
-                      </a:solidFill>
-                      <a:latin typeface="Constantia" panose="02030602050306030303" pitchFamily="18" charset="0"/>
-                      <a:ea typeface="Verdana" panose="020B0604030504040204" pitchFamily="34" charset="0"/>
-                      <a:cs typeface="Arial" panose="020B0604020202020204" pitchFamily="34" charset="0"/>
-                    </a:rPr>
-                    <a:t>Veri Bilimi Okulu</a:t>
-                  </a:r>
-                  <a:endParaRPr lang="en-US" sz="2000" dirty="0">
-                    <a:solidFill>
-                      <a:srgbClr val="CB171F"/>
-                    </a:solidFill>
-                    <a:latin typeface="Constantia" panose="02030602050306030303" pitchFamily="18" charset="0"/>
-                    <a:ea typeface="Verdana" panose="020B0604030504040204" pitchFamily="34" charset="0"/>
-                    <a:cs typeface="Arial" panose="020B0604020202020204" pitchFamily="34" charset="0"/>
-                  </a:endParaRPr>
-                </a:p>
-              </p:txBody>
-            </p:sp>
-          </p:grpSp>
-        </p:grpSp>
-        <p:sp>
-          <p:nvSpPr>
-            <p:cNvPr id="12" name="Metin kutusu 11"/>
-            <p:cNvSpPr txBox="1"/>
-            <p:nvPr/>
-          </p:nvSpPr>
-          <p:spPr>
-            <a:xfrm>
-              <a:off x="1582782" y="6493211"/>
-              <a:ext cx="1687468" cy="230832"/>
-            </a:xfrm>
-            <a:prstGeom prst="rect">
-              <a:avLst/>
-            </a:prstGeom>
-            <a:noFill/>
-          </p:spPr>
-          <p:txBody>
-            <a:bodyPr wrap="square" rtlCol="0">
-              <a:spAutoFit/>
-            </a:bodyPr>
-            <a:lstStyle/>
-            <a:p>
-              <a:r>
-                <a:rPr lang="en-US" sz="900" dirty="0" smtClean="0">
-                  <a:solidFill>
-                    <a:srgbClr val="0B8043"/>
-                  </a:solidFill>
-                </a:rPr>
-                <a:t>https:</a:t>
-              </a:r>
-              <a:r>
-                <a:rPr lang="en-US" sz="900" dirty="0" smtClean="0">
-                  <a:solidFill>
-                    <a:schemeClr val="bg1">
-                      <a:lumMod val="50000"/>
-                    </a:schemeClr>
-                  </a:solidFill>
-                </a:rPr>
-                <a:t>//www.veribilimi.co</a:t>
-              </a:r>
-              <a:endParaRPr lang="en-US" sz="900" dirty="0">
-                <a:solidFill>
-                  <a:schemeClr val="bg1">
-                    <a:lumMod val="50000"/>
-                  </a:schemeClr>
-                </a:solidFill>
-              </a:endParaRPr>
-            </a:p>
-          </p:txBody>
-        </p:sp>
-      </p:grpSp>
-      <p:grpSp>
-        <p:nvGrpSpPr>
-          <p:cNvPr id="11" name="Grup 10"/>
-          <p:cNvGrpSpPr/>
-          <p:nvPr/>
-        </p:nvGrpSpPr>
-        <p:grpSpPr>
-          <a:xfrm>
-            <a:off x="9194796" y="6231467"/>
-            <a:ext cx="2802471" cy="457084"/>
-            <a:chOff x="184993" y="5905369"/>
-            <a:chExt cx="5156200" cy="838200"/>
-          </a:xfrm>
-        </p:grpSpPr>
-        <p:sp>
-          <p:nvSpPr>
-            <p:cNvPr id="13" name="Dikdörtgen 12"/>
-            <p:cNvSpPr/>
-            <p:nvPr/>
-          </p:nvSpPr>
-          <p:spPr>
-            <a:xfrm>
-              <a:off x="184993" y="5905369"/>
-              <a:ext cx="5156200" cy="838200"/>
-            </a:xfrm>
-            <a:prstGeom prst="rect">
-              <a:avLst/>
-            </a:prstGeom>
-            <a:solidFill>
-              <a:schemeClr val="bg1">
-                <a:lumMod val="95000"/>
-              </a:schemeClr>
-            </a:solidFill>
-            <a:ln>
-              <a:noFill/>
-            </a:ln>
-          </p:spPr>
-          <p:style>
-            <a:lnRef idx="2">
-              <a:schemeClr val="accent1">
-                <a:shade val="50000"/>
-              </a:schemeClr>
-            </a:lnRef>
-            <a:fillRef idx="1">
-              <a:schemeClr val="accent1"/>
-            </a:fillRef>
-            <a:effectRef idx="0">
-              <a:schemeClr val="accent1"/>
-            </a:effectRef>
-            <a:fontRef idx="minor">
-              <a:schemeClr val="lt1"/>
-            </a:fontRef>
-          </p:style>
-          <p:txBody>
-            <a:bodyPr rtlCol="0" anchor="ctr"/>
-            <a:lstStyle/>
-            <a:p>
-              <a:pPr algn="ctr"/>
-              <a:endParaRPr lang="en-US" sz="2000"/>
-            </a:p>
-          </p:txBody>
-        </p:sp>
-        <p:sp>
-          <p:nvSpPr>
-            <p:cNvPr id="14" name="Unvan 1"/>
-            <p:cNvSpPr txBox="1">
-              <a:spLocks/>
-            </p:cNvSpPr>
-            <p:nvPr/>
-          </p:nvSpPr>
-          <p:spPr>
-            <a:xfrm>
-              <a:off x="302252" y="6024023"/>
-              <a:ext cx="4921678" cy="600892"/>
-            </a:xfrm>
-            <a:prstGeom prst="rect">
-              <a:avLst/>
-            </a:prstGeom>
-          </p:spPr>
-          <p:txBody>
-            <a:bodyPr vert="horz" lIns="91440" tIns="45720" rIns="91440" bIns="45720" rtlCol="0" anchor="b">
-              <a:noAutofit/>
-            </a:bodyPr>
-            <a:lstStyle>
-              <a:lvl1pPr algn="ctr" defTabSz="914400" rtl="0" eaLnBrk="1" latinLnBrk="0" hangingPunct="1">
-                <a:lnSpc>
-                  <a:spcPct val="90000"/>
-                </a:lnSpc>
-                <a:spcBef>
-                  <a:spcPct val="0"/>
-                </a:spcBef>
-                <a:buNone/>
-                <a:defRPr sz="6000" kern="1200">
-                  <a:solidFill>
-                    <a:schemeClr val="tx1"/>
-                  </a:solidFill>
-                  <a:latin typeface="+mj-lt"/>
-                  <a:ea typeface="+mj-ea"/>
-                  <a:cs typeface="+mj-cs"/>
-                </a:defRPr>
-              </a:lvl1pPr>
-            </a:lstStyle>
-            <a:p>
-              <a:pPr algn="l"/>
-              <a:r>
-                <a:rPr lang="tr-TR" sz="2000" dirty="0">
-                  <a:solidFill>
-                    <a:srgbClr val="CB171F"/>
-                  </a:solidFill>
-                  <a:latin typeface="Constantia" panose="02030602050306030303" pitchFamily="18" charset="0"/>
-                  <a:ea typeface="Verdana" panose="020B0604030504040204" pitchFamily="34" charset="0"/>
-                  <a:cs typeface="Arial" panose="020B0604020202020204" pitchFamily="34" charset="0"/>
-                </a:rPr>
-                <a:t>A’dan Z’ye Büyük Veri</a:t>
-              </a:r>
-              <a:endParaRPr lang="en-US" sz="2000" dirty="0">
-                <a:solidFill>
-                  <a:srgbClr val="CB171F"/>
-                </a:solidFill>
-                <a:latin typeface="Constantia" panose="02030602050306030303" pitchFamily="18" charset="0"/>
-                <a:ea typeface="Verdana" panose="020B0604030504040204" pitchFamily="34" charset="0"/>
-                <a:cs typeface="Arial" panose="020B0604020202020204" pitchFamily="34" charset="0"/>
-              </a:endParaRPr>
-            </a:p>
-          </p:txBody>
-        </p:sp>
-      </p:grpSp>
       <p:sp>
         <p:nvSpPr>
           <p:cNvPr id="3" name="Dikdörtgen 2"/>
@@ -12507,7 +10256,7 @@
               <a:buChar char="ü"/>
             </a:pPr>
             <a:r>
-              <a:rPr lang="tr-TR" sz="2400" dirty="0" smtClean="0">
+              <a:rPr lang="tr-TR" sz="2400" dirty="0">
                 <a:solidFill>
                   <a:srgbClr val="404041"/>
                 </a:solidFill>
@@ -12516,7 +10265,7 @@
               <a:t>Çok büyük hacimli verileri depolamak için </a:t>
             </a:r>
             <a:r>
-              <a:rPr lang="tr-TR" sz="2400" dirty="0" err="1" smtClean="0">
+              <a:rPr lang="tr-TR" sz="2400" dirty="0" err="1">
                 <a:solidFill>
                   <a:srgbClr val="404041"/>
                 </a:solidFill>
@@ -12525,7 +10274,7 @@
               <a:t>java</a:t>
             </a:r>
             <a:r>
-              <a:rPr lang="tr-TR" sz="2400" dirty="0" smtClean="0">
+              <a:rPr lang="tr-TR" sz="2400" dirty="0">
                 <a:solidFill>
                   <a:srgbClr val="404041"/>
                 </a:solidFill>
@@ -12543,7 +10292,7 @@
               <a:buChar char="ü"/>
             </a:pPr>
             <a:r>
-              <a:rPr lang="tr-TR" sz="2400" dirty="0" smtClean="0">
+              <a:rPr lang="tr-TR" sz="2400" dirty="0">
                 <a:solidFill>
                   <a:srgbClr val="404041"/>
                 </a:solidFill>
@@ -12561,7 +10310,7 @@
               <a:buChar char="ü"/>
             </a:pPr>
             <a:r>
-              <a:rPr lang="tr-TR" sz="2400" dirty="0" smtClean="0">
+              <a:rPr lang="tr-TR" sz="2400" dirty="0">
                 <a:solidFill>
                   <a:srgbClr val="404041"/>
                 </a:solidFill>
@@ -12585,16 +10334,7 @@
                 </a:solidFill>
                 <a:latin typeface="Roboto"/>
               </a:rPr>
-              <a:t>D</a:t>
-            </a:r>
-            <a:r>
-              <a:rPr lang="tr-TR" sz="2400" dirty="0" smtClean="0">
-                <a:solidFill>
-                  <a:srgbClr val="404041"/>
-                </a:solidFill>
-                <a:latin typeface="Roboto"/>
-              </a:rPr>
-              <a:t>üşük maliyetlidir. </a:t>
+              <a:t>Düşük maliyetlidir. </a:t>
             </a:r>
           </a:p>
           <a:p>
@@ -12612,16 +10352,7 @@
                 </a:solidFill>
                 <a:latin typeface="Roboto"/>
               </a:rPr>
-              <a:t>B</a:t>
-            </a:r>
-            <a:r>
-              <a:rPr lang="tr-TR" sz="2400" dirty="0" smtClean="0">
-                <a:solidFill>
-                  <a:srgbClr val="404041"/>
-                </a:solidFill>
-                <a:latin typeface="Roboto"/>
-              </a:rPr>
-              <a:t>üyük veri için idealdir.</a:t>
+              <a:t>Büyük veri için idealdir.</a:t>
             </a:r>
           </a:p>
         </p:txBody>
@@ -12649,7 +10380,7 @@
           <a:lstStyle/>
           <a:p>
             <a:r>
-              <a:rPr lang="tr-TR" sz="4200" b="1" dirty="0" smtClean="0">
+              <a:rPr lang="tr-TR" sz="4200" b="1" dirty="0">
                 <a:solidFill>
                   <a:srgbClr val="CD1F26"/>
                 </a:solidFill>
@@ -12680,13 +10411,6 @@
   <p:clrMapOvr>
     <a:masterClrMapping/>
   </p:clrMapOvr>
-  <p:timing>
-    <p:tnLst>
-      <p:par>
-        <p:cTn id="1" dur="indefinite" restart="never" nodeType="tmRoot"/>
-      </p:par>
-    </p:tnLst>
-  </p:timing>
 </p:sld>
 </file>
 
@@ -12744,369 +10468,6 @@
           </a:fontRef>
         </p:style>
       </p:cxnSp>
-      <p:grpSp>
-        <p:nvGrpSpPr>
-          <p:cNvPr id="15" name="Grup 14"/>
-          <p:cNvGrpSpPr/>
-          <p:nvPr/>
-        </p:nvGrpSpPr>
-        <p:grpSpPr>
-          <a:xfrm>
-            <a:off x="228596" y="6231467"/>
-            <a:ext cx="3041654" cy="492576"/>
-            <a:chOff x="228596" y="6231467"/>
-            <a:chExt cx="3041654" cy="492576"/>
-          </a:xfrm>
-        </p:grpSpPr>
-        <p:grpSp>
-          <p:nvGrpSpPr>
-            <p:cNvPr id="8" name="Grup 7"/>
-            <p:cNvGrpSpPr/>
-            <p:nvPr/>
-          </p:nvGrpSpPr>
-          <p:grpSpPr>
-            <a:xfrm>
-              <a:off x="228596" y="6231467"/>
-              <a:ext cx="2802471" cy="457084"/>
-              <a:chOff x="127000" y="5901146"/>
-              <a:chExt cx="5156200" cy="838200"/>
-            </a:xfrm>
-          </p:grpSpPr>
-          <p:sp>
-            <p:nvSpPr>
-              <p:cNvPr id="7" name="Dikdörtgen 6"/>
-              <p:cNvSpPr/>
-              <p:nvPr/>
-            </p:nvSpPr>
-            <p:spPr>
-              <a:xfrm>
-                <a:off x="127000" y="5901146"/>
-                <a:ext cx="5156200" cy="838200"/>
-              </a:xfrm>
-              <a:prstGeom prst="rect">
-                <a:avLst/>
-              </a:prstGeom>
-              <a:solidFill>
-                <a:schemeClr val="bg1">
-                  <a:lumMod val="95000"/>
-                </a:schemeClr>
-              </a:solidFill>
-              <a:ln>
-                <a:noFill/>
-              </a:ln>
-            </p:spPr>
-            <p:style>
-              <a:lnRef idx="2">
-                <a:schemeClr val="accent1">
-                  <a:shade val="50000"/>
-                </a:schemeClr>
-              </a:lnRef>
-              <a:fillRef idx="1">
-                <a:schemeClr val="accent1"/>
-              </a:fillRef>
-              <a:effectRef idx="0">
-                <a:schemeClr val="accent1"/>
-              </a:effectRef>
-              <a:fontRef idx="minor">
-                <a:schemeClr val="lt1"/>
-              </a:fontRef>
-            </p:style>
-            <p:txBody>
-              <a:bodyPr rtlCol="0" anchor="ctr"/>
-              <a:lstStyle/>
-              <a:p>
-                <a:pPr algn="ctr"/>
-                <a:endParaRPr lang="en-US" sz="2000"/>
-              </a:p>
-            </p:txBody>
-          </p:sp>
-          <p:grpSp>
-            <p:nvGrpSpPr>
-              <p:cNvPr id="6" name="Grup 5"/>
-              <p:cNvGrpSpPr/>
-              <p:nvPr/>
-            </p:nvGrpSpPr>
-            <p:grpSpPr>
-              <a:xfrm>
-                <a:off x="211667" y="6019800"/>
-                <a:ext cx="5012266" cy="605115"/>
-                <a:chOff x="211667" y="6019800"/>
-                <a:chExt cx="5012266" cy="605115"/>
-              </a:xfrm>
-            </p:grpSpPr>
-            <p:pic>
-              <p:nvPicPr>
-                <p:cNvPr id="4" name="Resim 3"/>
-                <p:cNvPicPr>
-                  <a:picLocks noChangeAspect="1"/>
-                </p:cNvPicPr>
-                <p:nvPr/>
-              </p:nvPicPr>
-              <p:blipFill rotWithShape="1">
-                <a:blip r:embed="rId2" cstate="print">
-                  <a:extLst>
-                    <a:ext uri="{28A0092B-C50C-407E-A947-70E740481C1C}">
-                      <a14:useLocalDpi xmlns:a14="http://schemas.microsoft.com/office/drawing/2010/main" val="0"/>
-                    </a:ext>
-                  </a:extLst>
-                </a:blip>
-                <a:srcRect l="24387" t="8319" r="18355" b="50150"/>
-                <a:stretch/>
-              </p:blipFill>
-              <p:spPr>
-                <a:xfrm>
-                  <a:off x="211667" y="6019800"/>
-                  <a:ext cx="1072095" cy="600892"/>
-                </a:xfrm>
-                <a:prstGeom prst="rect">
-                  <a:avLst/>
-                </a:prstGeom>
-              </p:spPr>
-            </p:pic>
-            <p:sp>
-              <p:nvSpPr>
-                <p:cNvPr id="5" name="Unvan 1"/>
-                <p:cNvSpPr txBox="1">
-                  <a:spLocks/>
-                </p:cNvSpPr>
-                <p:nvPr/>
-              </p:nvSpPr>
-              <p:spPr>
-                <a:xfrm>
-                  <a:off x="1283763" y="6024023"/>
-                  <a:ext cx="3940170" cy="600892"/>
-                </a:xfrm>
-                <a:prstGeom prst="rect">
-                  <a:avLst/>
-                </a:prstGeom>
-              </p:spPr>
-              <p:txBody>
-                <a:bodyPr vert="horz" lIns="91440" tIns="45720" rIns="91440" bIns="45720" rtlCol="0" anchor="b">
-                  <a:noAutofit/>
-                </a:bodyPr>
-                <a:lstStyle>
-                  <a:lvl1pPr algn="ctr" defTabSz="914400" rtl="0" eaLnBrk="1" latinLnBrk="0" hangingPunct="1">
-                    <a:lnSpc>
-                      <a:spcPct val="90000"/>
-                    </a:lnSpc>
-                    <a:spcBef>
-                      <a:spcPct val="0"/>
-                    </a:spcBef>
-                    <a:buNone/>
-                    <a:defRPr sz="6000" kern="1200">
-                      <a:solidFill>
-                        <a:schemeClr val="tx1"/>
-                      </a:solidFill>
-                      <a:latin typeface="+mj-lt"/>
-                      <a:ea typeface="+mj-ea"/>
-                      <a:cs typeface="+mj-cs"/>
-                    </a:defRPr>
-                  </a:lvl1pPr>
-                </a:lstStyle>
-                <a:p>
-                  <a:pPr algn="l"/>
-                  <a:r>
-                    <a:rPr lang="tr-TR" sz="2000" dirty="0" smtClean="0">
-                      <a:solidFill>
-                        <a:srgbClr val="CB171F"/>
-                      </a:solidFill>
-                      <a:latin typeface="Constantia" panose="02030602050306030303" pitchFamily="18" charset="0"/>
-                      <a:ea typeface="Verdana" panose="020B0604030504040204" pitchFamily="34" charset="0"/>
-                      <a:cs typeface="Arial" panose="020B0604020202020204" pitchFamily="34" charset="0"/>
-                    </a:rPr>
-                    <a:t>Veri Bilimi Okulu</a:t>
-                  </a:r>
-                  <a:endParaRPr lang="en-US" sz="2000" dirty="0">
-                    <a:solidFill>
-                      <a:srgbClr val="CB171F"/>
-                    </a:solidFill>
-                    <a:latin typeface="Constantia" panose="02030602050306030303" pitchFamily="18" charset="0"/>
-                    <a:ea typeface="Verdana" panose="020B0604030504040204" pitchFamily="34" charset="0"/>
-                    <a:cs typeface="Arial" panose="020B0604020202020204" pitchFamily="34" charset="0"/>
-                  </a:endParaRPr>
-                </a:p>
-              </p:txBody>
-            </p:sp>
-          </p:grpSp>
-        </p:grpSp>
-        <p:sp>
-          <p:nvSpPr>
-            <p:cNvPr id="12" name="Metin kutusu 11"/>
-            <p:cNvSpPr txBox="1"/>
-            <p:nvPr/>
-          </p:nvSpPr>
-          <p:spPr>
-            <a:xfrm>
-              <a:off x="1582782" y="6493211"/>
-              <a:ext cx="1687468" cy="230832"/>
-            </a:xfrm>
-            <a:prstGeom prst="rect">
-              <a:avLst/>
-            </a:prstGeom>
-            <a:noFill/>
-          </p:spPr>
-          <p:txBody>
-            <a:bodyPr wrap="square" rtlCol="0">
-              <a:spAutoFit/>
-            </a:bodyPr>
-            <a:lstStyle/>
-            <a:p>
-              <a:r>
-                <a:rPr lang="en-US" sz="900" dirty="0" smtClean="0">
-                  <a:solidFill>
-                    <a:srgbClr val="0B8043"/>
-                  </a:solidFill>
-                </a:rPr>
-                <a:t>https:</a:t>
-              </a:r>
-              <a:r>
-                <a:rPr lang="en-US" sz="900" dirty="0" smtClean="0">
-                  <a:solidFill>
-                    <a:schemeClr val="bg1">
-                      <a:lumMod val="50000"/>
-                    </a:schemeClr>
-                  </a:solidFill>
-                </a:rPr>
-                <a:t>//www.veribilimi.co</a:t>
-              </a:r>
-              <a:endParaRPr lang="en-US" sz="900" dirty="0">
-                <a:solidFill>
-                  <a:schemeClr val="bg1">
-                    <a:lumMod val="50000"/>
-                  </a:schemeClr>
-                </a:solidFill>
-              </a:endParaRPr>
-            </a:p>
-          </p:txBody>
-        </p:sp>
-      </p:grpSp>
-      <p:grpSp>
-        <p:nvGrpSpPr>
-          <p:cNvPr id="11" name="Grup 10"/>
-          <p:cNvGrpSpPr/>
-          <p:nvPr/>
-        </p:nvGrpSpPr>
-        <p:grpSpPr>
-          <a:xfrm>
-            <a:off x="9194796" y="6231467"/>
-            <a:ext cx="2802471" cy="457084"/>
-            <a:chOff x="184993" y="5905369"/>
-            <a:chExt cx="5156200" cy="838200"/>
-          </a:xfrm>
-        </p:grpSpPr>
-        <p:sp>
-          <p:nvSpPr>
-            <p:cNvPr id="13" name="Dikdörtgen 12"/>
-            <p:cNvSpPr/>
-            <p:nvPr/>
-          </p:nvSpPr>
-          <p:spPr>
-            <a:xfrm>
-              <a:off x="184993" y="5905369"/>
-              <a:ext cx="5156200" cy="838200"/>
-            </a:xfrm>
-            <a:prstGeom prst="rect">
-              <a:avLst/>
-            </a:prstGeom>
-            <a:solidFill>
-              <a:schemeClr val="bg1">
-                <a:lumMod val="95000"/>
-              </a:schemeClr>
-            </a:solidFill>
-            <a:ln>
-              <a:noFill/>
-            </a:ln>
-          </p:spPr>
-          <p:style>
-            <a:lnRef idx="2">
-              <a:schemeClr val="accent1">
-                <a:shade val="50000"/>
-              </a:schemeClr>
-            </a:lnRef>
-            <a:fillRef idx="1">
-              <a:schemeClr val="accent1"/>
-            </a:fillRef>
-            <a:effectRef idx="0">
-              <a:schemeClr val="accent1"/>
-            </a:effectRef>
-            <a:fontRef idx="minor">
-              <a:schemeClr val="lt1"/>
-            </a:fontRef>
-          </p:style>
-          <p:txBody>
-            <a:bodyPr rtlCol="0" anchor="ctr"/>
-            <a:lstStyle/>
-            <a:p>
-              <a:pPr algn="ctr"/>
-              <a:endParaRPr lang="en-US" sz="2000"/>
-            </a:p>
-          </p:txBody>
-        </p:sp>
-        <p:sp>
-          <p:nvSpPr>
-            <p:cNvPr id="14" name="Unvan 1"/>
-            <p:cNvSpPr txBox="1">
-              <a:spLocks/>
-            </p:cNvSpPr>
-            <p:nvPr/>
-          </p:nvSpPr>
-          <p:spPr>
-            <a:xfrm>
-              <a:off x="302252" y="6024023"/>
-              <a:ext cx="4921678" cy="600892"/>
-            </a:xfrm>
-            <a:prstGeom prst="rect">
-              <a:avLst/>
-            </a:prstGeom>
-          </p:spPr>
-          <p:txBody>
-            <a:bodyPr vert="horz" lIns="91440" tIns="45720" rIns="91440" bIns="45720" rtlCol="0" anchor="b">
-              <a:noAutofit/>
-            </a:bodyPr>
-            <a:lstStyle>
-              <a:lvl1pPr algn="ctr" defTabSz="914400" rtl="0" eaLnBrk="1" latinLnBrk="0" hangingPunct="1">
-                <a:lnSpc>
-                  <a:spcPct val="90000"/>
-                </a:lnSpc>
-                <a:spcBef>
-                  <a:spcPct val="0"/>
-                </a:spcBef>
-                <a:buNone/>
-                <a:defRPr sz="6000" kern="1200">
-                  <a:solidFill>
-                    <a:schemeClr val="tx1"/>
-                  </a:solidFill>
-                  <a:latin typeface="+mj-lt"/>
-                  <a:ea typeface="+mj-ea"/>
-                  <a:cs typeface="+mj-cs"/>
-                </a:defRPr>
-              </a:lvl1pPr>
-            </a:lstStyle>
-            <a:p>
-              <a:pPr algn="l"/>
-              <a:r>
-                <a:rPr lang="tr-TR" sz="2000" dirty="0">
-                  <a:solidFill>
-                    <a:srgbClr val="CB171F"/>
-                  </a:solidFill>
-                  <a:latin typeface="Constantia" panose="02030602050306030303" pitchFamily="18" charset="0"/>
-                  <a:ea typeface="Verdana" panose="020B0604030504040204" pitchFamily="34" charset="0"/>
-                  <a:cs typeface="Arial" panose="020B0604020202020204" pitchFamily="34" charset="0"/>
-                </a:rPr>
-                <a:t>A’dan Z’ye Büyük Veri</a:t>
-              </a:r>
-              <a:endParaRPr lang="en-US" sz="2000" dirty="0">
-                <a:solidFill>
-                  <a:srgbClr val="CB171F"/>
-                </a:solidFill>
-                <a:latin typeface="Constantia" panose="02030602050306030303" pitchFamily="18" charset="0"/>
-                <a:ea typeface="Verdana" panose="020B0604030504040204" pitchFamily="34" charset="0"/>
-                <a:cs typeface="Arial" panose="020B0604020202020204" pitchFamily="34" charset="0"/>
-              </a:endParaRPr>
-            </a:p>
-          </p:txBody>
-        </p:sp>
-      </p:grpSp>
       <p:sp>
         <p:nvSpPr>
           <p:cNvPr id="3" name="Dikdörtgen 2"/>
@@ -13160,16 +10521,7 @@
                 </a:solidFill>
                 <a:latin typeface="Roboto"/>
               </a:rPr>
-              <a:t>Özel bir donanım </a:t>
-            </a:r>
-            <a:r>
-              <a:rPr lang="tr-TR" sz="2400" dirty="0" smtClean="0">
-                <a:solidFill>
-                  <a:srgbClr val="404041"/>
-                </a:solidFill>
-                <a:latin typeface="Roboto"/>
-              </a:rPr>
-              <a:t>istemez, marka bağımsız</a:t>
+              <a:t>Özel bir donanım istemez, marka bağımsız</a:t>
             </a:r>
           </a:p>
           <a:p>
@@ -13181,7 +10533,7 @@
               <a:buChar char="ü"/>
             </a:pPr>
             <a:r>
-              <a:rPr lang="tr-TR" sz="2400" dirty="0" smtClean="0">
+              <a:rPr lang="tr-TR" sz="2400" dirty="0">
                 <a:solidFill>
                   <a:srgbClr val="404041"/>
                 </a:solidFill>
@@ -13199,7 +10551,7 @@
               <a:buChar char="ü"/>
             </a:pPr>
             <a:r>
-              <a:rPr lang="tr-TR" sz="2400" dirty="0" smtClean="0">
+              <a:rPr lang="tr-TR" sz="2400" dirty="0">
                 <a:solidFill>
                   <a:srgbClr val="404041"/>
                 </a:solidFill>
@@ -13217,7 +10569,7 @@
               <a:buChar char="ü"/>
             </a:pPr>
             <a:r>
-              <a:rPr lang="tr-TR" sz="2400" dirty="0" smtClean="0">
+              <a:rPr lang="tr-TR" sz="2400" dirty="0">
                 <a:solidFill>
                   <a:srgbClr val="404041"/>
                 </a:solidFill>
@@ -13226,7 +10578,7 @@
               <a:t>Çok sayıda küçük boyutlu dosyayı sevmez. </a:t>
             </a:r>
             <a:r>
-              <a:rPr lang="tr-TR" sz="2400" dirty="0" err="1" smtClean="0">
+              <a:rPr lang="tr-TR" sz="2400" dirty="0" err="1">
                 <a:solidFill>
                   <a:srgbClr val="404041"/>
                 </a:solidFill>
@@ -13235,7 +10587,7 @@
               <a:t>Namespace</a:t>
             </a:r>
             <a:r>
-              <a:rPr lang="tr-TR" sz="2400" dirty="0" smtClean="0">
+              <a:rPr lang="tr-TR" sz="2400" dirty="0">
                 <a:solidFill>
                   <a:srgbClr val="404041"/>
                 </a:solidFill>
@@ -13252,7 +10604,7 @@
               <a:buFont typeface="Wingdings" panose="05000000000000000000" pitchFamily="2" charset="2"/>
               <a:buChar char="ü"/>
             </a:pPr>
-            <a:endParaRPr lang="tr-TR" sz="2400" dirty="0" smtClean="0">
+            <a:endParaRPr lang="tr-TR" sz="2400" dirty="0">
               <a:solidFill>
                 <a:srgbClr val="404041"/>
               </a:solidFill>
@@ -13284,7 +10636,7 @@
           <a:lstStyle/>
           <a:p>
             <a:r>
-              <a:rPr lang="tr-TR" sz="4200" b="1" dirty="0" smtClean="0">
+              <a:rPr lang="tr-TR" sz="4200" b="1" dirty="0">
                 <a:solidFill>
                   <a:srgbClr val="CD1F26"/>
                 </a:solidFill>
@@ -13315,13 +10667,6 @@
   <p:clrMapOvr>
     <a:masterClrMapping/>
   </p:clrMapOvr>
-  <p:timing>
-    <p:tnLst>
-      <p:par>
-        <p:cTn id="1" dur="indefinite" restart="never" nodeType="tmRoot"/>
-      </p:par>
-    </p:tnLst>
-  </p:timing>
 </p:sld>
 </file>
 
@@ -13379,369 +10724,6 @@
           </a:fontRef>
         </p:style>
       </p:cxnSp>
-      <p:grpSp>
-        <p:nvGrpSpPr>
-          <p:cNvPr id="15" name="Grup 14"/>
-          <p:cNvGrpSpPr/>
-          <p:nvPr/>
-        </p:nvGrpSpPr>
-        <p:grpSpPr>
-          <a:xfrm>
-            <a:off x="228596" y="6231467"/>
-            <a:ext cx="3041654" cy="492576"/>
-            <a:chOff x="228596" y="6231467"/>
-            <a:chExt cx="3041654" cy="492576"/>
-          </a:xfrm>
-        </p:grpSpPr>
-        <p:grpSp>
-          <p:nvGrpSpPr>
-            <p:cNvPr id="8" name="Grup 7"/>
-            <p:cNvGrpSpPr/>
-            <p:nvPr/>
-          </p:nvGrpSpPr>
-          <p:grpSpPr>
-            <a:xfrm>
-              <a:off x="228596" y="6231467"/>
-              <a:ext cx="2802471" cy="457084"/>
-              <a:chOff x="127000" y="5901146"/>
-              <a:chExt cx="5156200" cy="838200"/>
-            </a:xfrm>
-          </p:grpSpPr>
-          <p:sp>
-            <p:nvSpPr>
-              <p:cNvPr id="7" name="Dikdörtgen 6"/>
-              <p:cNvSpPr/>
-              <p:nvPr/>
-            </p:nvSpPr>
-            <p:spPr>
-              <a:xfrm>
-                <a:off x="127000" y="5901146"/>
-                <a:ext cx="5156200" cy="838200"/>
-              </a:xfrm>
-              <a:prstGeom prst="rect">
-                <a:avLst/>
-              </a:prstGeom>
-              <a:solidFill>
-                <a:schemeClr val="bg1">
-                  <a:lumMod val="95000"/>
-                </a:schemeClr>
-              </a:solidFill>
-              <a:ln>
-                <a:noFill/>
-              </a:ln>
-            </p:spPr>
-            <p:style>
-              <a:lnRef idx="2">
-                <a:schemeClr val="accent1">
-                  <a:shade val="50000"/>
-                </a:schemeClr>
-              </a:lnRef>
-              <a:fillRef idx="1">
-                <a:schemeClr val="accent1"/>
-              </a:fillRef>
-              <a:effectRef idx="0">
-                <a:schemeClr val="accent1"/>
-              </a:effectRef>
-              <a:fontRef idx="minor">
-                <a:schemeClr val="lt1"/>
-              </a:fontRef>
-            </p:style>
-            <p:txBody>
-              <a:bodyPr rtlCol="0" anchor="ctr"/>
-              <a:lstStyle/>
-              <a:p>
-                <a:pPr algn="ctr"/>
-                <a:endParaRPr lang="en-US" sz="2000"/>
-              </a:p>
-            </p:txBody>
-          </p:sp>
-          <p:grpSp>
-            <p:nvGrpSpPr>
-              <p:cNvPr id="6" name="Grup 5"/>
-              <p:cNvGrpSpPr/>
-              <p:nvPr/>
-            </p:nvGrpSpPr>
-            <p:grpSpPr>
-              <a:xfrm>
-                <a:off x="211667" y="6019800"/>
-                <a:ext cx="5012266" cy="605115"/>
-                <a:chOff x="211667" y="6019800"/>
-                <a:chExt cx="5012266" cy="605115"/>
-              </a:xfrm>
-            </p:grpSpPr>
-            <p:pic>
-              <p:nvPicPr>
-                <p:cNvPr id="4" name="Resim 3"/>
-                <p:cNvPicPr>
-                  <a:picLocks noChangeAspect="1"/>
-                </p:cNvPicPr>
-                <p:nvPr/>
-              </p:nvPicPr>
-              <p:blipFill rotWithShape="1">
-                <a:blip r:embed="rId2" cstate="print">
-                  <a:extLst>
-                    <a:ext uri="{28A0092B-C50C-407E-A947-70E740481C1C}">
-                      <a14:useLocalDpi xmlns:a14="http://schemas.microsoft.com/office/drawing/2010/main" val="0"/>
-                    </a:ext>
-                  </a:extLst>
-                </a:blip>
-                <a:srcRect l="24387" t="8319" r="18355" b="50150"/>
-                <a:stretch/>
-              </p:blipFill>
-              <p:spPr>
-                <a:xfrm>
-                  <a:off x="211667" y="6019800"/>
-                  <a:ext cx="1072095" cy="600892"/>
-                </a:xfrm>
-                <a:prstGeom prst="rect">
-                  <a:avLst/>
-                </a:prstGeom>
-              </p:spPr>
-            </p:pic>
-            <p:sp>
-              <p:nvSpPr>
-                <p:cNvPr id="5" name="Unvan 1"/>
-                <p:cNvSpPr txBox="1">
-                  <a:spLocks/>
-                </p:cNvSpPr>
-                <p:nvPr/>
-              </p:nvSpPr>
-              <p:spPr>
-                <a:xfrm>
-                  <a:off x="1283763" y="6024023"/>
-                  <a:ext cx="3940170" cy="600892"/>
-                </a:xfrm>
-                <a:prstGeom prst="rect">
-                  <a:avLst/>
-                </a:prstGeom>
-              </p:spPr>
-              <p:txBody>
-                <a:bodyPr vert="horz" lIns="91440" tIns="45720" rIns="91440" bIns="45720" rtlCol="0" anchor="b">
-                  <a:noAutofit/>
-                </a:bodyPr>
-                <a:lstStyle>
-                  <a:lvl1pPr algn="ctr" defTabSz="914400" rtl="0" eaLnBrk="1" latinLnBrk="0" hangingPunct="1">
-                    <a:lnSpc>
-                      <a:spcPct val="90000"/>
-                    </a:lnSpc>
-                    <a:spcBef>
-                      <a:spcPct val="0"/>
-                    </a:spcBef>
-                    <a:buNone/>
-                    <a:defRPr sz="6000" kern="1200">
-                      <a:solidFill>
-                        <a:schemeClr val="tx1"/>
-                      </a:solidFill>
-                      <a:latin typeface="+mj-lt"/>
-                      <a:ea typeface="+mj-ea"/>
-                      <a:cs typeface="+mj-cs"/>
-                    </a:defRPr>
-                  </a:lvl1pPr>
-                </a:lstStyle>
-                <a:p>
-                  <a:pPr algn="l"/>
-                  <a:r>
-                    <a:rPr lang="tr-TR" sz="2000" dirty="0" smtClean="0">
-                      <a:solidFill>
-                        <a:srgbClr val="CB171F"/>
-                      </a:solidFill>
-                      <a:latin typeface="Constantia" panose="02030602050306030303" pitchFamily="18" charset="0"/>
-                      <a:ea typeface="Verdana" panose="020B0604030504040204" pitchFamily="34" charset="0"/>
-                      <a:cs typeface="Arial" panose="020B0604020202020204" pitchFamily="34" charset="0"/>
-                    </a:rPr>
-                    <a:t>Veri Bilimi Okulu</a:t>
-                  </a:r>
-                  <a:endParaRPr lang="en-US" sz="2000" dirty="0">
-                    <a:solidFill>
-                      <a:srgbClr val="CB171F"/>
-                    </a:solidFill>
-                    <a:latin typeface="Constantia" panose="02030602050306030303" pitchFamily="18" charset="0"/>
-                    <a:ea typeface="Verdana" panose="020B0604030504040204" pitchFamily="34" charset="0"/>
-                    <a:cs typeface="Arial" panose="020B0604020202020204" pitchFamily="34" charset="0"/>
-                  </a:endParaRPr>
-                </a:p>
-              </p:txBody>
-            </p:sp>
-          </p:grpSp>
-        </p:grpSp>
-        <p:sp>
-          <p:nvSpPr>
-            <p:cNvPr id="12" name="Metin kutusu 11"/>
-            <p:cNvSpPr txBox="1"/>
-            <p:nvPr/>
-          </p:nvSpPr>
-          <p:spPr>
-            <a:xfrm>
-              <a:off x="1582782" y="6493211"/>
-              <a:ext cx="1687468" cy="230832"/>
-            </a:xfrm>
-            <a:prstGeom prst="rect">
-              <a:avLst/>
-            </a:prstGeom>
-            <a:noFill/>
-          </p:spPr>
-          <p:txBody>
-            <a:bodyPr wrap="square" rtlCol="0">
-              <a:spAutoFit/>
-            </a:bodyPr>
-            <a:lstStyle/>
-            <a:p>
-              <a:r>
-                <a:rPr lang="en-US" sz="900" dirty="0" smtClean="0">
-                  <a:solidFill>
-                    <a:srgbClr val="0B8043"/>
-                  </a:solidFill>
-                </a:rPr>
-                <a:t>https:</a:t>
-              </a:r>
-              <a:r>
-                <a:rPr lang="en-US" sz="900" dirty="0" smtClean="0">
-                  <a:solidFill>
-                    <a:schemeClr val="bg1">
-                      <a:lumMod val="50000"/>
-                    </a:schemeClr>
-                  </a:solidFill>
-                </a:rPr>
-                <a:t>//www.veribilimi.co</a:t>
-              </a:r>
-              <a:endParaRPr lang="en-US" sz="900" dirty="0">
-                <a:solidFill>
-                  <a:schemeClr val="bg1">
-                    <a:lumMod val="50000"/>
-                  </a:schemeClr>
-                </a:solidFill>
-              </a:endParaRPr>
-            </a:p>
-          </p:txBody>
-        </p:sp>
-      </p:grpSp>
-      <p:grpSp>
-        <p:nvGrpSpPr>
-          <p:cNvPr id="11" name="Grup 10"/>
-          <p:cNvGrpSpPr/>
-          <p:nvPr/>
-        </p:nvGrpSpPr>
-        <p:grpSpPr>
-          <a:xfrm>
-            <a:off x="9194796" y="6231467"/>
-            <a:ext cx="2802471" cy="457084"/>
-            <a:chOff x="184993" y="5905369"/>
-            <a:chExt cx="5156200" cy="838200"/>
-          </a:xfrm>
-        </p:grpSpPr>
-        <p:sp>
-          <p:nvSpPr>
-            <p:cNvPr id="13" name="Dikdörtgen 12"/>
-            <p:cNvSpPr/>
-            <p:nvPr/>
-          </p:nvSpPr>
-          <p:spPr>
-            <a:xfrm>
-              <a:off x="184993" y="5905369"/>
-              <a:ext cx="5156200" cy="838200"/>
-            </a:xfrm>
-            <a:prstGeom prst="rect">
-              <a:avLst/>
-            </a:prstGeom>
-            <a:solidFill>
-              <a:schemeClr val="bg1">
-                <a:lumMod val="95000"/>
-              </a:schemeClr>
-            </a:solidFill>
-            <a:ln>
-              <a:noFill/>
-            </a:ln>
-          </p:spPr>
-          <p:style>
-            <a:lnRef idx="2">
-              <a:schemeClr val="accent1">
-                <a:shade val="50000"/>
-              </a:schemeClr>
-            </a:lnRef>
-            <a:fillRef idx="1">
-              <a:schemeClr val="accent1"/>
-            </a:fillRef>
-            <a:effectRef idx="0">
-              <a:schemeClr val="accent1"/>
-            </a:effectRef>
-            <a:fontRef idx="minor">
-              <a:schemeClr val="lt1"/>
-            </a:fontRef>
-          </p:style>
-          <p:txBody>
-            <a:bodyPr rtlCol="0" anchor="ctr"/>
-            <a:lstStyle/>
-            <a:p>
-              <a:pPr algn="ctr"/>
-              <a:endParaRPr lang="en-US" sz="2000"/>
-            </a:p>
-          </p:txBody>
-        </p:sp>
-        <p:sp>
-          <p:nvSpPr>
-            <p:cNvPr id="14" name="Unvan 1"/>
-            <p:cNvSpPr txBox="1">
-              <a:spLocks/>
-            </p:cNvSpPr>
-            <p:nvPr/>
-          </p:nvSpPr>
-          <p:spPr>
-            <a:xfrm>
-              <a:off x="302252" y="6024023"/>
-              <a:ext cx="4921678" cy="600892"/>
-            </a:xfrm>
-            <a:prstGeom prst="rect">
-              <a:avLst/>
-            </a:prstGeom>
-          </p:spPr>
-          <p:txBody>
-            <a:bodyPr vert="horz" lIns="91440" tIns="45720" rIns="91440" bIns="45720" rtlCol="0" anchor="b">
-              <a:noAutofit/>
-            </a:bodyPr>
-            <a:lstStyle>
-              <a:lvl1pPr algn="ctr" defTabSz="914400" rtl="0" eaLnBrk="1" latinLnBrk="0" hangingPunct="1">
-                <a:lnSpc>
-                  <a:spcPct val="90000"/>
-                </a:lnSpc>
-                <a:spcBef>
-                  <a:spcPct val="0"/>
-                </a:spcBef>
-                <a:buNone/>
-                <a:defRPr sz="6000" kern="1200">
-                  <a:solidFill>
-                    <a:schemeClr val="tx1"/>
-                  </a:solidFill>
-                  <a:latin typeface="+mj-lt"/>
-                  <a:ea typeface="+mj-ea"/>
-                  <a:cs typeface="+mj-cs"/>
-                </a:defRPr>
-              </a:lvl1pPr>
-            </a:lstStyle>
-            <a:p>
-              <a:pPr algn="l"/>
-              <a:r>
-                <a:rPr lang="tr-TR" sz="2000" dirty="0">
-                  <a:solidFill>
-                    <a:srgbClr val="CB171F"/>
-                  </a:solidFill>
-                  <a:latin typeface="Constantia" panose="02030602050306030303" pitchFamily="18" charset="0"/>
-                  <a:ea typeface="Verdana" panose="020B0604030504040204" pitchFamily="34" charset="0"/>
-                  <a:cs typeface="Arial" panose="020B0604020202020204" pitchFamily="34" charset="0"/>
-                </a:rPr>
-                <a:t>A’dan Z’ye Büyük Veri</a:t>
-              </a:r>
-              <a:endParaRPr lang="en-US" sz="2000" dirty="0">
-                <a:solidFill>
-                  <a:srgbClr val="CB171F"/>
-                </a:solidFill>
-                <a:latin typeface="Constantia" panose="02030602050306030303" pitchFamily="18" charset="0"/>
-                <a:ea typeface="Verdana" panose="020B0604030504040204" pitchFamily="34" charset="0"/>
-                <a:cs typeface="Arial" panose="020B0604020202020204" pitchFamily="34" charset="0"/>
-              </a:endParaRPr>
-            </a:p>
-          </p:txBody>
-        </p:sp>
-      </p:grpSp>
       <p:sp>
         <p:nvSpPr>
           <p:cNvPr id="16" name="Unvan 1"/>
@@ -13765,7 +10747,7 @@
           <a:lstStyle/>
           <a:p>
             <a:r>
-              <a:rPr lang="tr-TR" sz="4200" b="1" dirty="0" smtClean="0">
+              <a:rPr lang="tr-TR" sz="4200" b="1" dirty="0">
                 <a:solidFill>
                   <a:srgbClr val="CD1F26"/>
                 </a:solidFill>
@@ -13809,7 +10791,7 @@
             <p:nvPr/>
           </p:nvPicPr>
           <p:blipFill rotWithShape="1">
-            <a:blip r:embed="rId3">
+            <a:blip r:embed="rId2">
               <a:extLst>
                 <a:ext uri="{28A0092B-C50C-407E-A947-70E740481C1C}">
                   <a14:useLocalDpi xmlns:a14="http://schemas.microsoft.com/office/drawing/2010/main" val="0"/>
@@ -13856,7 +10838,7 @@
             <a:lstStyle/>
             <a:p>
               <a:r>
-                <a:rPr lang="tr-TR" sz="1600" dirty="0" smtClean="0">
+                <a:rPr lang="tr-TR" sz="1600" dirty="0">
                   <a:latin typeface="Arial" panose="020B0604020202020204" pitchFamily="34" charset="0"/>
                   <a:cs typeface="Arial" panose="020B0604020202020204" pitchFamily="34" charset="0"/>
                 </a:rPr>
@@ -13896,7 +10878,7 @@
             <a:lstStyle/>
             <a:p>
               <a:r>
-                <a:rPr lang="tr-TR" sz="1600" dirty="0" smtClean="0">
+                <a:rPr lang="tr-TR" sz="1600" dirty="0">
                   <a:latin typeface="Arial" panose="020B0604020202020204" pitchFamily="34" charset="0"/>
                   <a:cs typeface="Arial" panose="020B0604020202020204" pitchFamily="34" charset="0"/>
                 </a:rPr>
@@ -13918,7 +10900,7 @@
             <p:nvPr/>
           </p:nvPicPr>
           <p:blipFill>
-            <a:blip r:embed="rId4">
+            <a:blip r:embed="rId3">
               <a:extLst>
                 <a:ext uri="{28A0092B-C50C-407E-A947-70E740481C1C}">
                   <a14:useLocalDpi xmlns:a14="http://schemas.microsoft.com/office/drawing/2010/main" val="0"/>
@@ -14028,7 +11010,7 @@
             <a:lstStyle/>
             <a:p>
               <a:r>
-                <a:rPr lang="tr-TR" sz="1600" dirty="0" smtClean="0">
+                <a:rPr lang="tr-TR" sz="1600" dirty="0">
                   <a:latin typeface="Arial" panose="020B0604020202020204" pitchFamily="34" charset="0"/>
                   <a:cs typeface="Arial" panose="020B0604020202020204" pitchFamily="34" charset="0"/>
                 </a:rPr>
@@ -14037,7 +11019,7 @@
             </a:p>
             <a:p>
               <a:r>
-                <a:rPr lang="tr-TR" sz="1600" dirty="0" smtClean="0">
+                <a:rPr lang="tr-TR" sz="1600" dirty="0">
                   <a:latin typeface="Arial" panose="020B0604020202020204" pitchFamily="34" charset="0"/>
                   <a:cs typeface="Arial" panose="020B0604020202020204" pitchFamily="34" charset="0"/>
                 </a:rPr>
@@ -14077,21 +11059,21 @@
             <a:lstStyle/>
             <a:p>
               <a:r>
-                <a:rPr lang="tr-TR" sz="1600" dirty="0" smtClean="0">
+                <a:rPr lang="tr-TR" sz="1600" dirty="0">
                   <a:latin typeface="Arial" panose="020B0604020202020204" pitchFamily="34" charset="0"/>
                   <a:cs typeface="Arial" panose="020B0604020202020204" pitchFamily="34" charset="0"/>
                 </a:rPr>
                 <a:t>İz (</a:t>
               </a:r>
               <a:r>
-                <a:rPr lang="tr-TR" sz="1600" dirty="0" err="1" smtClean="0">
+                <a:rPr lang="tr-TR" sz="1600" dirty="0" err="1">
                   <a:latin typeface="Arial" panose="020B0604020202020204" pitchFamily="34" charset="0"/>
                   <a:cs typeface="Arial" panose="020B0604020202020204" pitchFamily="34" charset="0"/>
                 </a:rPr>
                 <a:t>Track</a:t>
               </a:r>
               <a:r>
-                <a:rPr lang="tr-TR" sz="1600" dirty="0" smtClean="0">
+                <a:rPr lang="tr-TR" sz="1600" dirty="0">
                   <a:latin typeface="Arial" panose="020B0604020202020204" pitchFamily="34" charset="0"/>
                   <a:cs typeface="Arial" panose="020B0604020202020204" pitchFamily="34" charset="0"/>
                 </a:rPr>
@@ -14251,35 +11233,35 @@
             <a:lstStyle/>
             <a:p>
               <a:r>
-                <a:rPr lang="tr-TR" sz="1600" dirty="0" smtClean="0">
+                <a:rPr lang="tr-TR" sz="1600" dirty="0">
                   <a:latin typeface="Arial" panose="020B0604020202020204" pitchFamily="34" charset="0"/>
                   <a:cs typeface="Arial" panose="020B0604020202020204" pitchFamily="34" charset="0"/>
                 </a:rPr>
                 <a:t>Disk bloğu (ardışık sektörler </a:t>
               </a:r>
               <a:r>
-                <a:rPr lang="tr-TR" sz="1600" dirty="0" err="1" smtClean="0">
+                <a:rPr lang="tr-TR" sz="1600" dirty="0" err="1">
                   <a:latin typeface="Arial" panose="020B0604020202020204" pitchFamily="34" charset="0"/>
                   <a:cs typeface="Arial" panose="020B0604020202020204" pitchFamily="34" charset="0"/>
                 </a:rPr>
                 <a:t>Örn</a:t>
               </a:r>
               <a:r>
-                <a:rPr lang="tr-TR" sz="1600" dirty="0" smtClean="0">
+                <a:rPr lang="tr-TR" sz="1600" dirty="0">
                   <a:latin typeface="Arial" panose="020B0604020202020204" pitchFamily="34" charset="0"/>
                   <a:cs typeface="Arial" panose="020B0604020202020204" pitchFamily="34" charset="0"/>
                 </a:rPr>
                 <a:t>: 512 </a:t>
               </a:r>
               <a:r>
-                <a:rPr lang="tr-TR" sz="1600" dirty="0" err="1" smtClean="0">
+                <a:rPr lang="tr-TR" sz="1600" dirty="0" err="1">
                   <a:latin typeface="Arial" panose="020B0604020202020204" pitchFamily="34" charset="0"/>
                   <a:cs typeface="Arial" panose="020B0604020202020204" pitchFamily="34" charset="0"/>
                 </a:rPr>
                 <a:t>Kb</a:t>
               </a:r>
               <a:r>
-                <a:rPr lang="tr-TR" sz="1600" dirty="0" smtClean="0">
+                <a:rPr lang="tr-TR" sz="1600" dirty="0">
                   <a:latin typeface="Arial" panose="020B0604020202020204" pitchFamily="34" charset="0"/>
                   <a:cs typeface="Arial" panose="020B0604020202020204" pitchFamily="34" charset="0"/>
                 </a:rPr>
@@ -14352,30 +11334,21 @@
           <a:lstStyle/>
           <a:p>
             <a:r>
-              <a:rPr lang="tr-TR" sz="1200" dirty="0" smtClean="0"/>
+              <a:rPr lang="tr-TR" sz="1200" dirty="0"/>
               <a:t>Kaynak: </a:t>
             </a:r>
             <a:r>
-              <a:rPr lang="en-US" sz="1200" dirty="0" smtClean="0"/>
-              <a:t>Data </a:t>
+              <a:rPr lang="en-US" sz="1200" dirty="0"/>
+              <a:t>Data Storage Networking</a:t>
+            </a:r>
+            <a:r>
+              <a:rPr lang="tr-TR" sz="1200" dirty="0"/>
+              <a:t> </a:t>
             </a:r>
             <a:r>
               <a:rPr lang="en-US" sz="1200" dirty="0"/>
-              <a:t>Storage </a:t>
-            </a:r>
-            <a:r>
-              <a:rPr lang="en-US" sz="1200" dirty="0" smtClean="0"/>
-              <a:t>Networking</a:t>
-            </a:r>
-            <a:r>
-              <a:rPr lang="tr-TR" sz="1200" dirty="0" smtClean="0"/>
-              <a:t> </a:t>
-            </a:r>
-            <a:r>
-              <a:rPr lang="en-US" sz="1200" dirty="0" smtClean="0"/>
               <a:t>ISBN:9781118679210</a:t>
             </a:r>
-            <a:endParaRPr lang="en-US" sz="1200" dirty="0"/>
           </a:p>
         </p:txBody>
       </p:sp>
@@ -14389,13 +11362,6 @@
   <p:clrMapOvr>
     <a:masterClrMapping/>
   </p:clrMapOvr>
-  <p:timing>
-    <p:tnLst>
-      <p:par>
-        <p:cTn id="1" dur="indefinite" restart="never" nodeType="tmRoot"/>
-      </p:par>
-    </p:tnLst>
-  </p:timing>
 </p:sld>
 </file>
 
@@ -14453,369 +11419,6 @@
           </a:fontRef>
         </p:style>
       </p:cxnSp>
-      <p:grpSp>
-        <p:nvGrpSpPr>
-          <p:cNvPr id="15" name="Grup 14"/>
-          <p:cNvGrpSpPr/>
-          <p:nvPr/>
-        </p:nvGrpSpPr>
-        <p:grpSpPr>
-          <a:xfrm>
-            <a:off x="228596" y="6231467"/>
-            <a:ext cx="3041654" cy="492576"/>
-            <a:chOff x="228596" y="6231467"/>
-            <a:chExt cx="3041654" cy="492576"/>
-          </a:xfrm>
-        </p:grpSpPr>
-        <p:grpSp>
-          <p:nvGrpSpPr>
-            <p:cNvPr id="8" name="Grup 7"/>
-            <p:cNvGrpSpPr/>
-            <p:nvPr/>
-          </p:nvGrpSpPr>
-          <p:grpSpPr>
-            <a:xfrm>
-              <a:off x="228596" y="6231467"/>
-              <a:ext cx="2802471" cy="457084"/>
-              <a:chOff x="127000" y="5901146"/>
-              <a:chExt cx="5156200" cy="838200"/>
-            </a:xfrm>
-          </p:grpSpPr>
-          <p:sp>
-            <p:nvSpPr>
-              <p:cNvPr id="7" name="Dikdörtgen 6"/>
-              <p:cNvSpPr/>
-              <p:nvPr/>
-            </p:nvSpPr>
-            <p:spPr>
-              <a:xfrm>
-                <a:off x="127000" y="5901146"/>
-                <a:ext cx="5156200" cy="838200"/>
-              </a:xfrm>
-              <a:prstGeom prst="rect">
-                <a:avLst/>
-              </a:prstGeom>
-              <a:solidFill>
-                <a:schemeClr val="bg1">
-                  <a:lumMod val="95000"/>
-                </a:schemeClr>
-              </a:solidFill>
-              <a:ln>
-                <a:noFill/>
-              </a:ln>
-            </p:spPr>
-            <p:style>
-              <a:lnRef idx="2">
-                <a:schemeClr val="accent1">
-                  <a:shade val="50000"/>
-                </a:schemeClr>
-              </a:lnRef>
-              <a:fillRef idx="1">
-                <a:schemeClr val="accent1"/>
-              </a:fillRef>
-              <a:effectRef idx="0">
-                <a:schemeClr val="accent1"/>
-              </a:effectRef>
-              <a:fontRef idx="minor">
-                <a:schemeClr val="lt1"/>
-              </a:fontRef>
-            </p:style>
-            <p:txBody>
-              <a:bodyPr rtlCol="0" anchor="ctr"/>
-              <a:lstStyle/>
-              <a:p>
-                <a:pPr algn="ctr"/>
-                <a:endParaRPr lang="en-US" sz="2000"/>
-              </a:p>
-            </p:txBody>
-          </p:sp>
-          <p:grpSp>
-            <p:nvGrpSpPr>
-              <p:cNvPr id="6" name="Grup 5"/>
-              <p:cNvGrpSpPr/>
-              <p:nvPr/>
-            </p:nvGrpSpPr>
-            <p:grpSpPr>
-              <a:xfrm>
-                <a:off x="211667" y="6019800"/>
-                <a:ext cx="5012266" cy="605115"/>
-                <a:chOff x="211667" y="6019800"/>
-                <a:chExt cx="5012266" cy="605115"/>
-              </a:xfrm>
-            </p:grpSpPr>
-            <p:pic>
-              <p:nvPicPr>
-                <p:cNvPr id="4" name="Resim 3"/>
-                <p:cNvPicPr>
-                  <a:picLocks noChangeAspect="1"/>
-                </p:cNvPicPr>
-                <p:nvPr/>
-              </p:nvPicPr>
-              <p:blipFill rotWithShape="1">
-                <a:blip r:embed="rId2" cstate="print">
-                  <a:extLst>
-                    <a:ext uri="{28A0092B-C50C-407E-A947-70E740481C1C}">
-                      <a14:useLocalDpi xmlns:a14="http://schemas.microsoft.com/office/drawing/2010/main" val="0"/>
-                    </a:ext>
-                  </a:extLst>
-                </a:blip>
-                <a:srcRect l="24387" t="8319" r="18355" b="50150"/>
-                <a:stretch/>
-              </p:blipFill>
-              <p:spPr>
-                <a:xfrm>
-                  <a:off x="211667" y="6019800"/>
-                  <a:ext cx="1072095" cy="600892"/>
-                </a:xfrm>
-                <a:prstGeom prst="rect">
-                  <a:avLst/>
-                </a:prstGeom>
-              </p:spPr>
-            </p:pic>
-            <p:sp>
-              <p:nvSpPr>
-                <p:cNvPr id="5" name="Unvan 1"/>
-                <p:cNvSpPr txBox="1">
-                  <a:spLocks/>
-                </p:cNvSpPr>
-                <p:nvPr/>
-              </p:nvSpPr>
-              <p:spPr>
-                <a:xfrm>
-                  <a:off x="1283763" y="6024023"/>
-                  <a:ext cx="3940170" cy="600892"/>
-                </a:xfrm>
-                <a:prstGeom prst="rect">
-                  <a:avLst/>
-                </a:prstGeom>
-              </p:spPr>
-              <p:txBody>
-                <a:bodyPr vert="horz" lIns="91440" tIns="45720" rIns="91440" bIns="45720" rtlCol="0" anchor="b">
-                  <a:noAutofit/>
-                </a:bodyPr>
-                <a:lstStyle>
-                  <a:lvl1pPr algn="ctr" defTabSz="914400" rtl="0" eaLnBrk="1" latinLnBrk="0" hangingPunct="1">
-                    <a:lnSpc>
-                      <a:spcPct val="90000"/>
-                    </a:lnSpc>
-                    <a:spcBef>
-                      <a:spcPct val="0"/>
-                    </a:spcBef>
-                    <a:buNone/>
-                    <a:defRPr sz="6000" kern="1200">
-                      <a:solidFill>
-                        <a:schemeClr val="tx1"/>
-                      </a:solidFill>
-                      <a:latin typeface="+mj-lt"/>
-                      <a:ea typeface="+mj-ea"/>
-                      <a:cs typeface="+mj-cs"/>
-                    </a:defRPr>
-                  </a:lvl1pPr>
-                </a:lstStyle>
-                <a:p>
-                  <a:pPr algn="l"/>
-                  <a:r>
-                    <a:rPr lang="tr-TR" sz="2000" dirty="0" smtClean="0">
-                      <a:solidFill>
-                        <a:srgbClr val="CB171F"/>
-                      </a:solidFill>
-                      <a:latin typeface="Constantia" panose="02030602050306030303" pitchFamily="18" charset="0"/>
-                      <a:ea typeface="Verdana" panose="020B0604030504040204" pitchFamily="34" charset="0"/>
-                      <a:cs typeface="Arial" panose="020B0604020202020204" pitchFamily="34" charset="0"/>
-                    </a:rPr>
-                    <a:t>Veri Bilimi Okulu</a:t>
-                  </a:r>
-                  <a:endParaRPr lang="en-US" sz="2000" dirty="0">
-                    <a:solidFill>
-                      <a:srgbClr val="CB171F"/>
-                    </a:solidFill>
-                    <a:latin typeface="Constantia" panose="02030602050306030303" pitchFamily="18" charset="0"/>
-                    <a:ea typeface="Verdana" panose="020B0604030504040204" pitchFamily="34" charset="0"/>
-                    <a:cs typeface="Arial" panose="020B0604020202020204" pitchFamily="34" charset="0"/>
-                  </a:endParaRPr>
-                </a:p>
-              </p:txBody>
-            </p:sp>
-          </p:grpSp>
-        </p:grpSp>
-        <p:sp>
-          <p:nvSpPr>
-            <p:cNvPr id="12" name="Metin kutusu 11"/>
-            <p:cNvSpPr txBox="1"/>
-            <p:nvPr/>
-          </p:nvSpPr>
-          <p:spPr>
-            <a:xfrm>
-              <a:off x="1582782" y="6493211"/>
-              <a:ext cx="1687468" cy="230832"/>
-            </a:xfrm>
-            <a:prstGeom prst="rect">
-              <a:avLst/>
-            </a:prstGeom>
-            <a:noFill/>
-          </p:spPr>
-          <p:txBody>
-            <a:bodyPr wrap="square" rtlCol="0">
-              <a:spAutoFit/>
-            </a:bodyPr>
-            <a:lstStyle/>
-            <a:p>
-              <a:r>
-                <a:rPr lang="en-US" sz="900" dirty="0" smtClean="0">
-                  <a:solidFill>
-                    <a:srgbClr val="0B8043"/>
-                  </a:solidFill>
-                </a:rPr>
-                <a:t>https:</a:t>
-              </a:r>
-              <a:r>
-                <a:rPr lang="en-US" sz="900" dirty="0" smtClean="0">
-                  <a:solidFill>
-                    <a:schemeClr val="bg1">
-                      <a:lumMod val="50000"/>
-                    </a:schemeClr>
-                  </a:solidFill>
-                </a:rPr>
-                <a:t>//www.veribilimi.co</a:t>
-              </a:r>
-              <a:endParaRPr lang="en-US" sz="900" dirty="0">
-                <a:solidFill>
-                  <a:schemeClr val="bg1">
-                    <a:lumMod val="50000"/>
-                  </a:schemeClr>
-                </a:solidFill>
-              </a:endParaRPr>
-            </a:p>
-          </p:txBody>
-        </p:sp>
-      </p:grpSp>
-      <p:grpSp>
-        <p:nvGrpSpPr>
-          <p:cNvPr id="11" name="Grup 10"/>
-          <p:cNvGrpSpPr/>
-          <p:nvPr/>
-        </p:nvGrpSpPr>
-        <p:grpSpPr>
-          <a:xfrm>
-            <a:off x="9194796" y="6231467"/>
-            <a:ext cx="2802471" cy="457084"/>
-            <a:chOff x="184993" y="5905369"/>
-            <a:chExt cx="5156200" cy="838200"/>
-          </a:xfrm>
-        </p:grpSpPr>
-        <p:sp>
-          <p:nvSpPr>
-            <p:cNvPr id="13" name="Dikdörtgen 12"/>
-            <p:cNvSpPr/>
-            <p:nvPr/>
-          </p:nvSpPr>
-          <p:spPr>
-            <a:xfrm>
-              <a:off x="184993" y="5905369"/>
-              <a:ext cx="5156200" cy="838200"/>
-            </a:xfrm>
-            <a:prstGeom prst="rect">
-              <a:avLst/>
-            </a:prstGeom>
-            <a:solidFill>
-              <a:schemeClr val="bg1">
-                <a:lumMod val="95000"/>
-              </a:schemeClr>
-            </a:solidFill>
-            <a:ln>
-              <a:noFill/>
-            </a:ln>
-          </p:spPr>
-          <p:style>
-            <a:lnRef idx="2">
-              <a:schemeClr val="accent1">
-                <a:shade val="50000"/>
-              </a:schemeClr>
-            </a:lnRef>
-            <a:fillRef idx="1">
-              <a:schemeClr val="accent1"/>
-            </a:fillRef>
-            <a:effectRef idx="0">
-              <a:schemeClr val="accent1"/>
-            </a:effectRef>
-            <a:fontRef idx="minor">
-              <a:schemeClr val="lt1"/>
-            </a:fontRef>
-          </p:style>
-          <p:txBody>
-            <a:bodyPr rtlCol="0" anchor="ctr"/>
-            <a:lstStyle/>
-            <a:p>
-              <a:pPr algn="ctr"/>
-              <a:endParaRPr lang="en-US" sz="2000"/>
-            </a:p>
-          </p:txBody>
-        </p:sp>
-        <p:sp>
-          <p:nvSpPr>
-            <p:cNvPr id="14" name="Unvan 1"/>
-            <p:cNvSpPr txBox="1">
-              <a:spLocks/>
-            </p:cNvSpPr>
-            <p:nvPr/>
-          </p:nvSpPr>
-          <p:spPr>
-            <a:xfrm>
-              <a:off x="302252" y="6024023"/>
-              <a:ext cx="4921678" cy="600892"/>
-            </a:xfrm>
-            <a:prstGeom prst="rect">
-              <a:avLst/>
-            </a:prstGeom>
-          </p:spPr>
-          <p:txBody>
-            <a:bodyPr vert="horz" lIns="91440" tIns="45720" rIns="91440" bIns="45720" rtlCol="0" anchor="b">
-              <a:noAutofit/>
-            </a:bodyPr>
-            <a:lstStyle>
-              <a:lvl1pPr algn="ctr" defTabSz="914400" rtl="0" eaLnBrk="1" latinLnBrk="0" hangingPunct="1">
-                <a:lnSpc>
-                  <a:spcPct val="90000"/>
-                </a:lnSpc>
-                <a:spcBef>
-                  <a:spcPct val="0"/>
-                </a:spcBef>
-                <a:buNone/>
-                <a:defRPr sz="6000" kern="1200">
-                  <a:solidFill>
-                    <a:schemeClr val="tx1"/>
-                  </a:solidFill>
-                  <a:latin typeface="+mj-lt"/>
-                  <a:ea typeface="+mj-ea"/>
-                  <a:cs typeface="+mj-cs"/>
-                </a:defRPr>
-              </a:lvl1pPr>
-            </a:lstStyle>
-            <a:p>
-              <a:pPr algn="l"/>
-              <a:r>
-                <a:rPr lang="tr-TR" sz="2000" dirty="0">
-                  <a:solidFill>
-                    <a:srgbClr val="CB171F"/>
-                  </a:solidFill>
-                  <a:latin typeface="Constantia" panose="02030602050306030303" pitchFamily="18" charset="0"/>
-                  <a:ea typeface="Verdana" panose="020B0604030504040204" pitchFamily="34" charset="0"/>
-                  <a:cs typeface="Arial" panose="020B0604020202020204" pitchFamily="34" charset="0"/>
-                </a:rPr>
-                <a:t>A’dan Z’ye Büyük Veri</a:t>
-              </a:r>
-              <a:endParaRPr lang="en-US" sz="2000" dirty="0">
-                <a:solidFill>
-                  <a:srgbClr val="CB171F"/>
-                </a:solidFill>
-                <a:latin typeface="Constantia" panose="02030602050306030303" pitchFamily="18" charset="0"/>
-                <a:ea typeface="Verdana" panose="020B0604030504040204" pitchFamily="34" charset="0"/>
-                <a:cs typeface="Arial" panose="020B0604020202020204" pitchFamily="34" charset="0"/>
-              </a:endParaRPr>
-            </a:p>
-          </p:txBody>
-        </p:sp>
-      </p:grpSp>
       <p:sp>
         <p:nvSpPr>
           <p:cNvPr id="3" name="Dikdörtgen 2"/>
@@ -14845,7 +11448,7 @@
               <a:buChar char="ü"/>
             </a:pPr>
             <a:r>
-              <a:rPr lang="tr-TR" sz="2400" dirty="0" smtClean="0">
+              <a:rPr lang="tr-TR" sz="2400" dirty="0">
                 <a:solidFill>
                   <a:srgbClr val="404041"/>
                 </a:solidFill>
@@ -14863,7 +11466,7 @@
               <a:buChar char="ü"/>
             </a:pPr>
             <a:r>
-              <a:rPr lang="tr-TR" sz="2400" dirty="0" smtClean="0">
+              <a:rPr lang="tr-TR" sz="2400" dirty="0">
                 <a:solidFill>
                   <a:srgbClr val="404041"/>
                 </a:solidFill>
@@ -14872,7 +11475,7 @@
               <a:t>Klasik dosya sisteminden farklı olarak bir bloğa 8 MB yazılsa 120 </a:t>
             </a:r>
             <a:r>
-              <a:rPr lang="tr-TR" sz="2400" dirty="0" err="1" smtClean="0">
+              <a:rPr lang="tr-TR" sz="2400" dirty="0" err="1">
                 <a:solidFill>
                   <a:srgbClr val="404041"/>
                 </a:solidFill>
@@ -14881,7 +11484,7 @@
               <a:t>MB’lik</a:t>
             </a:r>
             <a:r>
-              <a:rPr lang="tr-TR" sz="2400" dirty="0" smtClean="0">
+              <a:rPr lang="tr-TR" sz="2400" dirty="0">
                 <a:solidFill>
                   <a:srgbClr val="404041"/>
                 </a:solidFill>
@@ -14899,7 +11502,7 @@
               <a:buChar char="ü"/>
             </a:pPr>
             <a:r>
-              <a:rPr lang="tr-TR" sz="2400" dirty="0" smtClean="0">
+              <a:rPr lang="tr-TR" sz="2400" dirty="0">
                 <a:solidFill>
                   <a:srgbClr val="404041"/>
                 </a:solidFill>
@@ -14908,7 +11511,7 @@
               <a:t>Blok büyüklüğünün büyük olmasının sebebi okuyucu kafanın izi ve blok başını bulma zamanını (</a:t>
             </a:r>
             <a:r>
-              <a:rPr lang="tr-TR" sz="2400" dirty="0" err="1" smtClean="0">
+              <a:rPr lang="tr-TR" sz="2400" dirty="0" err="1">
                 <a:solidFill>
                   <a:srgbClr val="404041"/>
                 </a:solidFill>
@@ -14917,7 +11520,7 @@
               <a:t>seek</a:t>
             </a:r>
             <a:r>
-              <a:rPr lang="tr-TR" sz="2400" dirty="0" smtClean="0">
+              <a:rPr lang="tr-TR" sz="2400" dirty="0">
                 <a:solidFill>
                   <a:srgbClr val="404041"/>
                 </a:solidFill>
@@ -14935,7 +11538,7 @@
               <a:buChar char="ü"/>
             </a:pPr>
             <a:r>
-              <a:rPr lang="tr-TR" sz="2400" dirty="0" smtClean="0">
+              <a:rPr lang="tr-TR" sz="2400" dirty="0">
                 <a:solidFill>
                   <a:srgbClr val="404041"/>
                 </a:solidFill>
@@ -14953,7 +11556,7 @@
               <a:buChar char="ü"/>
             </a:pPr>
             <a:r>
-              <a:rPr lang="tr-TR" sz="2400" dirty="0" smtClean="0">
+              <a:rPr lang="tr-TR" sz="2400" dirty="0">
                 <a:solidFill>
                   <a:srgbClr val="404041"/>
                 </a:solidFill>
@@ -14962,7 +11565,7 @@
               <a:t>Blok mantığı </a:t>
             </a:r>
             <a:r>
-              <a:rPr lang="tr-TR" sz="2400" dirty="0" err="1" smtClean="0">
+              <a:rPr lang="tr-TR" sz="2400" dirty="0" err="1">
                 <a:solidFill>
                   <a:srgbClr val="404041"/>
                 </a:solidFill>
@@ -14971,7 +11574,7 @@
               <a:t>replikasyonu</a:t>
             </a:r>
             <a:r>
-              <a:rPr lang="tr-TR" sz="2400" dirty="0" smtClean="0">
+              <a:rPr lang="tr-TR" sz="2400" dirty="0">
                 <a:solidFill>
                   <a:srgbClr val="404041"/>
                 </a:solidFill>
@@ -15005,7 +11608,7 @@
           <a:lstStyle/>
           <a:p>
             <a:r>
-              <a:rPr lang="tr-TR" sz="4200" b="1" dirty="0" smtClean="0">
+              <a:rPr lang="tr-TR" sz="4200" b="1" dirty="0">
                 <a:solidFill>
                   <a:srgbClr val="CD1F26"/>
                 </a:solidFill>
@@ -15036,13 +11639,6 @@
   <p:clrMapOvr>
     <a:masterClrMapping/>
   </p:clrMapOvr>
-  <p:timing>
-    <p:tnLst>
-      <p:par>
-        <p:cTn id="1" dur="indefinite" restart="never" nodeType="tmRoot"/>
-      </p:par>
-    </p:tnLst>
-  </p:timing>
 </p:sld>
 </file>
 
@@ -15100,369 +11696,6 @@
           </a:fontRef>
         </p:style>
       </p:cxnSp>
-      <p:grpSp>
-        <p:nvGrpSpPr>
-          <p:cNvPr id="15" name="Grup 14"/>
-          <p:cNvGrpSpPr/>
-          <p:nvPr/>
-        </p:nvGrpSpPr>
-        <p:grpSpPr>
-          <a:xfrm>
-            <a:off x="228596" y="6231467"/>
-            <a:ext cx="3041654" cy="492576"/>
-            <a:chOff x="228596" y="6231467"/>
-            <a:chExt cx="3041654" cy="492576"/>
-          </a:xfrm>
-        </p:grpSpPr>
-        <p:grpSp>
-          <p:nvGrpSpPr>
-            <p:cNvPr id="8" name="Grup 7"/>
-            <p:cNvGrpSpPr/>
-            <p:nvPr/>
-          </p:nvGrpSpPr>
-          <p:grpSpPr>
-            <a:xfrm>
-              <a:off x="228596" y="6231467"/>
-              <a:ext cx="2802471" cy="457084"/>
-              <a:chOff x="127000" y="5901146"/>
-              <a:chExt cx="5156200" cy="838200"/>
-            </a:xfrm>
-          </p:grpSpPr>
-          <p:sp>
-            <p:nvSpPr>
-              <p:cNvPr id="7" name="Dikdörtgen 6"/>
-              <p:cNvSpPr/>
-              <p:nvPr/>
-            </p:nvSpPr>
-            <p:spPr>
-              <a:xfrm>
-                <a:off x="127000" y="5901146"/>
-                <a:ext cx="5156200" cy="838200"/>
-              </a:xfrm>
-              <a:prstGeom prst="rect">
-                <a:avLst/>
-              </a:prstGeom>
-              <a:solidFill>
-                <a:schemeClr val="bg1">
-                  <a:lumMod val="95000"/>
-                </a:schemeClr>
-              </a:solidFill>
-              <a:ln>
-                <a:noFill/>
-              </a:ln>
-            </p:spPr>
-            <p:style>
-              <a:lnRef idx="2">
-                <a:schemeClr val="accent1">
-                  <a:shade val="50000"/>
-                </a:schemeClr>
-              </a:lnRef>
-              <a:fillRef idx="1">
-                <a:schemeClr val="accent1"/>
-              </a:fillRef>
-              <a:effectRef idx="0">
-                <a:schemeClr val="accent1"/>
-              </a:effectRef>
-              <a:fontRef idx="minor">
-                <a:schemeClr val="lt1"/>
-              </a:fontRef>
-            </p:style>
-            <p:txBody>
-              <a:bodyPr rtlCol="0" anchor="ctr"/>
-              <a:lstStyle/>
-              <a:p>
-                <a:pPr algn="ctr"/>
-                <a:endParaRPr lang="en-US" sz="2000"/>
-              </a:p>
-            </p:txBody>
-          </p:sp>
-          <p:grpSp>
-            <p:nvGrpSpPr>
-              <p:cNvPr id="6" name="Grup 5"/>
-              <p:cNvGrpSpPr/>
-              <p:nvPr/>
-            </p:nvGrpSpPr>
-            <p:grpSpPr>
-              <a:xfrm>
-                <a:off x="211667" y="6019800"/>
-                <a:ext cx="5012266" cy="605115"/>
-                <a:chOff x="211667" y="6019800"/>
-                <a:chExt cx="5012266" cy="605115"/>
-              </a:xfrm>
-            </p:grpSpPr>
-            <p:pic>
-              <p:nvPicPr>
-                <p:cNvPr id="4" name="Resim 3"/>
-                <p:cNvPicPr>
-                  <a:picLocks noChangeAspect="1"/>
-                </p:cNvPicPr>
-                <p:nvPr/>
-              </p:nvPicPr>
-              <p:blipFill rotWithShape="1">
-                <a:blip r:embed="rId2" cstate="print">
-                  <a:extLst>
-                    <a:ext uri="{28A0092B-C50C-407E-A947-70E740481C1C}">
-                      <a14:useLocalDpi xmlns:a14="http://schemas.microsoft.com/office/drawing/2010/main" val="0"/>
-                    </a:ext>
-                  </a:extLst>
-                </a:blip>
-                <a:srcRect l="24387" t="8319" r="18355" b="50150"/>
-                <a:stretch/>
-              </p:blipFill>
-              <p:spPr>
-                <a:xfrm>
-                  <a:off x="211667" y="6019800"/>
-                  <a:ext cx="1072095" cy="600892"/>
-                </a:xfrm>
-                <a:prstGeom prst="rect">
-                  <a:avLst/>
-                </a:prstGeom>
-              </p:spPr>
-            </p:pic>
-            <p:sp>
-              <p:nvSpPr>
-                <p:cNvPr id="5" name="Unvan 1"/>
-                <p:cNvSpPr txBox="1">
-                  <a:spLocks/>
-                </p:cNvSpPr>
-                <p:nvPr/>
-              </p:nvSpPr>
-              <p:spPr>
-                <a:xfrm>
-                  <a:off x="1283763" y="6024023"/>
-                  <a:ext cx="3940170" cy="600892"/>
-                </a:xfrm>
-                <a:prstGeom prst="rect">
-                  <a:avLst/>
-                </a:prstGeom>
-              </p:spPr>
-              <p:txBody>
-                <a:bodyPr vert="horz" lIns="91440" tIns="45720" rIns="91440" bIns="45720" rtlCol="0" anchor="b">
-                  <a:noAutofit/>
-                </a:bodyPr>
-                <a:lstStyle>
-                  <a:lvl1pPr algn="ctr" defTabSz="914400" rtl="0" eaLnBrk="1" latinLnBrk="0" hangingPunct="1">
-                    <a:lnSpc>
-                      <a:spcPct val="90000"/>
-                    </a:lnSpc>
-                    <a:spcBef>
-                      <a:spcPct val="0"/>
-                    </a:spcBef>
-                    <a:buNone/>
-                    <a:defRPr sz="6000" kern="1200">
-                      <a:solidFill>
-                        <a:schemeClr val="tx1"/>
-                      </a:solidFill>
-                      <a:latin typeface="+mj-lt"/>
-                      <a:ea typeface="+mj-ea"/>
-                      <a:cs typeface="+mj-cs"/>
-                    </a:defRPr>
-                  </a:lvl1pPr>
-                </a:lstStyle>
-                <a:p>
-                  <a:pPr algn="l"/>
-                  <a:r>
-                    <a:rPr lang="tr-TR" sz="2000" dirty="0" smtClean="0">
-                      <a:solidFill>
-                        <a:srgbClr val="CB171F"/>
-                      </a:solidFill>
-                      <a:latin typeface="Constantia" panose="02030602050306030303" pitchFamily="18" charset="0"/>
-                      <a:ea typeface="Verdana" panose="020B0604030504040204" pitchFamily="34" charset="0"/>
-                      <a:cs typeface="Arial" panose="020B0604020202020204" pitchFamily="34" charset="0"/>
-                    </a:rPr>
-                    <a:t>Veri Bilimi Okulu</a:t>
-                  </a:r>
-                  <a:endParaRPr lang="en-US" sz="2000" dirty="0">
-                    <a:solidFill>
-                      <a:srgbClr val="CB171F"/>
-                    </a:solidFill>
-                    <a:latin typeface="Constantia" panose="02030602050306030303" pitchFamily="18" charset="0"/>
-                    <a:ea typeface="Verdana" panose="020B0604030504040204" pitchFamily="34" charset="0"/>
-                    <a:cs typeface="Arial" panose="020B0604020202020204" pitchFamily="34" charset="0"/>
-                  </a:endParaRPr>
-                </a:p>
-              </p:txBody>
-            </p:sp>
-          </p:grpSp>
-        </p:grpSp>
-        <p:sp>
-          <p:nvSpPr>
-            <p:cNvPr id="12" name="Metin kutusu 11"/>
-            <p:cNvSpPr txBox="1"/>
-            <p:nvPr/>
-          </p:nvSpPr>
-          <p:spPr>
-            <a:xfrm>
-              <a:off x="1582782" y="6493211"/>
-              <a:ext cx="1687468" cy="230832"/>
-            </a:xfrm>
-            <a:prstGeom prst="rect">
-              <a:avLst/>
-            </a:prstGeom>
-            <a:noFill/>
-          </p:spPr>
-          <p:txBody>
-            <a:bodyPr wrap="square" rtlCol="0">
-              <a:spAutoFit/>
-            </a:bodyPr>
-            <a:lstStyle/>
-            <a:p>
-              <a:r>
-                <a:rPr lang="en-US" sz="900" dirty="0" smtClean="0">
-                  <a:solidFill>
-                    <a:srgbClr val="0B8043"/>
-                  </a:solidFill>
-                </a:rPr>
-                <a:t>https:</a:t>
-              </a:r>
-              <a:r>
-                <a:rPr lang="en-US" sz="900" dirty="0" smtClean="0">
-                  <a:solidFill>
-                    <a:schemeClr val="bg1">
-                      <a:lumMod val="50000"/>
-                    </a:schemeClr>
-                  </a:solidFill>
-                </a:rPr>
-                <a:t>//www.veribilimi.co</a:t>
-              </a:r>
-              <a:endParaRPr lang="en-US" sz="900" dirty="0">
-                <a:solidFill>
-                  <a:schemeClr val="bg1">
-                    <a:lumMod val="50000"/>
-                  </a:schemeClr>
-                </a:solidFill>
-              </a:endParaRPr>
-            </a:p>
-          </p:txBody>
-        </p:sp>
-      </p:grpSp>
-      <p:grpSp>
-        <p:nvGrpSpPr>
-          <p:cNvPr id="11" name="Grup 10"/>
-          <p:cNvGrpSpPr/>
-          <p:nvPr/>
-        </p:nvGrpSpPr>
-        <p:grpSpPr>
-          <a:xfrm>
-            <a:off x="9194796" y="6231467"/>
-            <a:ext cx="2802471" cy="457084"/>
-            <a:chOff x="184993" y="5905369"/>
-            <a:chExt cx="5156200" cy="838200"/>
-          </a:xfrm>
-        </p:grpSpPr>
-        <p:sp>
-          <p:nvSpPr>
-            <p:cNvPr id="13" name="Dikdörtgen 12"/>
-            <p:cNvSpPr/>
-            <p:nvPr/>
-          </p:nvSpPr>
-          <p:spPr>
-            <a:xfrm>
-              <a:off x="184993" y="5905369"/>
-              <a:ext cx="5156200" cy="838200"/>
-            </a:xfrm>
-            <a:prstGeom prst="rect">
-              <a:avLst/>
-            </a:prstGeom>
-            <a:solidFill>
-              <a:schemeClr val="bg1">
-                <a:lumMod val="95000"/>
-              </a:schemeClr>
-            </a:solidFill>
-            <a:ln>
-              <a:noFill/>
-            </a:ln>
-          </p:spPr>
-          <p:style>
-            <a:lnRef idx="2">
-              <a:schemeClr val="accent1">
-                <a:shade val="50000"/>
-              </a:schemeClr>
-            </a:lnRef>
-            <a:fillRef idx="1">
-              <a:schemeClr val="accent1"/>
-            </a:fillRef>
-            <a:effectRef idx="0">
-              <a:schemeClr val="accent1"/>
-            </a:effectRef>
-            <a:fontRef idx="minor">
-              <a:schemeClr val="lt1"/>
-            </a:fontRef>
-          </p:style>
-          <p:txBody>
-            <a:bodyPr rtlCol="0" anchor="ctr"/>
-            <a:lstStyle/>
-            <a:p>
-              <a:pPr algn="ctr"/>
-              <a:endParaRPr lang="en-US" sz="2000"/>
-            </a:p>
-          </p:txBody>
-        </p:sp>
-        <p:sp>
-          <p:nvSpPr>
-            <p:cNvPr id="14" name="Unvan 1"/>
-            <p:cNvSpPr txBox="1">
-              <a:spLocks/>
-            </p:cNvSpPr>
-            <p:nvPr/>
-          </p:nvSpPr>
-          <p:spPr>
-            <a:xfrm>
-              <a:off x="302252" y="6024023"/>
-              <a:ext cx="4921678" cy="600892"/>
-            </a:xfrm>
-            <a:prstGeom prst="rect">
-              <a:avLst/>
-            </a:prstGeom>
-          </p:spPr>
-          <p:txBody>
-            <a:bodyPr vert="horz" lIns="91440" tIns="45720" rIns="91440" bIns="45720" rtlCol="0" anchor="b">
-              <a:noAutofit/>
-            </a:bodyPr>
-            <a:lstStyle>
-              <a:lvl1pPr algn="ctr" defTabSz="914400" rtl="0" eaLnBrk="1" latinLnBrk="0" hangingPunct="1">
-                <a:lnSpc>
-                  <a:spcPct val="90000"/>
-                </a:lnSpc>
-                <a:spcBef>
-                  <a:spcPct val="0"/>
-                </a:spcBef>
-                <a:buNone/>
-                <a:defRPr sz="6000" kern="1200">
-                  <a:solidFill>
-                    <a:schemeClr val="tx1"/>
-                  </a:solidFill>
-                  <a:latin typeface="+mj-lt"/>
-                  <a:ea typeface="+mj-ea"/>
-                  <a:cs typeface="+mj-cs"/>
-                </a:defRPr>
-              </a:lvl1pPr>
-            </a:lstStyle>
-            <a:p>
-              <a:pPr algn="l"/>
-              <a:r>
-                <a:rPr lang="tr-TR" sz="2000" dirty="0">
-                  <a:solidFill>
-                    <a:srgbClr val="CB171F"/>
-                  </a:solidFill>
-                  <a:latin typeface="Constantia" panose="02030602050306030303" pitchFamily="18" charset="0"/>
-                  <a:ea typeface="Verdana" panose="020B0604030504040204" pitchFamily="34" charset="0"/>
-                  <a:cs typeface="Arial" panose="020B0604020202020204" pitchFamily="34" charset="0"/>
-                </a:rPr>
-                <a:t>A’dan Z’ye Büyük Veri</a:t>
-              </a:r>
-              <a:endParaRPr lang="en-US" sz="2000" dirty="0">
-                <a:solidFill>
-                  <a:srgbClr val="CB171F"/>
-                </a:solidFill>
-                <a:latin typeface="Constantia" panose="02030602050306030303" pitchFamily="18" charset="0"/>
-                <a:ea typeface="Verdana" panose="020B0604030504040204" pitchFamily="34" charset="0"/>
-                <a:cs typeface="Arial" panose="020B0604020202020204" pitchFamily="34" charset="0"/>
-              </a:endParaRPr>
-            </a:p>
-          </p:txBody>
-        </p:sp>
-      </p:grpSp>
       <p:sp>
         <p:nvSpPr>
           <p:cNvPr id="16" name="Unvan 1"/>
@@ -15746,7 +11979,7 @@
             <p:nvPr/>
           </p:nvPicPr>
           <p:blipFill>
-            <a:blip r:embed="rId3" cstate="print">
+            <a:blip r:embed="rId2" cstate="print">
               <a:extLst>
                 <a:ext uri="{28A0092B-C50C-407E-A947-70E740481C1C}">
                   <a14:useLocalDpi xmlns:a14="http://schemas.microsoft.com/office/drawing/2010/main" val="0"/>
@@ -15796,7 +12029,7 @@
             <a:p>
               <a:pPr algn="ctr"/>
               <a:r>
-                <a:rPr lang="tr-TR" sz="1000" b="1" dirty="0" smtClean="0">
+                <a:rPr lang="tr-TR" sz="1000" b="1" dirty="0">
                   <a:latin typeface="Arial" panose="020B0604020202020204" pitchFamily="34" charset="0"/>
                   <a:cs typeface="Arial" panose="020B0604020202020204" pitchFamily="34" charset="0"/>
                 </a:rPr>
@@ -15833,7 +12066,7 @@
             <p:nvPr/>
           </p:nvPicPr>
           <p:blipFill>
-            <a:blip r:embed="rId3" cstate="print">
+            <a:blip r:embed="rId2" cstate="print">
               <a:extLst>
                 <a:ext uri="{28A0092B-C50C-407E-A947-70E740481C1C}">
                   <a14:useLocalDpi xmlns:a14="http://schemas.microsoft.com/office/drawing/2010/main" val="0"/>
@@ -15883,7 +12116,7 @@
             <a:p>
               <a:pPr algn="ctr"/>
               <a:r>
-                <a:rPr lang="tr-TR" sz="1000" b="1" dirty="0" smtClean="0">
+                <a:rPr lang="tr-TR" sz="1000" b="1" dirty="0">
                   <a:latin typeface="Arial" panose="020B0604020202020204" pitchFamily="34" charset="0"/>
                   <a:cs typeface="Arial" panose="020B0604020202020204" pitchFamily="34" charset="0"/>
                 </a:rPr>
@@ -15920,7 +12153,7 @@
             <p:nvPr/>
           </p:nvPicPr>
           <p:blipFill>
-            <a:blip r:embed="rId3" cstate="print">
+            <a:blip r:embed="rId2" cstate="print">
               <a:extLst>
                 <a:ext uri="{28A0092B-C50C-407E-A947-70E740481C1C}">
                   <a14:useLocalDpi xmlns:a14="http://schemas.microsoft.com/office/drawing/2010/main" val="0"/>
@@ -15970,7 +12203,7 @@
             <a:p>
               <a:pPr algn="ctr"/>
               <a:r>
-                <a:rPr lang="tr-TR" sz="1000" b="1" dirty="0" smtClean="0">
+                <a:rPr lang="tr-TR" sz="1000" b="1" dirty="0">
                   <a:latin typeface="Arial" panose="020B0604020202020204" pitchFamily="34" charset="0"/>
                   <a:cs typeface="Arial" panose="020B0604020202020204" pitchFamily="34" charset="0"/>
                 </a:rPr>
@@ -15993,7 +12226,7 @@
           <p:nvPr/>
         </p:nvPicPr>
         <p:blipFill rotWithShape="1">
-          <a:blip r:embed="rId4" cstate="print">
+          <a:blip r:embed="rId3" cstate="print">
             <a:extLst>
               <a:ext uri="{28A0092B-C50C-407E-A947-70E740481C1C}">
                 <a14:useLocalDpi xmlns:a14="http://schemas.microsoft.com/office/drawing/2010/main" val="0"/>
@@ -16036,7 +12269,7 @@
             <p:nvPr/>
           </p:nvPicPr>
           <p:blipFill>
-            <a:blip r:embed="rId3" cstate="print">
+            <a:blip r:embed="rId2" cstate="print">
               <a:extLst>
                 <a:ext uri="{28A0092B-C50C-407E-A947-70E740481C1C}">
                   <a14:useLocalDpi xmlns:a14="http://schemas.microsoft.com/office/drawing/2010/main" val="0"/>
@@ -16086,7 +12319,7 @@
             <a:p>
               <a:pPr algn="ctr"/>
               <a:r>
-                <a:rPr lang="tr-TR" sz="1000" b="1" dirty="0" smtClean="0">
+                <a:rPr lang="tr-TR" sz="1000" b="1" dirty="0">
                   <a:latin typeface="Arial" panose="020B0604020202020204" pitchFamily="34" charset="0"/>
                   <a:cs typeface="Arial" panose="020B0604020202020204" pitchFamily="34" charset="0"/>
                 </a:rPr>
@@ -16174,41 +12407,34 @@
             <a:p>
               <a:pPr algn="ctr"/>
               <a:r>
-                <a:rPr lang="tr-TR" sz="1000" b="1" dirty="0" err="1" smtClean="0">
+                <a:rPr lang="tr-TR" sz="1000" b="1" dirty="0" err="1">
                   <a:latin typeface="Arial" panose="020B0604020202020204" pitchFamily="34" charset="0"/>
                   <a:cs typeface="Arial" panose="020B0604020202020204" pitchFamily="34" charset="0"/>
                 </a:rPr>
                 <a:t>Secondary</a:t>
               </a:r>
               <a:r>
-                <a:rPr lang="tr-TR" sz="1000" b="1" dirty="0" smtClean="0">
+                <a:rPr lang="tr-TR" sz="1000" b="1" dirty="0">
                   <a:latin typeface="Arial" panose="020B0604020202020204" pitchFamily="34" charset="0"/>
                   <a:cs typeface="Arial" panose="020B0604020202020204" pitchFamily="34" charset="0"/>
                 </a:rPr>
                 <a:t>/</a:t>
               </a:r>
               <a:r>
-                <a:rPr lang="tr-TR" sz="1000" b="1" dirty="0" err="1" smtClean="0">
+                <a:rPr lang="tr-TR" sz="1000" b="1" dirty="0" err="1">
                   <a:latin typeface="Arial" panose="020B0604020202020204" pitchFamily="34" charset="0"/>
                   <a:cs typeface="Arial" panose="020B0604020202020204" pitchFamily="34" charset="0"/>
                 </a:rPr>
                 <a:t>Standby</a:t>
               </a:r>
-              <a:r>
-                <a:rPr lang="tr-TR" sz="1000" b="1" dirty="0" smtClean="0">
-                  <a:latin typeface="Arial" panose="020B0604020202020204" pitchFamily="34" charset="0"/>
-                  <a:cs typeface="Arial" panose="020B0604020202020204" pitchFamily="34" charset="0"/>
-                </a:rPr>
-                <a:t/>
-              </a:r>
               <a:br>
-                <a:rPr lang="tr-TR" sz="1000" b="1" dirty="0" smtClean="0">
+                <a:rPr lang="tr-TR" sz="1000" b="1" dirty="0">
                   <a:latin typeface="Arial" panose="020B0604020202020204" pitchFamily="34" charset="0"/>
                   <a:cs typeface="Arial" panose="020B0604020202020204" pitchFamily="34" charset="0"/>
                 </a:rPr>
               </a:br>
               <a:r>
-                <a:rPr lang="tr-TR" sz="1000" b="1" dirty="0" err="1" smtClean="0">
+                <a:rPr lang="tr-TR" sz="1000" b="1" dirty="0" err="1">
                   <a:latin typeface="Arial" panose="020B0604020202020204" pitchFamily="34" charset="0"/>
                   <a:cs typeface="Arial" panose="020B0604020202020204" pitchFamily="34" charset="0"/>
                 </a:rPr>
@@ -16230,7 +12456,7 @@
             <p:nvPr/>
           </p:nvPicPr>
           <p:blipFill>
-            <a:blip r:embed="rId5" cstate="print">
+            <a:blip r:embed="rId4" cstate="print">
               <a:extLst>
                 <a:ext uri="{28A0092B-C50C-407E-A947-70E740481C1C}">
                   <a14:useLocalDpi xmlns:a14="http://schemas.microsoft.com/office/drawing/2010/main" val="0"/>
@@ -16290,21 +12516,21 @@
             <a:p>
               <a:pPr algn="ctr"/>
               <a:r>
-                <a:rPr lang="tr-TR" sz="1000" b="1" dirty="0" err="1" smtClean="0">
+                <a:rPr lang="tr-TR" sz="1000" b="1" dirty="0" err="1">
                   <a:latin typeface="Arial" panose="020B0604020202020204" pitchFamily="34" charset="0"/>
                   <a:cs typeface="Arial" panose="020B0604020202020204" pitchFamily="34" charset="0"/>
                 </a:rPr>
                 <a:t>Edge</a:t>
               </a:r>
               <a:r>
-                <a:rPr lang="tr-TR" sz="1000" b="1" dirty="0" smtClean="0">
+                <a:rPr lang="tr-TR" sz="1000" b="1" dirty="0">
                   <a:latin typeface="Arial" panose="020B0604020202020204" pitchFamily="34" charset="0"/>
                   <a:cs typeface="Arial" panose="020B0604020202020204" pitchFamily="34" charset="0"/>
                 </a:rPr>
                 <a:t> </a:t>
               </a:r>
               <a:r>
-                <a:rPr lang="tr-TR" sz="1000" b="1" dirty="0" err="1" smtClean="0">
+                <a:rPr lang="tr-TR" sz="1000" b="1" dirty="0" err="1">
                   <a:latin typeface="Arial" panose="020B0604020202020204" pitchFamily="34" charset="0"/>
                   <a:cs typeface="Arial" panose="020B0604020202020204" pitchFamily="34" charset="0"/>
                 </a:rPr>
@@ -16326,7 +12552,7 @@
             <p:nvPr/>
           </p:nvPicPr>
           <p:blipFill>
-            <a:blip r:embed="rId5" cstate="print">
+            <a:blip r:embed="rId4" cstate="print">
               <a:extLst>
                 <a:ext uri="{28A0092B-C50C-407E-A947-70E740481C1C}">
                   <a14:useLocalDpi xmlns:a14="http://schemas.microsoft.com/office/drawing/2010/main" val="0"/>
@@ -16386,7 +12612,7 @@
             <a:p>
               <a:pPr algn="ctr"/>
               <a:r>
-                <a:rPr lang="tr-TR" sz="1000" b="1" dirty="0" err="1" smtClean="0">
+                <a:rPr lang="tr-TR" sz="1000" b="1" dirty="0" err="1">
                   <a:latin typeface="Arial" panose="020B0604020202020204" pitchFamily="34" charset="0"/>
                   <a:cs typeface="Arial" panose="020B0604020202020204" pitchFamily="34" charset="0"/>
                 </a:rPr>
@@ -16408,7 +12634,7 @@
             <p:nvPr/>
           </p:nvPicPr>
           <p:blipFill>
-            <a:blip r:embed="rId5" cstate="print">
+            <a:blip r:embed="rId4" cstate="print">
               <a:extLst>
                 <a:ext uri="{28A0092B-C50C-407E-A947-70E740481C1C}">
                   <a14:useLocalDpi xmlns:a14="http://schemas.microsoft.com/office/drawing/2010/main" val="0"/>
@@ -17375,369 +13601,6 @@
           </a:fontRef>
         </p:style>
       </p:cxnSp>
-      <p:grpSp>
-        <p:nvGrpSpPr>
-          <p:cNvPr id="15" name="Grup 14"/>
-          <p:cNvGrpSpPr/>
-          <p:nvPr/>
-        </p:nvGrpSpPr>
-        <p:grpSpPr>
-          <a:xfrm>
-            <a:off x="228596" y="6231467"/>
-            <a:ext cx="3041654" cy="492576"/>
-            <a:chOff x="228596" y="6231467"/>
-            <a:chExt cx="3041654" cy="492576"/>
-          </a:xfrm>
-        </p:grpSpPr>
-        <p:grpSp>
-          <p:nvGrpSpPr>
-            <p:cNvPr id="8" name="Grup 7"/>
-            <p:cNvGrpSpPr/>
-            <p:nvPr/>
-          </p:nvGrpSpPr>
-          <p:grpSpPr>
-            <a:xfrm>
-              <a:off x="228596" y="6231467"/>
-              <a:ext cx="2802471" cy="457084"/>
-              <a:chOff x="127000" y="5901146"/>
-              <a:chExt cx="5156200" cy="838200"/>
-            </a:xfrm>
-          </p:grpSpPr>
-          <p:sp>
-            <p:nvSpPr>
-              <p:cNvPr id="7" name="Dikdörtgen 6"/>
-              <p:cNvSpPr/>
-              <p:nvPr/>
-            </p:nvSpPr>
-            <p:spPr>
-              <a:xfrm>
-                <a:off x="127000" y="5901146"/>
-                <a:ext cx="5156200" cy="838200"/>
-              </a:xfrm>
-              <a:prstGeom prst="rect">
-                <a:avLst/>
-              </a:prstGeom>
-              <a:solidFill>
-                <a:schemeClr val="bg1">
-                  <a:lumMod val="95000"/>
-                </a:schemeClr>
-              </a:solidFill>
-              <a:ln>
-                <a:noFill/>
-              </a:ln>
-            </p:spPr>
-            <p:style>
-              <a:lnRef idx="2">
-                <a:schemeClr val="accent1">
-                  <a:shade val="50000"/>
-                </a:schemeClr>
-              </a:lnRef>
-              <a:fillRef idx="1">
-                <a:schemeClr val="accent1"/>
-              </a:fillRef>
-              <a:effectRef idx="0">
-                <a:schemeClr val="accent1"/>
-              </a:effectRef>
-              <a:fontRef idx="minor">
-                <a:schemeClr val="lt1"/>
-              </a:fontRef>
-            </p:style>
-            <p:txBody>
-              <a:bodyPr rtlCol="0" anchor="ctr"/>
-              <a:lstStyle/>
-              <a:p>
-                <a:pPr algn="ctr"/>
-                <a:endParaRPr lang="en-US" sz="2000"/>
-              </a:p>
-            </p:txBody>
-          </p:sp>
-          <p:grpSp>
-            <p:nvGrpSpPr>
-              <p:cNvPr id="6" name="Grup 5"/>
-              <p:cNvGrpSpPr/>
-              <p:nvPr/>
-            </p:nvGrpSpPr>
-            <p:grpSpPr>
-              <a:xfrm>
-                <a:off x="211667" y="6019800"/>
-                <a:ext cx="5012266" cy="605115"/>
-                <a:chOff x="211667" y="6019800"/>
-                <a:chExt cx="5012266" cy="605115"/>
-              </a:xfrm>
-            </p:grpSpPr>
-            <p:pic>
-              <p:nvPicPr>
-                <p:cNvPr id="4" name="Resim 3"/>
-                <p:cNvPicPr>
-                  <a:picLocks noChangeAspect="1"/>
-                </p:cNvPicPr>
-                <p:nvPr/>
-              </p:nvPicPr>
-              <p:blipFill rotWithShape="1">
-                <a:blip r:embed="rId2" cstate="print">
-                  <a:extLst>
-                    <a:ext uri="{28A0092B-C50C-407E-A947-70E740481C1C}">
-                      <a14:useLocalDpi xmlns:a14="http://schemas.microsoft.com/office/drawing/2010/main" val="0"/>
-                    </a:ext>
-                  </a:extLst>
-                </a:blip>
-                <a:srcRect l="24387" t="8319" r="18355" b="50150"/>
-                <a:stretch/>
-              </p:blipFill>
-              <p:spPr>
-                <a:xfrm>
-                  <a:off x="211667" y="6019800"/>
-                  <a:ext cx="1072095" cy="600892"/>
-                </a:xfrm>
-                <a:prstGeom prst="rect">
-                  <a:avLst/>
-                </a:prstGeom>
-              </p:spPr>
-            </p:pic>
-            <p:sp>
-              <p:nvSpPr>
-                <p:cNvPr id="5" name="Unvan 1"/>
-                <p:cNvSpPr txBox="1">
-                  <a:spLocks/>
-                </p:cNvSpPr>
-                <p:nvPr/>
-              </p:nvSpPr>
-              <p:spPr>
-                <a:xfrm>
-                  <a:off x="1283763" y="6024023"/>
-                  <a:ext cx="3940170" cy="600892"/>
-                </a:xfrm>
-                <a:prstGeom prst="rect">
-                  <a:avLst/>
-                </a:prstGeom>
-              </p:spPr>
-              <p:txBody>
-                <a:bodyPr vert="horz" lIns="91440" tIns="45720" rIns="91440" bIns="45720" rtlCol="0" anchor="b">
-                  <a:noAutofit/>
-                </a:bodyPr>
-                <a:lstStyle>
-                  <a:lvl1pPr algn="ctr" defTabSz="914400" rtl="0" eaLnBrk="1" latinLnBrk="0" hangingPunct="1">
-                    <a:lnSpc>
-                      <a:spcPct val="90000"/>
-                    </a:lnSpc>
-                    <a:spcBef>
-                      <a:spcPct val="0"/>
-                    </a:spcBef>
-                    <a:buNone/>
-                    <a:defRPr sz="6000" kern="1200">
-                      <a:solidFill>
-                        <a:schemeClr val="tx1"/>
-                      </a:solidFill>
-                      <a:latin typeface="+mj-lt"/>
-                      <a:ea typeface="+mj-ea"/>
-                      <a:cs typeface="+mj-cs"/>
-                    </a:defRPr>
-                  </a:lvl1pPr>
-                </a:lstStyle>
-                <a:p>
-                  <a:pPr algn="l"/>
-                  <a:r>
-                    <a:rPr lang="tr-TR" sz="2000" dirty="0" smtClean="0">
-                      <a:solidFill>
-                        <a:srgbClr val="CB171F"/>
-                      </a:solidFill>
-                      <a:latin typeface="Constantia" panose="02030602050306030303" pitchFamily="18" charset="0"/>
-                      <a:ea typeface="Verdana" panose="020B0604030504040204" pitchFamily="34" charset="0"/>
-                      <a:cs typeface="Arial" panose="020B0604020202020204" pitchFamily="34" charset="0"/>
-                    </a:rPr>
-                    <a:t>Veri Bilimi Okulu</a:t>
-                  </a:r>
-                  <a:endParaRPr lang="en-US" sz="2000" dirty="0">
-                    <a:solidFill>
-                      <a:srgbClr val="CB171F"/>
-                    </a:solidFill>
-                    <a:latin typeface="Constantia" panose="02030602050306030303" pitchFamily="18" charset="0"/>
-                    <a:ea typeface="Verdana" panose="020B0604030504040204" pitchFamily="34" charset="0"/>
-                    <a:cs typeface="Arial" panose="020B0604020202020204" pitchFamily="34" charset="0"/>
-                  </a:endParaRPr>
-                </a:p>
-              </p:txBody>
-            </p:sp>
-          </p:grpSp>
-        </p:grpSp>
-        <p:sp>
-          <p:nvSpPr>
-            <p:cNvPr id="12" name="Metin kutusu 11"/>
-            <p:cNvSpPr txBox="1"/>
-            <p:nvPr/>
-          </p:nvSpPr>
-          <p:spPr>
-            <a:xfrm>
-              <a:off x="1582782" y="6493211"/>
-              <a:ext cx="1687468" cy="230832"/>
-            </a:xfrm>
-            <a:prstGeom prst="rect">
-              <a:avLst/>
-            </a:prstGeom>
-            <a:noFill/>
-          </p:spPr>
-          <p:txBody>
-            <a:bodyPr wrap="square" rtlCol="0">
-              <a:spAutoFit/>
-            </a:bodyPr>
-            <a:lstStyle/>
-            <a:p>
-              <a:r>
-                <a:rPr lang="en-US" sz="900" dirty="0" smtClean="0">
-                  <a:solidFill>
-                    <a:srgbClr val="0B8043"/>
-                  </a:solidFill>
-                </a:rPr>
-                <a:t>https:</a:t>
-              </a:r>
-              <a:r>
-                <a:rPr lang="en-US" sz="900" dirty="0" smtClean="0">
-                  <a:solidFill>
-                    <a:schemeClr val="bg1">
-                      <a:lumMod val="50000"/>
-                    </a:schemeClr>
-                  </a:solidFill>
-                </a:rPr>
-                <a:t>//www.veribilimi.co</a:t>
-              </a:r>
-              <a:endParaRPr lang="en-US" sz="900" dirty="0">
-                <a:solidFill>
-                  <a:schemeClr val="bg1">
-                    <a:lumMod val="50000"/>
-                  </a:schemeClr>
-                </a:solidFill>
-              </a:endParaRPr>
-            </a:p>
-          </p:txBody>
-        </p:sp>
-      </p:grpSp>
-      <p:grpSp>
-        <p:nvGrpSpPr>
-          <p:cNvPr id="11" name="Grup 10"/>
-          <p:cNvGrpSpPr/>
-          <p:nvPr/>
-        </p:nvGrpSpPr>
-        <p:grpSpPr>
-          <a:xfrm>
-            <a:off x="9194796" y="6231467"/>
-            <a:ext cx="2802471" cy="457084"/>
-            <a:chOff x="184993" y="5905369"/>
-            <a:chExt cx="5156200" cy="838200"/>
-          </a:xfrm>
-        </p:grpSpPr>
-        <p:sp>
-          <p:nvSpPr>
-            <p:cNvPr id="13" name="Dikdörtgen 12"/>
-            <p:cNvSpPr/>
-            <p:nvPr/>
-          </p:nvSpPr>
-          <p:spPr>
-            <a:xfrm>
-              <a:off x="184993" y="5905369"/>
-              <a:ext cx="5156200" cy="838200"/>
-            </a:xfrm>
-            <a:prstGeom prst="rect">
-              <a:avLst/>
-            </a:prstGeom>
-            <a:solidFill>
-              <a:schemeClr val="bg1">
-                <a:lumMod val="95000"/>
-              </a:schemeClr>
-            </a:solidFill>
-            <a:ln>
-              <a:noFill/>
-            </a:ln>
-          </p:spPr>
-          <p:style>
-            <a:lnRef idx="2">
-              <a:schemeClr val="accent1">
-                <a:shade val="50000"/>
-              </a:schemeClr>
-            </a:lnRef>
-            <a:fillRef idx="1">
-              <a:schemeClr val="accent1"/>
-            </a:fillRef>
-            <a:effectRef idx="0">
-              <a:schemeClr val="accent1"/>
-            </a:effectRef>
-            <a:fontRef idx="minor">
-              <a:schemeClr val="lt1"/>
-            </a:fontRef>
-          </p:style>
-          <p:txBody>
-            <a:bodyPr rtlCol="0" anchor="ctr"/>
-            <a:lstStyle/>
-            <a:p>
-              <a:pPr algn="ctr"/>
-              <a:endParaRPr lang="en-US" sz="2000"/>
-            </a:p>
-          </p:txBody>
-        </p:sp>
-        <p:sp>
-          <p:nvSpPr>
-            <p:cNvPr id="14" name="Unvan 1"/>
-            <p:cNvSpPr txBox="1">
-              <a:spLocks/>
-            </p:cNvSpPr>
-            <p:nvPr/>
-          </p:nvSpPr>
-          <p:spPr>
-            <a:xfrm>
-              <a:off x="302252" y="6024023"/>
-              <a:ext cx="4921678" cy="600892"/>
-            </a:xfrm>
-            <a:prstGeom prst="rect">
-              <a:avLst/>
-            </a:prstGeom>
-          </p:spPr>
-          <p:txBody>
-            <a:bodyPr vert="horz" lIns="91440" tIns="45720" rIns="91440" bIns="45720" rtlCol="0" anchor="b">
-              <a:noAutofit/>
-            </a:bodyPr>
-            <a:lstStyle>
-              <a:lvl1pPr algn="ctr" defTabSz="914400" rtl="0" eaLnBrk="1" latinLnBrk="0" hangingPunct="1">
-                <a:lnSpc>
-                  <a:spcPct val="90000"/>
-                </a:lnSpc>
-                <a:spcBef>
-                  <a:spcPct val="0"/>
-                </a:spcBef>
-                <a:buNone/>
-                <a:defRPr sz="6000" kern="1200">
-                  <a:solidFill>
-                    <a:schemeClr val="tx1"/>
-                  </a:solidFill>
-                  <a:latin typeface="+mj-lt"/>
-                  <a:ea typeface="+mj-ea"/>
-                  <a:cs typeface="+mj-cs"/>
-                </a:defRPr>
-              </a:lvl1pPr>
-            </a:lstStyle>
-            <a:p>
-              <a:pPr algn="l"/>
-              <a:r>
-                <a:rPr lang="tr-TR" sz="2000" dirty="0">
-                  <a:solidFill>
-                    <a:srgbClr val="CB171F"/>
-                  </a:solidFill>
-                  <a:latin typeface="Constantia" panose="02030602050306030303" pitchFamily="18" charset="0"/>
-                  <a:ea typeface="Verdana" panose="020B0604030504040204" pitchFamily="34" charset="0"/>
-                  <a:cs typeface="Arial" panose="020B0604020202020204" pitchFamily="34" charset="0"/>
-                </a:rPr>
-                <a:t>A’dan Z’ye Büyük Veri</a:t>
-              </a:r>
-              <a:endParaRPr lang="en-US" sz="2000" dirty="0">
-                <a:solidFill>
-                  <a:srgbClr val="CB171F"/>
-                </a:solidFill>
-                <a:latin typeface="Constantia" panose="02030602050306030303" pitchFamily="18" charset="0"/>
-                <a:ea typeface="Verdana" panose="020B0604030504040204" pitchFamily="34" charset="0"/>
-                <a:cs typeface="Arial" panose="020B0604020202020204" pitchFamily="34" charset="0"/>
-              </a:endParaRPr>
-            </a:p>
-          </p:txBody>
-        </p:sp>
-      </p:grpSp>
       <p:sp>
         <p:nvSpPr>
           <p:cNvPr id="16" name="Unvan 1"/>
@@ -17761,7 +13624,7 @@
           <a:lstStyle/>
           <a:p>
             <a:r>
-              <a:rPr lang="tr-TR" sz="4200" b="1" dirty="0" smtClean="0">
+              <a:rPr lang="tr-TR" sz="4200" b="1" dirty="0">
                 <a:solidFill>
                   <a:srgbClr val="CD1F26"/>
                 </a:solidFill>
@@ -17772,7 +13635,7 @@
               <a:t>Name </a:t>
             </a:r>
             <a:r>
-              <a:rPr lang="tr-TR" sz="4200" b="1" dirty="0" err="1" smtClean="0">
+              <a:rPr lang="tr-TR" sz="4200" b="1" dirty="0" err="1">
                 <a:solidFill>
                   <a:srgbClr val="CD1F26"/>
                 </a:solidFill>
@@ -17783,7 +13646,7 @@
               <a:t>Node</a:t>
             </a:r>
             <a:r>
-              <a:rPr lang="tr-TR" sz="4200" b="1" dirty="0" smtClean="0">
+              <a:rPr lang="tr-TR" sz="4200" b="1" dirty="0">
                 <a:solidFill>
                   <a:srgbClr val="CD1F26"/>
                 </a:solidFill>
@@ -17794,7 +13657,7 @@
               <a:t> ve </a:t>
             </a:r>
             <a:r>
-              <a:rPr lang="tr-TR" sz="4200" b="1" dirty="0" err="1" smtClean="0">
+              <a:rPr lang="tr-TR" sz="4200" b="1" dirty="0" err="1">
                 <a:solidFill>
                   <a:srgbClr val="CD1F26"/>
                 </a:solidFill>
@@ -18054,7 +13917,7 @@
             <p:nvPr/>
           </p:nvPicPr>
           <p:blipFill>
-            <a:blip r:embed="rId3" cstate="print">
+            <a:blip r:embed="rId2" cstate="print">
               <a:extLst>
                 <a:ext uri="{28A0092B-C50C-407E-A947-70E740481C1C}">
                   <a14:useLocalDpi xmlns:a14="http://schemas.microsoft.com/office/drawing/2010/main" val="0"/>
@@ -18104,7 +13967,7 @@
             <a:p>
               <a:pPr algn="ctr"/>
               <a:r>
-                <a:rPr lang="tr-TR" sz="1000" b="1" dirty="0" smtClean="0">
+                <a:rPr lang="tr-TR" sz="1000" b="1" dirty="0">
                   <a:latin typeface="Arial" panose="020B0604020202020204" pitchFamily="34" charset="0"/>
                   <a:cs typeface="Arial" panose="020B0604020202020204" pitchFamily="34" charset="0"/>
                 </a:rPr>
@@ -18141,7 +14004,7 @@
             <p:nvPr/>
           </p:nvPicPr>
           <p:blipFill>
-            <a:blip r:embed="rId3" cstate="print">
+            <a:blip r:embed="rId2" cstate="print">
               <a:extLst>
                 <a:ext uri="{28A0092B-C50C-407E-A947-70E740481C1C}">
                   <a14:useLocalDpi xmlns:a14="http://schemas.microsoft.com/office/drawing/2010/main" val="0"/>
@@ -18191,7 +14054,7 @@
             <a:p>
               <a:pPr algn="ctr"/>
               <a:r>
-                <a:rPr lang="tr-TR" sz="1000" b="1" dirty="0" smtClean="0">
+                <a:rPr lang="tr-TR" sz="1000" b="1" dirty="0">
                   <a:latin typeface="Arial" panose="020B0604020202020204" pitchFamily="34" charset="0"/>
                   <a:cs typeface="Arial" panose="020B0604020202020204" pitchFamily="34" charset="0"/>
                 </a:rPr>
@@ -18228,7 +14091,7 @@
             <p:nvPr/>
           </p:nvPicPr>
           <p:blipFill>
-            <a:blip r:embed="rId3" cstate="print">
+            <a:blip r:embed="rId2" cstate="print">
               <a:extLst>
                 <a:ext uri="{28A0092B-C50C-407E-A947-70E740481C1C}">
                   <a14:useLocalDpi xmlns:a14="http://schemas.microsoft.com/office/drawing/2010/main" val="0"/>
@@ -18278,7 +14141,7 @@
             <a:p>
               <a:pPr algn="ctr"/>
               <a:r>
-                <a:rPr lang="tr-TR" sz="1000" b="1" dirty="0" smtClean="0">
+                <a:rPr lang="tr-TR" sz="1000" b="1" dirty="0">
                   <a:latin typeface="Arial" panose="020B0604020202020204" pitchFamily="34" charset="0"/>
                   <a:cs typeface="Arial" panose="020B0604020202020204" pitchFamily="34" charset="0"/>
                 </a:rPr>
@@ -18301,7 +14164,7 @@
           <p:nvPr/>
         </p:nvPicPr>
         <p:blipFill rotWithShape="1">
-          <a:blip r:embed="rId4" cstate="print">
+          <a:blip r:embed="rId3" cstate="print">
             <a:extLst>
               <a:ext uri="{28A0092B-C50C-407E-A947-70E740481C1C}">
                 <a14:useLocalDpi xmlns:a14="http://schemas.microsoft.com/office/drawing/2010/main" val="0"/>
@@ -18344,7 +14207,7 @@
             <p:nvPr/>
           </p:nvPicPr>
           <p:blipFill>
-            <a:blip r:embed="rId3" cstate="print">
+            <a:blip r:embed="rId2" cstate="print">
               <a:extLst>
                 <a:ext uri="{28A0092B-C50C-407E-A947-70E740481C1C}">
                   <a14:useLocalDpi xmlns:a14="http://schemas.microsoft.com/office/drawing/2010/main" val="0"/>
@@ -18394,7 +14257,7 @@
             <a:p>
               <a:pPr algn="ctr"/>
               <a:r>
-                <a:rPr lang="tr-TR" sz="1000" b="1" dirty="0" smtClean="0">
+                <a:rPr lang="tr-TR" sz="1000" b="1" dirty="0">
                   <a:latin typeface="Arial" panose="020B0604020202020204" pitchFamily="34" charset="0"/>
                   <a:cs typeface="Arial" panose="020B0604020202020204" pitchFamily="34" charset="0"/>
                 </a:rPr>
@@ -18453,7 +14316,7 @@
           <p:nvPr/>
         </p:nvPicPr>
         <p:blipFill>
-          <a:blip r:embed="rId5" cstate="print">
+          <a:blip r:embed="rId4" cstate="print">
             <a:extLst>
               <a:ext uri="{28A0092B-C50C-407E-A947-70E740481C1C}">
                 <a14:useLocalDpi xmlns:a14="http://schemas.microsoft.com/office/drawing/2010/main" val="0"/>
@@ -18512,41 +14375,34 @@
             <a:p>
               <a:pPr algn="ctr"/>
               <a:r>
-                <a:rPr lang="tr-TR" sz="1000" b="1" dirty="0" err="1" smtClean="0">
+                <a:rPr lang="tr-TR" sz="1000" b="1" dirty="0" err="1">
                   <a:latin typeface="Arial" panose="020B0604020202020204" pitchFamily="34" charset="0"/>
                   <a:cs typeface="Arial" panose="020B0604020202020204" pitchFamily="34" charset="0"/>
                 </a:rPr>
                 <a:t>Secondary</a:t>
               </a:r>
               <a:r>
-                <a:rPr lang="tr-TR" sz="1000" b="1" dirty="0" smtClean="0">
+                <a:rPr lang="tr-TR" sz="1000" b="1" dirty="0">
                   <a:latin typeface="Arial" panose="020B0604020202020204" pitchFamily="34" charset="0"/>
                   <a:cs typeface="Arial" panose="020B0604020202020204" pitchFamily="34" charset="0"/>
                 </a:rPr>
                 <a:t>/</a:t>
               </a:r>
               <a:r>
-                <a:rPr lang="tr-TR" sz="1000" b="1" dirty="0" err="1" smtClean="0">
+                <a:rPr lang="tr-TR" sz="1000" b="1" dirty="0" err="1">
                   <a:latin typeface="Arial" panose="020B0604020202020204" pitchFamily="34" charset="0"/>
                   <a:cs typeface="Arial" panose="020B0604020202020204" pitchFamily="34" charset="0"/>
                 </a:rPr>
                 <a:t>Standby</a:t>
               </a:r>
-              <a:r>
-                <a:rPr lang="tr-TR" sz="1000" b="1" dirty="0" smtClean="0">
-                  <a:latin typeface="Arial" panose="020B0604020202020204" pitchFamily="34" charset="0"/>
-                  <a:cs typeface="Arial" panose="020B0604020202020204" pitchFamily="34" charset="0"/>
-                </a:rPr>
-                <a:t/>
-              </a:r>
               <a:br>
-                <a:rPr lang="tr-TR" sz="1000" b="1" dirty="0" smtClean="0">
+                <a:rPr lang="tr-TR" sz="1000" b="1" dirty="0">
                   <a:latin typeface="Arial" panose="020B0604020202020204" pitchFamily="34" charset="0"/>
                   <a:cs typeface="Arial" panose="020B0604020202020204" pitchFamily="34" charset="0"/>
                 </a:rPr>
               </a:br>
               <a:r>
-                <a:rPr lang="tr-TR" sz="1000" b="1" dirty="0" err="1" smtClean="0">
+                <a:rPr lang="tr-TR" sz="1000" b="1" dirty="0" err="1">
                   <a:latin typeface="Arial" panose="020B0604020202020204" pitchFamily="34" charset="0"/>
                   <a:cs typeface="Arial" panose="020B0604020202020204" pitchFamily="34" charset="0"/>
                 </a:rPr>
@@ -18568,7 +14424,7 @@
             <p:nvPr/>
           </p:nvPicPr>
           <p:blipFill>
-            <a:blip r:embed="rId6" cstate="print">
+            <a:blip r:embed="rId5" cstate="print">
               <a:extLst>
                 <a:ext uri="{28A0092B-C50C-407E-A947-70E740481C1C}">
                   <a14:useLocalDpi xmlns:a14="http://schemas.microsoft.com/office/drawing/2010/main" val="0"/>
@@ -18628,21 +14484,21 @@
             <a:p>
               <a:pPr algn="ctr"/>
               <a:r>
-                <a:rPr lang="tr-TR" sz="1000" b="1" dirty="0" err="1" smtClean="0">
+                <a:rPr lang="tr-TR" sz="1000" b="1" dirty="0" err="1">
                   <a:latin typeface="Arial" panose="020B0604020202020204" pitchFamily="34" charset="0"/>
                   <a:cs typeface="Arial" panose="020B0604020202020204" pitchFamily="34" charset="0"/>
                 </a:rPr>
                 <a:t>Edge</a:t>
               </a:r>
               <a:r>
-                <a:rPr lang="tr-TR" sz="1000" b="1" dirty="0" smtClean="0">
+                <a:rPr lang="tr-TR" sz="1000" b="1" dirty="0">
                   <a:latin typeface="Arial" panose="020B0604020202020204" pitchFamily="34" charset="0"/>
                   <a:cs typeface="Arial" panose="020B0604020202020204" pitchFamily="34" charset="0"/>
                 </a:rPr>
                 <a:t> </a:t>
               </a:r>
               <a:r>
-                <a:rPr lang="tr-TR" sz="1000" b="1" dirty="0" err="1" smtClean="0">
+                <a:rPr lang="tr-TR" sz="1000" b="1" dirty="0" err="1">
                   <a:latin typeface="Arial" panose="020B0604020202020204" pitchFamily="34" charset="0"/>
                   <a:cs typeface="Arial" panose="020B0604020202020204" pitchFamily="34" charset="0"/>
                 </a:rPr>
@@ -18664,7 +14520,7 @@
             <p:nvPr/>
           </p:nvPicPr>
           <p:blipFill>
-            <a:blip r:embed="rId6" cstate="print">
+            <a:blip r:embed="rId5" cstate="print">
               <a:extLst>
                 <a:ext uri="{28A0092B-C50C-407E-A947-70E740481C1C}">
                   <a14:useLocalDpi xmlns:a14="http://schemas.microsoft.com/office/drawing/2010/main" val="0"/>
@@ -18724,7 +14580,7 @@
             <a:p>
               <a:pPr algn="ctr"/>
               <a:r>
-                <a:rPr lang="tr-TR" sz="1000" b="1" dirty="0" err="1" smtClean="0">
+                <a:rPr lang="tr-TR" sz="1000" b="1" dirty="0" err="1">
                   <a:latin typeface="Arial" panose="020B0604020202020204" pitchFamily="34" charset="0"/>
                   <a:cs typeface="Arial" panose="020B0604020202020204" pitchFamily="34" charset="0"/>
                 </a:rPr>
@@ -18746,7 +14602,7 @@
             <p:nvPr/>
           </p:nvPicPr>
           <p:blipFill>
-            <a:blip r:embed="rId6" cstate="print">
+            <a:blip r:embed="rId5" cstate="print">
               <a:extLst>
                 <a:ext uri="{28A0092B-C50C-407E-A947-70E740481C1C}">
                   <a14:useLocalDpi xmlns:a14="http://schemas.microsoft.com/office/drawing/2010/main" val="0"/>
@@ -18826,56 +14682,56 @@
           <a:lstStyle/>
           <a:p>
             <a:r>
-              <a:rPr lang="tr-TR" dirty="0" err="1" smtClean="0"/>
+              <a:rPr lang="tr-TR" dirty="0" err="1"/>
               <a:t>Metadata</a:t>
             </a:r>
             <a:r>
-              <a:rPr lang="tr-TR" dirty="0" smtClean="0"/>
+              <a:rPr lang="tr-TR" dirty="0"/>
               <a:t>, dosya sistemi, blok adresleri</a:t>
             </a:r>
           </a:p>
           <a:p>
             <a:r>
-              <a:rPr lang="tr-TR" dirty="0" smtClean="0"/>
+              <a:rPr lang="tr-TR" dirty="0"/>
               <a:t>Kullanıcı erişim yetki kontrolü</a:t>
             </a:r>
             <a:endParaRPr lang="en-US" dirty="0"/>
           </a:p>
           <a:p>
             <a:r>
-              <a:rPr lang="tr-TR" dirty="0" smtClean="0"/>
+              <a:rPr lang="tr-TR" dirty="0"/>
               <a:t>Dosya sistemi operasyonlarını yönetmek (okuma, yazma, yaratma, taşıma vs.)</a:t>
             </a:r>
           </a:p>
           <a:p>
             <a:r>
-              <a:rPr lang="tr-TR" dirty="0" err="1" smtClean="0"/>
+              <a:rPr lang="tr-TR" dirty="0" err="1"/>
               <a:t>DataNode’ları</a:t>
             </a:r>
             <a:r>
-              <a:rPr lang="tr-TR" dirty="0" smtClean="0"/>
+              <a:rPr lang="tr-TR" dirty="0"/>
               <a:t> kayıt etmek, nabızlarını tutmak</a:t>
             </a:r>
             <a:endParaRPr lang="en-US" dirty="0"/>
           </a:p>
           <a:p>
             <a:r>
-              <a:rPr lang="tr-TR" dirty="0" err="1" smtClean="0"/>
+              <a:rPr lang="tr-TR" dirty="0" err="1"/>
               <a:t>Replikasyon</a:t>
             </a:r>
             <a:r>
-              <a:rPr lang="tr-TR" dirty="0" smtClean="0"/>
+              <a:rPr lang="tr-TR" dirty="0"/>
               <a:t> talimatı vermek</a:t>
             </a:r>
             <a:endParaRPr lang="en-US" dirty="0"/>
           </a:p>
           <a:p>
             <a:r>
-              <a:rPr lang="tr-TR" dirty="0" err="1" smtClean="0"/>
+              <a:rPr lang="tr-TR" dirty="0" err="1"/>
               <a:t>DataNode’lardan</a:t>
             </a:r>
             <a:r>
-              <a:rPr lang="tr-TR" dirty="0" smtClean="0"/>
+              <a:rPr lang="tr-TR" dirty="0"/>
               <a:t> gelen blok raporlarını işlemek</a:t>
             </a:r>
             <a:endParaRPr lang="en-US" dirty="0"/>
@@ -19693,369 +15549,6 @@
           </a:fontRef>
         </p:style>
       </p:cxnSp>
-      <p:grpSp>
-        <p:nvGrpSpPr>
-          <p:cNvPr id="15" name="Grup 14"/>
-          <p:cNvGrpSpPr/>
-          <p:nvPr/>
-        </p:nvGrpSpPr>
-        <p:grpSpPr>
-          <a:xfrm>
-            <a:off x="228596" y="6231467"/>
-            <a:ext cx="3041654" cy="492576"/>
-            <a:chOff x="228596" y="6231467"/>
-            <a:chExt cx="3041654" cy="492576"/>
-          </a:xfrm>
-        </p:grpSpPr>
-        <p:grpSp>
-          <p:nvGrpSpPr>
-            <p:cNvPr id="8" name="Grup 7"/>
-            <p:cNvGrpSpPr/>
-            <p:nvPr/>
-          </p:nvGrpSpPr>
-          <p:grpSpPr>
-            <a:xfrm>
-              <a:off x="228596" y="6231467"/>
-              <a:ext cx="2802471" cy="457084"/>
-              <a:chOff x="127000" y="5901146"/>
-              <a:chExt cx="5156200" cy="838200"/>
-            </a:xfrm>
-          </p:grpSpPr>
-          <p:sp>
-            <p:nvSpPr>
-              <p:cNvPr id="7" name="Dikdörtgen 6"/>
-              <p:cNvSpPr/>
-              <p:nvPr/>
-            </p:nvSpPr>
-            <p:spPr>
-              <a:xfrm>
-                <a:off x="127000" y="5901146"/>
-                <a:ext cx="5156200" cy="838200"/>
-              </a:xfrm>
-              <a:prstGeom prst="rect">
-                <a:avLst/>
-              </a:prstGeom>
-              <a:solidFill>
-                <a:schemeClr val="bg1">
-                  <a:lumMod val="95000"/>
-                </a:schemeClr>
-              </a:solidFill>
-              <a:ln>
-                <a:noFill/>
-              </a:ln>
-            </p:spPr>
-            <p:style>
-              <a:lnRef idx="2">
-                <a:schemeClr val="accent1">
-                  <a:shade val="50000"/>
-                </a:schemeClr>
-              </a:lnRef>
-              <a:fillRef idx="1">
-                <a:schemeClr val="accent1"/>
-              </a:fillRef>
-              <a:effectRef idx="0">
-                <a:schemeClr val="accent1"/>
-              </a:effectRef>
-              <a:fontRef idx="minor">
-                <a:schemeClr val="lt1"/>
-              </a:fontRef>
-            </p:style>
-            <p:txBody>
-              <a:bodyPr rtlCol="0" anchor="ctr"/>
-              <a:lstStyle/>
-              <a:p>
-                <a:pPr algn="ctr"/>
-                <a:endParaRPr lang="en-US" sz="2000"/>
-              </a:p>
-            </p:txBody>
-          </p:sp>
-          <p:grpSp>
-            <p:nvGrpSpPr>
-              <p:cNvPr id="6" name="Grup 5"/>
-              <p:cNvGrpSpPr/>
-              <p:nvPr/>
-            </p:nvGrpSpPr>
-            <p:grpSpPr>
-              <a:xfrm>
-                <a:off x="211667" y="6019800"/>
-                <a:ext cx="5012266" cy="605115"/>
-                <a:chOff x="211667" y="6019800"/>
-                <a:chExt cx="5012266" cy="605115"/>
-              </a:xfrm>
-            </p:grpSpPr>
-            <p:pic>
-              <p:nvPicPr>
-                <p:cNvPr id="4" name="Resim 3"/>
-                <p:cNvPicPr>
-                  <a:picLocks noChangeAspect="1"/>
-                </p:cNvPicPr>
-                <p:nvPr/>
-              </p:nvPicPr>
-              <p:blipFill rotWithShape="1">
-                <a:blip r:embed="rId2" cstate="print">
-                  <a:extLst>
-                    <a:ext uri="{28A0092B-C50C-407E-A947-70E740481C1C}">
-                      <a14:useLocalDpi xmlns:a14="http://schemas.microsoft.com/office/drawing/2010/main" val="0"/>
-                    </a:ext>
-                  </a:extLst>
-                </a:blip>
-                <a:srcRect l="24387" t="8319" r="18355" b="50150"/>
-                <a:stretch/>
-              </p:blipFill>
-              <p:spPr>
-                <a:xfrm>
-                  <a:off x="211667" y="6019800"/>
-                  <a:ext cx="1072095" cy="600892"/>
-                </a:xfrm>
-                <a:prstGeom prst="rect">
-                  <a:avLst/>
-                </a:prstGeom>
-              </p:spPr>
-            </p:pic>
-            <p:sp>
-              <p:nvSpPr>
-                <p:cNvPr id="5" name="Unvan 1"/>
-                <p:cNvSpPr txBox="1">
-                  <a:spLocks/>
-                </p:cNvSpPr>
-                <p:nvPr/>
-              </p:nvSpPr>
-              <p:spPr>
-                <a:xfrm>
-                  <a:off x="1283763" y="6024023"/>
-                  <a:ext cx="3940170" cy="600892"/>
-                </a:xfrm>
-                <a:prstGeom prst="rect">
-                  <a:avLst/>
-                </a:prstGeom>
-              </p:spPr>
-              <p:txBody>
-                <a:bodyPr vert="horz" lIns="91440" tIns="45720" rIns="91440" bIns="45720" rtlCol="0" anchor="b">
-                  <a:noAutofit/>
-                </a:bodyPr>
-                <a:lstStyle>
-                  <a:lvl1pPr algn="ctr" defTabSz="914400" rtl="0" eaLnBrk="1" latinLnBrk="0" hangingPunct="1">
-                    <a:lnSpc>
-                      <a:spcPct val="90000"/>
-                    </a:lnSpc>
-                    <a:spcBef>
-                      <a:spcPct val="0"/>
-                    </a:spcBef>
-                    <a:buNone/>
-                    <a:defRPr sz="6000" kern="1200">
-                      <a:solidFill>
-                        <a:schemeClr val="tx1"/>
-                      </a:solidFill>
-                      <a:latin typeface="+mj-lt"/>
-                      <a:ea typeface="+mj-ea"/>
-                      <a:cs typeface="+mj-cs"/>
-                    </a:defRPr>
-                  </a:lvl1pPr>
-                </a:lstStyle>
-                <a:p>
-                  <a:pPr algn="l"/>
-                  <a:r>
-                    <a:rPr lang="tr-TR" sz="2000" dirty="0" smtClean="0">
-                      <a:solidFill>
-                        <a:srgbClr val="CB171F"/>
-                      </a:solidFill>
-                      <a:latin typeface="Constantia" panose="02030602050306030303" pitchFamily="18" charset="0"/>
-                      <a:ea typeface="Verdana" panose="020B0604030504040204" pitchFamily="34" charset="0"/>
-                      <a:cs typeface="Arial" panose="020B0604020202020204" pitchFamily="34" charset="0"/>
-                    </a:rPr>
-                    <a:t>Veri Bilimi Okulu</a:t>
-                  </a:r>
-                  <a:endParaRPr lang="en-US" sz="2000" dirty="0">
-                    <a:solidFill>
-                      <a:srgbClr val="CB171F"/>
-                    </a:solidFill>
-                    <a:latin typeface="Constantia" panose="02030602050306030303" pitchFamily="18" charset="0"/>
-                    <a:ea typeface="Verdana" panose="020B0604030504040204" pitchFamily="34" charset="0"/>
-                    <a:cs typeface="Arial" panose="020B0604020202020204" pitchFamily="34" charset="0"/>
-                  </a:endParaRPr>
-                </a:p>
-              </p:txBody>
-            </p:sp>
-          </p:grpSp>
-        </p:grpSp>
-        <p:sp>
-          <p:nvSpPr>
-            <p:cNvPr id="12" name="Metin kutusu 11"/>
-            <p:cNvSpPr txBox="1"/>
-            <p:nvPr/>
-          </p:nvSpPr>
-          <p:spPr>
-            <a:xfrm>
-              <a:off x="1582782" y="6493211"/>
-              <a:ext cx="1687468" cy="230832"/>
-            </a:xfrm>
-            <a:prstGeom prst="rect">
-              <a:avLst/>
-            </a:prstGeom>
-            <a:noFill/>
-          </p:spPr>
-          <p:txBody>
-            <a:bodyPr wrap="square" rtlCol="0">
-              <a:spAutoFit/>
-            </a:bodyPr>
-            <a:lstStyle/>
-            <a:p>
-              <a:r>
-                <a:rPr lang="en-US" sz="900" dirty="0" smtClean="0">
-                  <a:solidFill>
-                    <a:srgbClr val="0B8043"/>
-                  </a:solidFill>
-                </a:rPr>
-                <a:t>https:</a:t>
-              </a:r>
-              <a:r>
-                <a:rPr lang="en-US" sz="900" dirty="0" smtClean="0">
-                  <a:solidFill>
-                    <a:schemeClr val="bg1">
-                      <a:lumMod val="50000"/>
-                    </a:schemeClr>
-                  </a:solidFill>
-                </a:rPr>
-                <a:t>//www.veribilimi.co</a:t>
-              </a:r>
-              <a:endParaRPr lang="en-US" sz="900" dirty="0">
-                <a:solidFill>
-                  <a:schemeClr val="bg1">
-                    <a:lumMod val="50000"/>
-                  </a:schemeClr>
-                </a:solidFill>
-              </a:endParaRPr>
-            </a:p>
-          </p:txBody>
-        </p:sp>
-      </p:grpSp>
-      <p:grpSp>
-        <p:nvGrpSpPr>
-          <p:cNvPr id="11" name="Grup 10"/>
-          <p:cNvGrpSpPr/>
-          <p:nvPr/>
-        </p:nvGrpSpPr>
-        <p:grpSpPr>
-          <a:xfrm>
-            <a:off x="9194796" y="6231467"/>
-            <a:ext cx="2802471" cy="457084"/>
-            <a:chOff x="184993" y="5905369"/>
-            <a:chExt cx="5156200" cy="838200"/>
-          </a:xfrm>
-        </p:grpSpPr>
-        <p:sp>
-          <p:nvSpPr>
-            <p:cNvPr id="13" name="Dikdörtgen 12"/>
-            <p:cNvSpPr/>
-            <p:nvPr/>
-          </p:nvSpPr>
-          <p:spPr>
-            <a:xfrm>
-              <a:off x="184993" y="5905369"/>
-              <a:ext cx="5156200" cy="838200"/>
-            </a:xfrm>
-            <a:prstGeom prst="rect">
-              <a:avLst/>
-            </a:prstGeom>
-            <a:solidFill>
-              <a:schemeClr val="bg1">
-                <a:lumMod val="95000"/>
-              </a:schemeClr>
-            </a:solidFill>
-            <a:ln>
-              <a:noFill/>
-            </a:ln>
-          </p:spPr>
-          <p:style>
-            <a:lnRef idx="2">
-              <a:schemeClr val="accent1">
-                <a:shade val="50000"/>
-              </a:schemeClr>
-            </a:lnRef>
-            <a:fillRef idx="1">
-              <a:schemeClr val="accent1"/>
-            </a:fillRef>
-            <a:effectRef idx="0">
-              <a:schemeClr val="accent1"/>
-            </a:effectRef>
-            <a:fontRef idx="minor">
-              <a:schemeClr val="lt1"/>
-            </a:fontRef>
-          </p:style>
-          <p:txBody>
-            <a:bodyPr rtlCol="0" anchor="ctr"/>
-            <a:lstStyle/>
-            <a:p>
-              <a:pPr algn="ctr"/>
-              <a:endParaRPr lang="en-US" sz="2000"/>
-            </a:p>
-          </p:txBody>
-        </p:sp>
-        <p:sp>
-          <p:nvSpPr>
-            <p:cNvPr id="14" name="Unvan 1"/>
-            <p:cNvSpPr txBox="1">
-              <a:spLocks/>
-            </p:cNvSpPr>
-            <p:nvPr/>
-          </p:nvSpPr>
-          <p:spPr>
-            <a:xfrm>
-              <a:off x="302252" y="6024023"/>
-              <a:ext cx="4921678" cy="600892"/>
-            </a:xfrm>
-            <a:prstGeom prst="rect">
-              <a:avLst/>
-            </a:prstGeom>
-          </p:spPr>
-          <p:txBody>
-            <a:bodyPr vert="horz" lIns="91440" tIns="45720" rIns="91440" bIns="45720" rtlCol="0" anchor="b">
-              <a:noAutofit/>
-            </a:bodyPr>
-            <a:lstStyle>
-              <a:lvl1pPr algn="ctr" defTabSz="914400" rtl="0" eaLnBrk="1" latinLnBrk="0" hangingPunct="1">
-                <a:lnSpc>
-                  <a:spcPct val="90000"/>
-                </a:lnSpc>
-                <a:spcBef>
-                  <a:spcPct val="0"/>
-                </a:spcBef>
-                <a:buNone/>
-                <a:defRPr sz="6000" kern="1200">
-                  <a:solidFill>
-                    <a:schemeClr val="tx1"/>
-                  </a:solidFill>
-                  <a:latin typeface="+mj-lt"/>
-                  <a:ea typeface="+mj-ea"/>
-                  <a:cs typeface="+mj-cs"/>
-                </a:defRPr>
-              </a:lvl1pPr>
-            </a:lstStyle>
-            <a:p>
-              <a:pPr algn="l"/>
-              <a:r>
-                <a:rPr lang="tr-TR" sz="2000" dirty="0">
-                  <a:solidFill>
-                    <a:srgbClr val="CB171F"/>
-                  </a:solidFill>
-                  <a:latin typeface="Constantia" panose="02030602050306030303" pitchFamily="18" charset="0"/>
-                  <a:ea typeface="Verdana" panose="020B0604030504040204" pitchFamily="34" charset="0"/>
-                  <a:cs typeface="Arial" panose="020B0604020202020204" pitchFamily="34" charset="0"/>
-                </a:rPr>
-                <a:t>A’dan Z’ye Büyük Veri</a:t>
-              </a:r>
-              <a:endParaRPr lang="en-US" sz="2000" dirty="0">
-                <a:solidFill>
-                  <a:srgbClr val="CB171F"/>
-                </a:solidFill>
-                <a:latin typeface="Constantia" panose="02030602050306030303" pitchFamily="18" charset="0"/>
-                <a:ea typeface="Verdana" panose="020B0604030504040204" pitchFamily="34" charset="0"/>
-                <a:cs typeface="Arial" panose="020B0604020202020204" pitchFamily="34" charset="0"/>
-              </a:endParaRPr>
-            </a:p>
-          </p:txBody>
-        </p:sp>
-      </p:grpSp>
       <p:sp>
         <p:nvSpPr>
           <p:cNvPr id="16" name="Unvan 1"/>
@@ -20079,7 +15572,7 @@
           <a:lstStyle/>
           <a:p>
             <a:r>
-              <a:rPr lang="tr-TR" sz="4200" b="1" dirty="0" smtClean="0">
+              <a:rPr lang="tr-TR" sz="4200" b="1" dirty="0">
                 <a:solidFill>
                   <a:srgbClr val="CD1F26"/>
                 </a:solidFill>
@@ -20339,7 +15832,7 @@
             <p:nvPr/>
           </p:nvPicPr>
           <p:blipFill>
-            <a:blip r:embed="rId3" cstate="print">
+            <a:blip r:embed="rId2" cstate="print">
               <a:extLst>
                 <a:ext uri="{28A0092B-C50C-407E-A947-70E740481C1C}">
                   <a14:useLocalDpi xmlns:a14="http://schemas.microsoft.com/office/drawing/2010/main" val="0"/>
@@ -20389,7 +15882,7 @@
             <a:p>
               <a:pPr algn="ctr"/>
               <a:r>
-                <a:rPr lang="tr-TR" sz="1000" b="1" dirty="0" smtClean="0">
+                <a:rPr lang="tr-TR" sz="1000" b="1" dirty="0">
                   <a:latin typeface="Arial" panose="020B0604020202020204" pitchFamily="34" charset="0"/>
                   <a:cs typeface="Arial" panose="020B0604020202020204" pitchFamily="34" charset="0"/>
                 </a:rPr>
@@ -20426,7 +15919,7 @@
             <p:nvPr/>
           </p:nvPicPr>
           <p:blipFill>
-            <a:blip r:embed="rId3" cstate="print">
+            <a:blip r:embed="rId2" cstate="print">
               <a:extLst>
                 <a:ext uri="{28A0092B-C50C-407E-A947-70E740481C1C}">
                   <a14:useLocalDpi xmlns:a14="http://schemas.microsoft.com/office/drawing/2010/main" val="0"/>
@@ -20476,7 +15969,7 @@
             <a:p>
               <a:pPr algn="ctr"/>
               <a:r>
-                <a:rPr lang="tr-TR" sz="1000" b="1" dirty="0" smtClean="0">
+                <a:rPr lang="tr-TR" sz="1000" b="1" dirty="0">
                   <a:latin typeface="Arial" panose="020B0604020202020204" pitchFamily="34" charset="0"/>
                   <a:cs typeface="Arial" panose="020B0604020202020204" pitchFamily="34" charset="0"/>
                 </a:rPr>
@@ -20513,7 +16006,7 @@
             <p:nvPr/>
           </p:nvPicPr>
           <p:blipFill>
-            <a:blip r:embed="rId3" cstate="print">
+            <a:blip r:embed="rId2" cstate="print">
               <a:extLst>
                 <a:ext uri="{28A0092B-C50C-407E-A947-70E740481C1C}">
                   <a14:useLocalDpi xmlns:a14="http://schemas.microsoft.com/office/drawing/2010/main" val="0"/>
@@ -20563,7 +16056,7 @@
             <a:p>
               <a:pPr algn="ctr"/>
               <a:r>
-                <a:rPr lang="tr-TR" sz="1000" b="1" dirty="0" smtClean="0">
+                <a:rPr lang="tr-TR" sz="1000" b="1" dirty="0">
                   <a:latin typeface="Arial" panose="020B0604020202020204" pitchFamily="34" charset="0"/>
                   <a:cs typeface="Arial" panose="020B0604020202020204" pitchFamily="34" charset="0"/>
                 </a:rPr>
@@ -20586,7 +16079,7 @@
           <p:nvPr/>
         </p:nvPicPr>
         <p:blipFill rotWithShape="1">
-          <a:blip r:embed="rId4" cstate="print">
+          <a:blip r:embed="rId3" cstate="print">
             <a:extLst>
               <a:ext uri="{28A0092B-C50C-407E-A947-70E740481C1C}">
                 <a14:useLocalDpi xmlns:a14="http://schemas.microsoft.com/office/drawing/2010/main" val="0"/>
@@ -20629,7 +16122,7 @@
             <p:nvPr/>
           </p:nvPicPr>
           <p:blipFill>
-            <a:blip r:embed="rId3" cstate="print">
+            <a:blip r:embed="rId2" cstate="print">
               <a:extLst>
                 <a:ext uri="{28A0092B-C50C-407E-A947-70E740481C1C}">
                   <a14:useLocalDpi xmlns:a14="http://schemas.microsoft.com/office/drawing/2010/main" val="0"/>
@@ -20679,7 +16172,7 @@
             <a:p>
               <a:pPr algn="ctr"/>
               <a:r>
-                <a:rPr lang="tr-TR" sz="1000" b="1" dirty="0" smtClean="0">
+                <a:rPr lang="tr-TR" sz="1000" b="1" dirty="0">
                   <a:latin typeface="Arial" panose="020B0604020202020204" pitchFamily="34" charset="0"/>
                   <a:cs typeface="Arial" panose="020B0604020202020204" pitchFamily="34" charset="0"/>
                 </a:rPr>
@@ -20738,7 +16231,7 @@
           <p:nvPr/>
         </p:nvPicPr>
         <p:blipFill>
-          <a:blip r:embed="rId5" cstate="print">
+          <a:blip r:embed="rId4" cstate="print">
             <a:extLst>
               <a:ext uri="{28A0092B-C50C-407E-A947-70E740481C1C}">
                 <a14:useLocalDpi xmlns:a14="http://schemas.microsoft.com/office/drawing/2010/main" val="0"/>
@@ -20797,41 +16290,34 @@
             <a:p>
               <a:pPr algn="ctr"/>
               <a:r>
-                <a:rPr lang="tr-TR" sz="1000" b="1" dirty="0" err="1" smtClean="0">
+                <a:rPr lang="tr-TR" sz="1000" b="1" dirty="0" err="1">
                   <a:latin typeface="Arial" panose="020B0604020202020204" pitchFamily="34" charset="0"/>
                   <a:cs typeface="Arial" panose="020B0604020202020204" pitchFamily="34" charset="0"/>
                 </a:rPr>
                 <a:t>Secondary</a:t>
               </a:r>
               <a:r>
-                <a:rPr lang="tr-TR" sz="1000" b="1" dirty="0" smtClean="0">
+                <a:rPr lang="tr-TR" sz="1000" b="1" dirty="0">
                   <a:latin typeface="Arial" panose="020B0604020202020204" pitchFamily="34" charset="0"/>
                   <a:cs typeface="Arial" panose="020B0604020202020204" pitchFamily="34" charset="0"/>
                 </a:rPr>
                 <a:t>/</a:t>
               </a:r>
               <a:r>
-                <a:rPr lang="tr-TR" sz="1000" b="1" dirty="0" err="1" smtClean="0">
+                <a:rPr lang="tr-TR" sz="1000" b="1" dirty="0" err="1">
                   <a:latin typeface="Arial" panose="020B0604020202020204" pitchFamily="34" charset="0"/>
                   <a:cs typeface="Arial" panose="020B0604020202020204" pitchFamily="34" charset="0"/>
                 </a:rPr>
                 <a:t>Standby</a:t>
               </a:r>
-              <a:r>
-                <a:rPr lang="tr-TR" sz="1000" b="1" dirty="0" smtClean="0">
-                  <a:latin typeface="Arial" panose="020B0604020202020204" pitchFamily="34" charset="0"/>
-                  <a:cs typeface="Arial" panose="020B0604020202020204" pitchFamily="34" charset="0"/>
-                </a:rPr>
-                <a:t/>
-              </a:r>
               <a:br>
-                <a:rPr lang="tr-TR" sz="1000" b="1" dirty="0" smtClean="0">
+                <a:rPr lang="tr-TR" sz="1000" b="1" dirty="0">
                   <a:latin typeface="Arial" panose="020B0604020202020204" pitchFamily="34" charset="0"/>
                   <a:cs typeface="Arial" panose="020B0604020202020204" pitchFamily="34" charset="0"/>
                 </a:rPr>
               </a:br>
               <a:r>
-                <a:rPr lang="tr-TR" sz="1000" b="1" dirty="0" err="1" smtClean="0">
+                <a:rPr lang="tr-TR" sz="1000" b="1" dirty="0" err="1">
                   <a:latin typeface="Arial" panose="020B0604020202020204" pitchFamily="34" charset="0"/>
                   <a:cs typeface="Arial" panose="020B0604020202020204" pitchFamily="34" charset="0"/>
                 </a:rPr>
@@ -20853,7 +16339,7 @@
             <p:nvPr/>
           </p:nvPicPr>
           <p:blipFill>
-            <a:blip r:embed="rId6" cstate="print">
+            <a:blip r:embed="rId5" cstate="print">
               <a:extLst>
                 <a:ext uri="{28A0092B-C50C-407E-A947-70E740481C1C}">
                   <a14:useLocalDpi xmlns:a14="http://schemas.microsoft.com/office/drawing/2010/main" val="0"/>
@@ -20913,21 +16399,21 @@
             <a:p>
               <a:pPr algn="ctr"/>
               <a:r>
-                <a:rPr lang="tr-TR" sz="1000" b="1" dirty="0" err="1" smtClean="0">
+                <a:rPr lang="tr-TR" sz="1000" b="1" dirty="0" err="1">
                   <a:latin typeface="Arial" panose="020B0604020202020204" pitchFamily="34" charset="0"/>
                   <a:cs typeface="Arial" panose="020B0604020202020204" pitchFamily="34" charset="0"/>
                 </a:rPr>
                 <a:t>Edge</a:t>
               </a:r>
               <a:r>
-                <a:rPr lang="tr-TR" sz="1000" b="1" dirty="0" smtClean="0">
+                <a:rPr lang="tr-TR" sz="1000" b="1" dirty="0">
                   <a:latin typeface="Arial" panose="020B0604020202020204" pitchFamily="34" charset="0"/>
                   <a:cs typeface="Arial" panose="020B0604020202020204" pitchFamily="34" charset="0"/>
                 </a:rPr>
                 <a:t> </a:t>
               </a:r>
               <a:r>
-                <a:rPr lang="tr-TR" sz="1000" b="1" dirty="0" err="1" smtClean="0">
+                <a:rPr lang="tr-TR" sz="1000" b="1" dirty="0" err="1">
                   <a:latin typeface="Arial" panose="020B0604020202020204" pitchFamily="34" charset="0"/>
                   <a:cs typeface="Arial" panose="020B0604020202020204" pitchFamily="34" charset="0"/>
                 </a:rPr>
@@ -20949,7 +16435,7 @@
             <p:nvPr/>
           </p:nvPicPr>
           <p:blipFill>
-            <a:blip r:embed="rId6" cstate="print">
+            <a:blip r:embed="rId5" cstate="print">
               <a:extLst>
                 <a:ext uri="{28A0092B-C50C-407E-A947-70E740481C1C}">
                   <a14:useLocalDpi xmlns:a14="http://schemas.microsoft.com/office/drawing/2010/main" val="0"/>
@@ -21009,7 +16495,7 @@
             <a:p>
               <a:pPr algn="ctr"/>
               <a:r>
-                <a:rPr lang="tr-TR" sz="1000" b="1" dirty="0" err="1" smtClean="0">
+                <a:rPr lang="tr-TR" sz="1000" b="1" dirty="0" err="1">
                   <a:latin typeface="Arial" panose="020B0604020202020204" pitchFamily="34" charset="0"/>
                   <a:cs typeface="Arial" panose="020B0604020202020204" pitchFamily="34" charset="0"/>
                 </a:rPr>
@@ -21031,7 +16517,7 @@
             <p:nvPr/>
           </p:nvPicPr>
           <p:blipFill>
-            <a:blip r:embed="rId6" cstate="print">
+            <a:blip r:embed="rId5" cstate="print">
               <a:extLst>
                 <a:ext uri="{28A0092B-C50C-407E-A947-70E740481C1C}">
                   <a14:useLocalDpi xmlns:a14="http://schemas.microsoft.com/office/drawing/2010/main" val="0"/>
@@ -21098,7 +16584,7 @@
           <p:nvPr/>
         </p:nvPicPr>
         <p:blipFill>
-          <a:blip r:embed="rId7" cstate="print">
+          <a:blip r:embed="rId6" cstate="print">
             <a:extLst>
               <a:ext uri="{28A0092B-C50C-407E-A947-70E740481C1C}">
                 <a14:useLocalDpi xmlns:a14="http://schemas.microsoft.com/office/drawing/2010/main" val="0"/>
@@ -21128,7 +16614,7 @@
           <p:nvPr/>
         </p:nvPicPr>
         <p:blipFill>
-          <a:blip r:embed="rId8" cstate="print">
+          <a:blip r:embed="rId7" cstate="print">
             <a:extLst>
               <a:ext uri="{28A0092B-C50C-407E-A947-70E740481C1C}">
                 <a14:useLocalDpi xmlns:a14="http://schemas.microsoft.com/office/drawing/2010/main" val="0"/>
@@ -21158,7 +16644,7 @@
           <p:nvPr/>
         </p:nvPicPr>
         <p:blipFill>
-          <a:blip r:embed="rId9" cstate="print">
+          <a:blip r:embed="rId8" cstate="print">
             <a:extLst>
               <a:ext uri="{28A0092B-C50C-407E-A947-70E740481C1C}">
                 <a14:useLocalDpi xmlns:a14="http://schemas.microsoft.com/office/drawing/2010/main" val="0"/>
@@ -21188,7 +16674,7 @@
           <p:nvPr/>
         </p:nvPicPr>
         <p:blipFill>
-          <a:blip r:embed="rId7" cstate="print">
+          <a:blip r:embed="rId6" cstate="print">
             <a:extLst>
               <a:ext uri="{28A0092B-C50C-407E-A947-70E740481C1C}">
                 <a14:useLocalDpi xmlns:a14="http://schemas.microsoft.com/office/drawing/2010/main" val="0"/>
@@ -21218,7 +16704,7 @@
           <p:nvPr/>
         </p:nvPicPr>
         <p:blipFill>
-          <a:blip r:embed="rId8" cstate="print">
+          <a:blip r:embed="rId7" cstate="print">
             <a:extLst>
               <a:ext uri="{28A0092B-C50C-407E-A947-70E740481C1C}">
                 <a14:useLocalDpi xmlns:a14="http://schemas.microsoft.com/office/drawing/2010/main" val="0"/>
@@ -21248,7 +16734,7 @@
           <p:nvPr/>
         </p:nvPicPr>
         <p:blipFill>
-          <a:blip r:embed="rId8" cstate="print">
+          <a:blip r:embed="rId7" cstate="print">
             <a:extLst>
               <a:ext uri="{28A0092B-C50C-407E-A947-70E740481C1C}">
                 <a14:useLocalDpi xmlns:a14="http://schemas.microsoft.com/office/drawing/2010/main" val="0"/>
@@ -21278,7 +16764,7 @@
           <p:nvPr/>
         </p:nvPicPr>
         <p:blipFill>
-          <a:blip r:embed="rId9" cstate="print">
+          <a:blip r:embed="rId8" cstate="print">
             <a:extLst>
               <a:ext uri="{28A0092B-C50C-407E-A947-70E740481C1C}">
                 <a14:useLocalDpi xmlns:a14="http://schemas.microsoft.com/office/drawing/2010/main" val="0"/>
@@ -21308,7 +16794,7 @@
           <p:nvPr/>
         </p:nvPicPr>
         <p:blipFill>
-          <a:blip r:embed="rId7" cstate="print">
+          <a:blip r:embed="rId6" cstate="print">
             <a:extLst>
               <a:ext uri="{28A0092B-C50C-407E-A947-70E740481C1C}">
                 <a14:useLocalDpi xmlns:a14="http://schemas.microsoft.com/office/drawing/2010/main" val="0"/>
@@ -21338,7 +16824,7 @@
           <p:nvPr/>
         </p:nvPicPr>
         <p:blipFill>
-          <a:blip r:embed="rId9" cstate="print">
+          <a:blip r:embed="rId8" cstate="print">
             <a:extLst>
               <a:ext uri="{28A0092B-C50C-407E-A947-70E740481C1C}">
                 <a14:useLocalDpi xmlns:a14="http://schemas.microsoft.com/office/drawing/2010/main" val="0"/>
@@ -21420,7 +16906,7 @@
             <p:nvPr/>
           </p:nvPicPr>
           <p:blipFill>
-            <a:blip r:embed="rId10" cstate="print">
+            <a:blip r:embed="rId9" cstate="print">
               <a:extLst>
                 <a:ext uri="{28A0092B-C50C-407E-A947-70E740481C1C}">
                   <a14:useLocalDpi xmlns:a14="http://schemas.microsoft.com/office/drawing/2010/main" val="0"/>
@@ -21500,7 +16986,7 @@
           </a:p>
           <a:p>
             <a:r>
-              <a:rPr lang="tr-TR" sz="1000" dirty="0" smtClean="0">
+              <a:rPr lang="tr-TR" sz="1000" dirty="0">
                 <a:solidFill>
                   <a:schemeClr val="tx1">
                     <a:lumMod val="95000"/>
@@ -21510,14 +16996,6 @@
               </a:rPr>
               <a:t>Disk-1-Blok-1:Portakal</a:t>
             </a:r>
-            <a:endParaRPr lang="tr-TR" sz="1000" dirty="0">
-              <a:solidFill>
-                <a:schemeClr val="tx1">
-                  <a:lumMod val="95000"/>
-                  <a:lumOff val="5000"/>
-                </a:schemeClr>
-              </a:solidFill>
-            </a:endParaRPr>
           </a:p>
         </p:txBody>
       </p:sp>
@@ -21530,7 +17008,7 @@
           <p:nvPr/>
         </p:nvPicPr>
         <p:blipFill>
-          <a:blip r:embed="rId7" cstate="print">
+          <a:blip r:embed="rId6" cstate="print">
             <a:extLst>
               <a:ext uri="{28A0092B-C50C-407E-A947-70E740481C1C}">
                 <a14:useLocalDpi xmlns:a14="http://schemas.microsoft.com/office/drawing/2010/main" val="0"/>
@@ -21828,369 +17306,6 @@
           </a:fontRef>
         </p:style>
       </p:cxnSp>
-      <p:grpSp>
-        <p:nvGrpSpPr>
-          <p:cNvPr id="15" name="Grup 14"/>
-          <p:cNvGrpSpPr/>
-          <p:nvPr/>
-        </p:nvGrpSpPr>
-        <p:grpSpPr>
-          <a:xfrm>
-            <a:off x="228596" y="6231467"/>
-            <a:ext cx="3041654" cy="492576"/>
-            <a:chOff x="228596" y="6231467"/>
-            <a:chExt cx="3041654" cy="492576"/>
-          </a:xfrm>
-        </p:grpSpPr>
-        <p:grpSp>
-          <p:nvGrpSpPr>
-            <p:cNvPr id="8" name="Grup 7"/>
-            <p:cNvGrpSpPr/>
-            <p:nvPr/>
-          </p:nvGrpSpPr>
-          <p:grpSpPr>
-            <a:xfrm>
-              <a:off x="228596" y="6231467"/>
-              <a:ext cx="2802471" cy="457084"/>
-              <a:chOff x="127000" y="5901146"/>
-              <a:chExt cx="5156200" cy="838200"/>
-            </a:xfrm>
-          </p:grpSpPr>
-          <p:sp>
-            <p:nvSpPr>
-              <p:cNvPr id="7" name="Dikdörtgen 6"/>
-              <p:cNvSpPr/>
-              <p:nvPr/>
-            </p:nvSpPr>
-            <p:spPr>
-              <a:xfrm>
-                <a:off x="127000" y="5901146"/>
-                <a:ext cx="5156200" cy="838200"/>
-              </a:xfrm>
-              <a:prstGeom prst="rect">
-                <a:avLst/>
-              </a:prstGeom>
-              <a:solidFill>
-                <a:schemeClr val="bg1">
-                  <a:lumMod val="95000"/>
-                </a:schemeClr>
-              </a:solidFill>
-              <a:ln>
-                <a:noFill/>
-              </a:ln>
-            </p:spPr>
-            <p:style>
-              <a:lnRef idx="2">
-                <a:schemeClr val="accent1">
-                  <a:shade val="50000"/>
-                </a:schemeClr>
-              </a:lnRef>
-              <a:fillRef idx="1">
-                <a:schemeClr val="accent1"/>
-              </a:fillRef>
-              <a:effectRef idx="0">
-                <a:schemeClr val="accent1"/>
-              </a:effectRef>
-              <a:fontRef idx="minor">
-                <a:schemeClr val="lt1"/>
-              </a:fontRef>
-            </p:style>
-            <p:txBody>
-              <a:bodyPr rtlCol="0" anchor="ctr"/>
-              <a:lstStyle/>
-              <a:p>
-                <a:pPr algn="ctr"/>
-                <a:endParaRPr lang="en-US" sz="2000"/>
-              </a:p>
-            </p:txBody>
-          </p:sp>
-          <p:grpSp>
-            <p:nvGrpSpPr>
-              <p:cNvPr id="6" name="Grup 5"/>
-              <p:cNvGrpSpPr/>
-              <p:nvPr/>
-            </p:nvGrpSpPr>
-            <p:grpSpPr>
-              <a:xfrm>
-                <a:off x="211667" y="6019800"/>
-                <a:ext cx="5012266" cy="605115"/>
-                <a:chOff x="211667" y="6019800"/>
-                <a:chExt cx="5012266" cy="605115"/>
-              </a:xfrm>
-            </p:grpSpPr>
-            <p:pic>
-              <p:nvPicPr>
-                <p:cNvPr id="4" name="Resim 3"/>
-                <p:cNvPicPr>
-                  <a:picLocks noChangeAspect="1"/>
-                </p:cNvPicPr>
-                <p:nvPr/>
-              </p:nvPicPr>
-              <p:blipFill rotWithShape="1">
-                <a:blip r:embed="rId2" cstate="print">
-                  <a:extLst>
-                    <a:ext uri="{28A0092B-C50C-407E-A947-70E740481C1C}">
-                      <a14:useLocalDpi xmlns:a14="http://schemas.microsoft.com/office/drawing/2010/main" val="0"/>
-                    </a:ext>
-                  </a:extLst>
-                </a:blip>
-                <a:srcRect l="24387" t="8319" r="18355" b="50150"/>
-                <a:stretch/>
-              </p:blipFill>
-              <p:spPr>
-                <a:xfrm>
-                  <a:off x="211667" y="6019800"/>
-                  <a:ext cx="1072095" cy="600892"/>
-                </a:xfrm>
-                <a:prstGeom prst="rect">
-                  <a:avLst/>
-                </a:prstGeom>
-              </p:spPr>
-            </p:pic>
-            <p:sp>
-              <p:nvSpPr>
-                <p:cNvPr id="5" name="Unvan 1"/>
-                <p:cNvSpPr txBox="1">
-                  <a:spLocks/>
-                </p:cNvSpPr>
-                <p:nvPr/>
-              </p:nvSpPr>
-              <p:spPr>
-                <a:xfrm>
-                  <a:off x="1283763" y="6024023"/>
-                  <a:ext cx="3940170" cy="600892"/>
-                </a:xfrm>
-                <a:prstGeom prst="rect">
-                  <a:avLst/>
-                </a:prstGeom>
-              </p:spPr>
-              <p:txBody>
-                <a:bodyPr vert="horz" lIns="91440" tIns="45720" rIns="91440" bIns="45720" rtlCol="0" anchor="b">
-                  <a:noAutofit/>
-                </a:bodyPr>
-                <a:lstStyle>
-                  <a:lvl1pPr algn="ctr" defTabSz="914400" rtl="0" eaLnBrk="1" latinLnBrk="0" hangingPunct="1">
-                    <a:lnSpc>
-                      <a:spcPct val="90000"/>
-                    </a:lnSpc>
-                    <a:spcBef>
-                      <a:spcPct val="0"/>
-                    </a:spcBef>
-                    <a:buNone/>
-                    <a:defRPr sz="6000" kern="1200">
-                      <a:solidFill>
-                        <a:schemeClr val="tx1"/>
-                      </a:solidFill>
-                      <a:latin typeface="+mj-lt"/>
-                      <a:ea typeface="+mj-ea"/>
-                      <a:cs typeface="+mj-cs"/>
-                    </a:defRPr>
-                  </a:lvl1pPr>
-                </a:lstStyle>
-                <a:p>
-                  <a:pPr algn="l"/>
-                  <a:r>
-                    <a:rPr lang="tr-TR" sz="2000" dirty="0" smtClean="0">
-                      <a:solidFill>
-                        <a:srgbClr val="CB171F"/>
-                      </a:solidFill>
-                      <a:latin typeface="Constantia" panose="02030602050306030303" pitchFamily="18" charset="0"/>
-                      <a:ea typeface="Verdana" panose="020B0604030504040204" pitchFamily="34" charset="0"/>
-                      <a:cs typeface="Arial" panose="020B0604020202020204" pitchFamily="34" charset="0"/>
-                    </a:rPr>
-                    <a:t>Veri Bilimi Okulu</a:t>
-                  </a:r>
-                  <a:endParaRPr lang="en-US" sz="2000" dirty="0">
-                    <a:solidFill>
-                      <a:srgbClr val="CB171F"/>
-                    </a:solidFill>
-                    <a:latin typeface="Constantia" panose="02030602050306030303" pitchFamily="18" charset="0"/>
-                    <a:ea typeface="Verdana" panose="020B0604030504040204" pitchFamily="34" charset="0"/>
-                    <a:cs typeface="Arial" panose="020B0604020202020204" pitchFamily="34" charset="0"/>
-                  </a:endParaRPr>
-                </a:p>
-              </p:txBody>
-            </p:sp>
-          </p:grpSp>
-        </p:grpSp>
-        <p:sp>
-          <p:nvSpPr>
-            <p:cNvPr id="12" name="Metin kutusu 11"/>
-            <p:cNvSpPr txBox="1"/>
-            <p:nvPr/>
-          </p:nvSpPr>
-          <p:spPr>
-            <a:xfrm>
-              <a:off x="1582782" y="6493211"/>
-              <a:ext cx="1687468" cy="230832"/>
-            </a:xfrm>
-            <a:prstGeom prst="rect">
-              <a:avLst/>
-            </a:prstGeom>
-            <a:noFill/>
-          </p:spPr>
-          <p:txBody>
-            <a:bodyPr wrap="square" rtlCol="0">
-              <a:spAutoFit/>
-            </a:bodyPr>
-            <a:lstStyle/>
-            <a:p>
-              <a:r>
-                <a:rPr lang="en-US" sz="900" dirty="0" smtClean="0">
-                  <a:solidFill>
-                    <a:srgbClr val="0B8043"/>
-                  </a:solidFill>
-                </a:rPr>
-                <a:t>https:</a:t>
-              </a:r>
-              <a:r>
-                <a:rPr lang="en-US" sz="900" dirty="0" smtClean="0">
-                  <a:solidFill>
-                    <a:schemeClr val="bg1">
-                      <a:lumMod val="50000"/>
-                    </a:schemeClr>
-                  </a:solidFill>
-                </a:rPr>
-                <a:t>//www.veribilimi.co</a:t>
-              </a:r>
-              <a:endParaRPr lang="en-US" sz="900" dirty="0">
-                <a:solidFill>
-                  <a:schemeClr val="bg1">
-                    <a:lumMod val="50000"/>
-                  </a:schemeClr>
-                </a:solidFill>
-              </a:endParaRPr>
-            </a:p>
-          </p:txBody>
-        </p:sp>
-      </p:grpSp>
-      <p:grpSp>
-        <p:nvGrpSpPr>
-          <p:cNvPr id="11" name="Grup 10"/>
-          <p:cNvGrpSpPr/>
-          <p:nvPr/>
-        </p:nvGrpSpPr>
-        <p:grpSpPr>
-          <a:xfrm>
-            <a:off x="9194796" y="6231467"/>
-            <a:ext cx="2802471" cy="457084"/>
-            <a:chOff x="184993" y="5905369"/>
-            <a:chExt cx="5156200" cy="838200"/>
-          </a:xfrm>
-        </p:grpSpPr>
-        <p:sp>
-          <p:nvSpPr>
-            <p:cNvPr id="13" name="Dikdörtgen 12"/>
-            <p:cNvSpPr/>
-            <p:nvPr/>
-          </p:nvSpPr>
-          <p:spPr>
-            <a:xfrm>
-              <a:off x="184993" y="5905369"/>
-              <a:ext cx="5156200" cy="838200"/>
-            </a:xfrm>
-            <a:prstGeom prst="rect">
-              <a:avLst/>
-            </a:prstGeom>
-            <a:solidFill>
-              <a:schemeClr val="bg1">
-                <a:lumMod val="95000"/>
-              </a:schemeClr>
-            </a:solidFill>
-            <a:ln>
-              <a:noFill/>
-            </a:ln>
-          </p:spPr>
-          <p:style>
-            <a:lnRef idx="2">
-              <a:schemeClr val="accent1">
-                <a:shade val="50000"/>
-              </a:schemeClr>
-            </a:lnRef>
-            <a:fillRef idx="1">
-              <a:schemeClr val="accent1"/>
-            </a:fillRef>
-            <a:effectRef idx="0">
-              <a:schemeClr val="accent1"/>
-            </a:effectRef>
-            <a:fontRef idx="minor">
-              <a:schemeClr val="lt1"/>
-            </a:fontRef>
-          </p:style>
-          <p:txBody>
-            <a:bodyPr rtlCol="0" anchor="ctr"/>
-            <a:lstStyle/>
-            <a:p>
-              <a:pPr algn="ctr"/>
-              <a:endParaRPr lang="en-US" sz="2000"/>
-            </a:p>
-          </p:txBody>
-        </p:sp>
-        <p:sp>
-          <p:nvSpPr>
-            <p:cNvPr id="14" name="Unvan 1"/>
-            <p:cNvSpPr txBox="1">
-              <a:spLocks/>
-            </p:cNvSpPr>
-            <p:nvPr/>
-          </p:nvSpPr>
-          <p:spPr>
-            <a:xfrm>
-              <a:off x="302252" y="6024023"/>
-              <a:ext cx="4921678" cy="600892"/>
-            </a:xfrm>
-            <a:prstGeom prst="rect">
-              <a:avLst/>
-            </a:prstGeom>
-          </p:spPr>
-          <p:txBody>
-            <a:bodyPr vert="horz" lIns="91440" tIns="45720" rIns="91440" bIns="45720" rtlCol="0" anchor="b">
-              <a:noAutofit/>
-            </a:bodyPr>
-            <a:lstStyle>
-              <a:lvl1pPr algn="ctr" defTabSz="914400" rtl="0" eaLnBrk="1" latinLnBrk="0" hangingPunct="1">
-                <a:lnSpc>
-                  <a:spcPct val="90000"/>
-                </a:lnSpc>
-                <a:spcBef>
-                  <a:spcPct val="0"/>
-                </a:spcBef>
-                <a:buNone/>
-                <a:defRPr sz="6000" kern="1200">
-                  <a:solidFill>
-                    <a:schemeClr val="tx1"/>
-                  </a:solidFill>
-                  <a:latin typeface="+mj-lt"/>
-                  <a:ea typeface="+mj-ea"/>
-                  <a:cs typeface="+mj-cs"/>
-                </a:defRPr>
-              </a:lvl1pPr>
-            </a:lstStyle>
-            <a:p>
-              <a:pPr algn="l"/>
-              <a:r>
-                <a:rPr lang="tr-TR" sz="2000" dirty="0">
-                  <a:solidFill>
-                    <a:srgbClr val="CB171F"/>
-                  </a:solidFill>
-                  <a:latin typeface="Constantia" panose="02030602050306030303" pitchFamily="18" charset="0"/>
-                  <a:ea typeface="Verdana" panose="020B0604030504040204" pitchFamily="34" charset="0"/>
-                  <a:cs typeface="Arial" panose="020B0604020202020204" pitchFamily="34" charset="0"/>
-                </a:rPr>
-                <a:t>A’dan Z’ye Büyük Veri</a:t>
-              </a:r>
-              <a:endParaRPr lang="en-US" sz="2000" dirty="0">
-                <a:solidFill>
-                  <a:srgbClr val="CB171F"/>
-                </a:solidFill>
-                <a:latin typeface="Constantia" panose="02030602050306030303" pitchFamily="18" charset="0"/>
-                <a:ea typeface="Verdana" panose="020B0604030504040204" pitchFamily="34" charset="0"/>
-                <a:cs typeface="Arial" panose="020B0604020202020204" pitchFamily="34" charset="0"/>
-              </a:endParaRPr>
-            </a:p>
-          </p:txBody>
-        </p:sp>
-      </p:grpSp>
       <p:sp>
         <p:nvSpPr>
           <p:cNvPr id="16" name="Unvan 1"/>
@@ -22214,7 +17329,7 @@
           <a:lstStyle/>
           <a:p>
             <a:r>
-              <a:rPr lang="tr-TR" sz="4200" b="1" dirty="0" smtClean="0">
+              <a:rPr lang="tr-TR" sz="4200" b="1" dirty="0">
                 <a:solidFill>
                   <a:srgbClr val="CD1F26"/>
                 </a:solidFill>
@@ -22474,7 +17589,7 @@
             <p:nvPr/>
           </p:nvPicPr>
           <p:blipFill>
-            <a:blip r:embed="rId3" cstate="print">
+            <a:blip r:embed="rId2" cstate="print">
               <a:extLst>
                 <a:ext uri="{28A0092B-C50C-407E-A947-70E740481C1C}">
                   <a14:useLocalDpi xmlns:a14="http://schemas.microsoft.com/office/drawing/2010/main" val="0"/>
@@ -22524,7 +17639,7 @@
             <a:p>
               <a:pPr algn="ctr"/>
               <a:r>
-                <a:rPr lang="tr-TR" sz="1000" b="1" dirty="0" smtClean="0">
+                <a:rPr lang="tr-TR" sz="1000" b="1" dirty="0">
                   <a:latin typeface="Arial" panose="020B0604020202020204" pitchFamily="34" charset="0"/>
                   <a:cs typeface="Arial" panose="020B0604020202020204" pitchFamily="34" charset="0"/>
                 </a:rPr>
@@ -22561,7 +17676,7 @@
             <p:nvPr/>
           </p:nvPicPr>
           <p:blipFill>
-            <a:blip r:embed="rId3" cstate="print">
+            <a:blip r:embed="rId2" cstate="print">
               <a:extLst>
                 <a:ext uri="{28A0092B-C50C-407E-A947-70E740481C1C}">
                   <a14:useLocalDpi xmlns:a14="http://schemas.microsoft.com/office/drawing/2010/main" val="0"/>
@@ -22611,7 +17726,7 @@
             <a:p>
               <a:pPr algn="ctr"/>
               <a:r>
-                <a:rPr lang="tr-TR" sz="1000" b="1" dirty="0" smtClean="0">
+                <a:rPr lang="tr-TR" sz="1000" b="1" dirty="0">
                   <a:latin typeface="Arial" panose="020B0604020202020204" pitchFamily="34" charset="0"/>
                   <a:cs typeface="Arial" panose="020B0604020202020204" pitchFamily="34" charset="0"/>
                 </a:rPr>
@@ -22648,7 +17763,7 @@
             <p:nvPr/>
           </p:nvPicPr>
           <p:blipFill>
-            <a:blip r:embed="rId3" cstate="print">
+            <a:blip r:embed="rId2" cstate="print">
               <a:extLst>
                 <a:ext uri="{28A0092B-C50C-407E-A947-70E740481C1C}">
                   <a14:useLocalDpi xmlns:a14="http://schemas.microsoft.com/office/drawing/2010/main" val="0"/>
@@ -22698,7 +17813,7 @@
             <a:p>
               <a:pPr algn="ctr"/>
               <a:r>
-                <a:rPr lang="tr-TR" sz="1000" b="1" dirty="0" smtClean="0">
+                <a:rPr lang="tr-TR" sz="1000" b="1" dirty="0">
                   <a:latin typeface="Arial" panose="020B0604020202020204" pitchFamily="34" charset="0"/>
                   <a:cs typeface="Arial" panose="020B0604020202020204" pitchFamily="34" charset="0"/>
                 </a:rPr>
@@ -22721,7 +17836,7 @@
           <p:nvPr/>
         </p:nvPicPr>
         <p:blipFill rotWithShape="1">
-          <a:blip r:embed="rId4" cstate="print">
+          <a:blip r:embed="rId3" cstate="print">
             <a:extLst>
               <a:ext uri="{28A0092B-C50C-407E-A947-70E740481C1C}">
                 <a14:useLocalDpi xmlns:a14="http://schemas.microsoft.com/office/drawing/2010/main" val="0"/>
@@ -22764,7 +17879,7 @@
             <p:nvPr/>
           </p:nvPicPr>
           <p:blipFill>
-            <a:blip r:embed="rId3" cstate="print">
+            <a:blip r:embed="rId2" cstate="print">
               <a:extLst>
                 <a:ext uri="{28A0092B-C50C-407E-A947-70E740481C1C}">
                   <a14:useLocalDpi xmlns:a14="http://schemas.microsoft.com/office/drawing/2010/main" val="0"/>
@@ -22814,7 +17929,7 @@
             <a:p>
               <a:pPr algn="ctr"/>
               <a:r>
-                <a:rPr lang="tr-TR" sz="1000" b="1" dirty="0" smtClean="0">
+                <a:rPr lang="tr-TR" sz="1000" b="1" dirty="0">
                   <a:latin typeface="Arial" panose="020B0604020202020204" pitchFamily="34" charset="0"/>
                   <a:cs typeface="Arial" panose="020B0604020202020204" pitchFamily="34" charset="0"/>
                 </a:rPr>
@@ -22873,7 +17988,7 @@
           <p:nvPr/>
         </p:nvPicPr>
         <p:blipFill>
-          <a:blip r:embed="rId5" cstate="print">
+          <a:blip r:embed="rId4" cstate="print">
             <a:extLst>
               <a:ext uri="{28A0092B-C50C-407E-A947-70E740481C1C}">
                 <a14:useLocalDpi xmlns:a14="http://schemas.microsoft.com/office/drawing/2010/main" val="0"/>
@@ -22932,41 +18047,34 @@
             <a:p>
               <a:pPr algn="ctr"/>
               <a:r>
-                <a:rPr lang="tr-TR" sz="1000" b="1" dirty="0" err="1" smtClean="0">
+                <a:rPr lang="tr-TR" sz="1000" b="1" dirty="0" err="1">
                   <a:latin typeface="Arial" panose="020B0604020202020204" pitchFamily="34" charset="0"/>
                   <a:cs typeface="Arial" panose="020B0604020202020204" pitchFamily="34" charset="0"/>
                 </a:rPr>
                 <a:t>Secondary</a:t>
               </a:r>
               <a:r>
-                <a:rPr lang="tr-TR" sz="1000" b="1" dirty="0" smtClean="0">
+                <a:rPr lang="tr-TR" sz="1000" b="1" dirty="0">
                   <a:latin typeface="Arial" panose="020B0604020202020204" pitchFamily="34" charset="0"/>
                   <a:cs typeface="Arial" panose="020B0604020202020204" pitchFamily="34" charset="0"/>
                 </a:rPr>
                 <a:t>/</a:t>
               </a:r>
               <a:r>
-                <a:rPr lang="tr-TR" sz="1000" b="1" dirty="0" err="1" smtClean="0">
+                <a:rPr lang="tr-TR" sz="1000" b="1" dirty="0" err="1">
                   <a:latin typeface="Arial" panose="020B0604020202020204" pitchFamily="34" charset="0"/>
                   <a:cs typeface="Arial" panose="020B0604020202020204" pitchFamily="34" charset="0"/>
                 </a:rPr>
                 <a:t>Standby</a:t>
               </a:r>
-              <a:r>
-                <a:rPr lang="tr-TR" sz="1000" b="1" dirty="0" smtClean="0">
-                  <a:latin typeface="Arial" panose="020B0604020202020204" pitchFamily="34" charset="0"/>
-                  <a:cs typeface="Arial" panose="020B0604020202020204" pitchFamily="34" charset="0"/>
-                </a:rPr>
-                <a:t/>
-              </a:r>
               <a:br>
-                <a:rPr lang="tr-TR" sz="1000" b="1" dirty="0" smtClean="0">
+                <a:rPr lang="tr-TR" sz="1000" b="1" dirty="0">
                   <a:latin typeface="Arial" panose="020B0604020202020204" pitchFamily="34" charset="0"/>
                   <a:cs typeface="Arial" panose="020B0604020202020204" pitchFamily="34" charset="0"/>
                 </a:rPr>
               </a:br>
               <a:r>
-                <a:rPr lang="tr-TR" sz="1000" b="1" dirty="0" err="1" smtClean="0">
+                <a:rPr lang="tr-TR" sz="1000" b="1" dirty="0" err="1">
                   <a:latin typeface="Arial" panose="020B0604020202020204" pitchFamily="34" charset="0"/>
                   <a:cs typeface="Arial" panose="020B0604020202020204" pitchFamily="34" charset="0"/>
                 </a:rPr>
@@ -22988,7 +18096,7 @@
             <p:nvPr/>
           </p:nvPicPr>
           <p:blipFill>
-            <a:blip r:embed="rId6" cstate="print">
+            <a:blip r:embed="rId5" cstate="print">
               <a:extLst>
                 <a:ext uri="{28A0092B-C50C-407E-A947-70E740481C1C}">
                   <a14:useLocalDpi xmlns:a14="http://schemas.microsoft.com/office/drawing/2010/main" val="0"/>
@@ -23048,21 +18156,21 @@
             <a:p>
               <a:pPr algn="ctr"/>
               <a:r>
-                <a:rPr lang="tr-TR" sz="1000" b="1" dirty="0" err="1" smtClean="0">
+                <a:rPr lang="tr-TR" sz="1000" b="1" dirty="0" err="1">
                   <a:latin typeface="Arial" panose="020B0604020202020204" pitchFamily="34" charset="0"/>
                   <a:cs typeface="Arial" panose="020B0604020202020204" pitchFamily="34" charset="0"/>
                 </a:rPr>
                 <a:t>Edge</a:t>
               </a:r>
               <a:r>
-                <a:rPr lang="tr-TR" sz="1000" b="1" dirty="0" smtClean="0">
+                <a:rPr lang="tr-TR" sz="1000" b="1" dirty="0">
                   <a:latin typeface="Arial" panose="020B0604020202020204" pitchFamily="34" charset="0"/>
                   <a:cs typeface="Arial" panose="020B0604020202020204" pitchFamily="34" charset="0"/>
                 </a:rPr>
                 <a:t> </a:t>
               </a:r>
               <a:r>
-                <a:rPr lang="tr-TR" sz="1000" b="1" dirty="0" err="1" smtClean="0">
+                <a:rPr lang="tr-TR" sz="1000" b="1" dirty="0" err="1">
                   <a:latin typeface="Arial" panose="020B0604020202020204" pitchFamily="34" charset="0"/>
                   <a:cs typeface="Arial" panose="020B0604020202020204" pitchFamily="34" charset="0"/>
                 </a:rPr>
@@ -23084,7 +18192,7 @@
             <p:nvPr/>
           </p:nvPicPr>
           <p:blipFill>
-            <a:blip r:embed="rId6" cstate="print">
+            <a:blip r:embed="rId5" cstate="print">
               <a:extLst>
                 <a:ext uri="{28A0092B-C50C-407E-A947-70E740481C1C}">
                   <a14:useLocalDpi xmlns:a14="http://schemas.microsoft.com/office/drawing/2010/main" val="0"/>
@@ -23144,7 +18252,7 @@
             <a:p>
               <a:pPr algn="ctr"/>
               <a:r>
-                <a:rPr lang="tr-TR" sz="1000" b="1" dirty="0" err="1" smtClean="0">
+                <a:rPr lang="tr-TR" sz="1000" b="1" dirty="0" err="1">
                   <a:latin typeface="Arial" panose="020B0604020202020204" pitchFamily="34" charset="0"/>
                   <a:cs typeface="Arial" panose="020B0604020202020204" pitchFamily="34" charset="0"/>
                 </a:rPr>
@@ -23166,7 +18274,7 @@
             <p:nvPr/>
           </p:nvPicPr>
           <p:blipFill>
-            <a:blip r:embed="rId6" cstate="print">
+            <a:blip r:embed="rId5" cstate="print">
               <a:extLst>
                 <a:ext uri="{28A0092B-C50C-407E-A947-70E740481C1C}">
                   <a14:useLocalDpi xmlns:a14="http://schemas.microsoft.com/office/drawing/2010/main" val="0"/>
@@ -23233,7 +18341,7 @@
           <p:nvPr/>
         </p:nvPicPr>
         <p:blipFill>
-          <a:blip r:embed="rId7" cstate="print">
+          <a:blip r:embed="rId6" cstate="print">
             <a:extLst>
               <a:ext uri="{28A0092B-C50C-407E-A947-70E740481C1C}">
                 <a14:useLocalDpi xmlns:a14="http://schemas.microsoft.com/office/drawing/2010/main" val="0"/>
@@ -23263,7 +18371,7 @@
           <p:nvPr/>
         </p:nvPicPr>
         <p:blipFill>
-          <a:blip r:embed="rId8" cstate="print">
+          <a:blip r:embed="rId7" cstate="print">
             <a:extLst>
               <a:ext uri="{28A0092B-C50C-407E-A947-70E740481C1C}">
                 <a14:useLocalDpi xmlns:a14="http://schemas.microsoft.com/office/drawing/2010/main" val="0"/>
@@ -23293,7 +18401,7 @@
           <p:nvPr/>
         </p:nvPicPr>
         <p:blipFill>
-          <a:blip r:embed="rId9" cstate="print">
+          <a:blip r:embed="rId8" cstate="print">
             <a:extLst>
               <a:ext uri="{28A0092B-C50C-407E-A947-70E740481C1C}">
                 <a14:useLocalDpi xmlns:a14="http://schemas.microsoft.com/office/drawing/2010/main" val="0"/>
@@ -23323,7 +18431,7 @@
           <p:nvPr/>
         </p:nvPicPr>
         <p:blipFill>
-          <a:blip r:embed="rId8" cstate="print">
+          <a:blip r:embed="rId7" cstate="print">
             <a:extLst>
               <a:ext uri="{28A0092B-C50C-407E-A947-70E740481C1C}">
                 <a14:useLocalDpi xmlns:a14="http://schemas.microsoft.com/office/drawing/2010/main" val="0"/>
@@ -23353,7 +18461,7 @@
           <p:nvPr/>
         </p:nvPicPr>
         <p:blipFill>
-          <a:blip r:embed="rId8" cstate="print">
+          <a:blip r:embed="rId7" cstate="print">
             <a:extLst>
               <a:ext uri="{28A0092B-C50C-407E-A947-70E740481C1C}">
                 <a14:useLocalDpi xmlns:a14="http://schemas.microsoft.com/office/drawing/2010/main" val="0"/>
@@ -23383,7 +18491,7 @@
           <p:nvPr/>
         </p:nvPicPr>
         <p:blipFill>
-          <a:blip r:embed="rId9" cstate="print">
+          <a:blip r:embed="rId8" cstate="print">
             <a:extLst>
               <a:ext uri="{28A0092B-C50C-407E-A947-70E740481C1C}">
                 <a14:useLocalDpi xmlns:a14="http://schemas.microsoft.com/office/drawing/2010/main" val="0"/>
@@ -23413,7 +18521,7 @@
           <p:nvPr/>
         </p:nvPicPr>
         <p:blipFill>
-          <a:blip r:embed="rId9" cstate="print">
+          <a:blip r:embed="rId8" cstate="print">
             <a:extLst>
               <a:ext uri="{28A0092B-C50C-407E-A947-70E740481C1C}">
                 <a14:useLocalDpi xmlns:a14="http://schemas.microsoft.com/office/drawing/2010/main" val="0"/>
@@ -23495,7 +18603,7 @@
             <p:nvPr/>
           </p:nvPicPr>
           <p:blipFill>
-            <a:blip r:embed="rId10" cstate="print">
+            <a:blip r:embed="rId9" cstate="print">
               <a:extLst>
                 <a:ext uri="{28A0092B-C50C-407E-A947-70E740481C1C}">
                   <a14:useLocalDpi xmlns:a14="http://schemas.microsoft.com/office/drawing/2010/main" val="0"/>
@@ -23575,7 +18683,7 @@
           </a:p>
           <a:p>
             <a:r>
-              <a:rPr lang="tr-TR" sz="1000" dirty="0" smtClean="0">
+              <a:rPr lang="tr-TR" sz="1000" dirty="0">
                 <a:solidFill>
                   <a:schemeClr val="tx1">
                     <a:lumMod val="95000"/>
@@ -23585,14 +18693,6 @@
               </a:rPr>
               <a:t>Disk-1-Blok-1:Portakal</a:t>
             </a:r>
-            <a:endParaRPr lang="tr-TR" sz="1000" dirty="0">
-              <a:solidFill>
-                <a:schemeClr val="tx1">
-                  <a:lumMod val="95000"/>
-                  <a:lumOff val="5000"/>
-                </a:schemeClr>
-              </a:solidFill>
-            </a:endParaRPr>
           </a:p>
         </p:txBody>
       </p:sp>
@@ -23605,7 +18705,7 @@
           <p:nvPr/>
         </p:nvPicPr>
         <p:blipFill>
-          <a:blip r:embed="rId7" cstate="print">
+          <a:blip r:embed="rId6" cstate="print">
             <a:extLst>
               <a:ext uri="{28A0092B-C50C-407E-A947-70E740481C1C}">
                 <a14:useLocalDpi xmlns:a14="http://schemas.microsoft.com/office/drawing/2010/main" val="0"/>
@@ -23687,7 +18787,7 @@
             <p:nvPr/>
           </p:nvPicPr>
           <p:blipFill>
-            <a:blip r:embed="rId10" cstate="print">
+            <a:blip r:embed="rId9" cstate="print">
               <a:extLst>
                 <a:ext uri="{28A0092B-C50C-407E-A947-70E740481C1C}">
                   <a14:useLocalDpi xmlns:a14="http://schemas.microsoft.com/office/drawing/2010/main" val="0"/>
@@ -23732,7 +18832,7 @@
           <p:nvPr/>
         </p:nvPicPr>
         <p:blipFill>
-          <a:blip r:embed="rId7" cstate="print">
+          <a:blip r:embed="rId6" cstate="print">
             <a:extLst>
               <a:ext uri="{28A0092B-C50C-407E-A947-70E740481C1C}">
                 <a14:useLocalDpi xmlns:a14="http://schemas.microsoft.com/office/drawing/2010/main" val="0"/>
@@ -23762,7 +18862,7 @@
           <p:nvPr/>
         </p:nvPicPr>
         <p:blipFill>
-          <a:blip r:embed="rId7" cstate="print">
+          <a:blip r:embed="rId6" cstate="print">
             <a:extLst>
               <a:ext uri="{28A0092B-C50C-407E-A947-70E740481C1C}">
                 <a14:useLocalDpi xmlns:a14="http://schemas.microsoft.com/office/drawing/2010/main" val="0"/>
